--- a/slides/08_linear_regression.pptx
+++ b/slides/08_linear_regression.pptx
@@ -64,7 +64,7 @@
     <p:sldId id="678" r:id="rId52"/>
     <p:sldId id="673" r:id="rId53"/>
     <p:sldId id="669" r:id="rId54"/>
-    <p:sldId id="675" r:id="rId55"/>
+    <p:sldId id="680" r:id="rId55"/>
   </p:sldIdLst>
   <p:sldSz cx="9144000" cy="5143500" type="screen16x9"/>
   <p:notesSz cx="6858000" cy="9144000"/>
@@ -4043,7 +4043,7 @@
           <a:p>
             <a:fld id="{79A72009-0C07-A442-B1C4-26ED420CFE6B}" type="datetimeFigureOut">
               <a:rPr lang="en-US" smtClean="0"/>
-              <a:t>8/5/18</a:t>
+              <a:t>9/23/18</a:t>
             </a:fld>
             <a:endParaRPr lang="en-US"/>
           </a:p>
@@ -4124,188 +4124,6 @@
   </p:cSld>
   <p:clrMap bg1="lt1" tx1="dk1" bg2="lt2" tx2="dk2" accent1="accent1" accent2="accent2" accent3="accent3" accent4="accent4" accent5="accent5" accent6="accent6" hlink="hlink" folHlink="folHlink"/>
 </p:handoutMaster>
-</file>
-
-<file path=ppt/ink/ink1.xml><?xml version="1.0" encoding="utf-8"?>
-<inkml:ink xmlns:inkml="http://www.w3.org/2003/InkML">
-  <inkml:definitions>
-    <inkml:context xml:id="ctx0">
-      <inkml:inkSource xml:id="inkSrc0">
-        <inkml:traceFormat>
-          <inkml:channel name="X" type="integer" max="32767" units="in"/>
-          <inkml:channel name="Y" type="integer" max="25399" units="in"/>
-          <inkml:channel name="F" type="integer" max="32767" units="dev"/>
-        </inkml:traceFormat>
-        <inkml:channelProperties>
-          <inkml:channelProperty channel="X" name="resolution" value="4096.38672" units="1/in"/>
-          <inkml:channelProperty channel="Y" name="resolution" value="5080.81592" units="1/in"/>
-          <inkml:channelProperty channel="F" name="resolution" value="0" units="1/dev"/>
-        </inkml:channelProperties>
-      </inkml:inkSource>
-      <inkml:timestamp xml:id="ts0" timeString="2011-09-13T23:55:39.113"/>
-    </inkml:context>
-    <inkml:brush xml:id="br0">
-      <inkml:brushProperty name="width" value="0.05292" units="cm"/>
-      <inkml:brushProperty name="height" value="0.05292" units="cm"/>
-      <inkml:brushProperty name="color" value="#0000FF"/>
-    </inkml:brush>
-    <inkml:brush xml:id="br1">
-      <inkml:brushProperty name="width" value="0.05292" units="cm"/>
-      <inkml:brushProperty name="height" value="0.05292" units="cm"/>
-      <inkml:brushProperty name="color" value="#00FF00"/>
-    </inkml:brush>
-    <inkml:brush xml:id="br2">
-      <inkml:brushProperty name="width" value="0.05292" units="cm"/>
-      <inkml:brushProperty name="height" value="0.05292" units="cm"/>
-      <inkml:brushProperty name="color" value="#FF0000"/>
-    </inkml:brush>
-  </inkml:definitions>
-  <inkml:trace contextRef="#ctx0" brushRef="#br0">7998 2483 11723,'-18'-39'64,"18"19"-64,0 20 704,38-20 193,-17 1-480,37-2 127,3 2 225,-2-2-225,1 21-159,-1 21-97,0-2-128,2 21-32,-23 20 0,-18-1-96,1 1-128,-21 0-96,-21-21 128,1 0 128,2 2 32,-23-21-32,21-20-32,-19 0-64,-1 0-32,0 0-96,1 0 96,19-20 0,0 0-160,20-1 0,0 21-97,20 0 129,20-19 480,-1 19 65,1 19-33,-1-19-192,1 21 0,19-21-96,-18 20 0,-21-20-256,19 20-481,-19-20-1024,-20 19-1634,0 0-2467</inkml:trace>
-  <inkml:trace contextRef="#ctx0" brushRef="#br0" timeOffset="260.014">7601 3239 14285,'79'0'96,"-18"0"64,38 0 257,-20 0 351,41 0-351,-21 0-257,20-20-96,0 20-32,-19-20-32,-21 20 0,0 0-480,-19 0-674,-21-21-511,-19 21-1474,0 0-4997</inkml:trace>
-  <inkml:trace contextRef="#ctx0" brushRef="#br0" timeOffset="664.038">7840 3497 9769,'40'0'288,"-1"0"-192,22 20 1057,-23-1-608,3 1-321,-3 20-256,3 0 0,-21 0-673,0 19 193,-20-19-289,-20 0 545,0-1 352,-21-18 352,3-2 33,-23-19-97,22 0-160,-21 0-64,21-19-63,19-2 63,0-18 320,20 19 193,0 0-417,20 20-96,0-20 225,19 20 255,1 0-256,1 0-287,-3 20-1,3-20-321,-3 20-575,3 0-994,-21-20-1377,19 20-4068</inkml:trace>
-  <inkml:trace contextRef="#ctx0" brushRef="#br0" timeOffset="1133.064">8494 3536 13388,'-18'-19'-640,"-2"19"576,-1 19 512,1 1-64,0 1-256,1 18 1,-1 0 255,20 2 0,0 18-63,20-19-257,-1 0-128,21-21-97,1 21-95,-3-40 192,3 20 64,18-20 0,-19-20 0,0 1 32,-1-21 32,-19 20 96,0-20 1,-20-20-65,0 21-192,0-1-289,-20 0-159,0 0 351,-19 20 161,-1 1 32,0-1 129,1 20 351,-1 20-96,-1-1-63,23 1-129,-2 1-128,20-2 160,20 1 32,-2 19-31,23-18-33,-1-1-128,-1-20-32,1 19-256,0-19-257,-1 20-832,1-20-2274,-19 0-6247</inkml:trace>
-  <inkml:trace contextRef="#ctx0" brushRef="#br0" timeOffset="1378.078">9031 3795 11947,'20'80'352,"-20"-21"-96,0-19 1666,0 19-577,0-19-768,0 0-193,0-21 289,0 21-257,0-20-159,-20-20-97,20 20 32,-20-20-192,1 0-160,-21 0-321,20-20-608,-1 0-1569,-17 1-2467</inkml:trace>
-  <inkml:trace contextRef="#ctx0" brushRef="#br0" timeOffset="1522.087">8992 3696 17296,'79'0'192,"-40"0"-320,1-20 320,-20 20-224,0 0-1089,-1 0-1794,-19 0-4356</inkml:trace>
-  <inkml:trace contextRef="#ctx0" brushRef="#br0" timeOffset="2229.127">10341 2602 10826,'0'41'2498,"0"-22"-2466,0 21 449,0 0 704,0 19-609,-20 1-480,20 0 32,0-1-95,20-19-1,0-1 0,0 1-225,0 0-607,-20-20-994,20-1-2114</inkml:trace>
-  <inkml:trace contextRef="#ctx0" brushRef="#br0" timeOffset="2424.138">10004 3298 14669,'-20'40'961,"40"-40"-2402,-1 0 2338,21 0 416,19 0-736,22 0-385,18-20 160,-20 0 32,0 20-255,0-20-226,2 20-479,-22 0-673,-19 0-993,-21 0-2563</inkml:trace>
-  <inkml:trace contextRef="#ctx0" brushRef="#br0" timeOffset="2734.156">10004 3616 13612,'-20'20'-224,"40"-20"352,-1 0 1570,1 0-417,20 0-832,-1 0-65,22 19 128,-23-19-383,3 0-226,-21 21-159,0-1 0,-20-1 160,-20 1 96,0 20 96,0-20 96,-1 20 225,3-21-97,-2 2-224,20-21 0,0 19-96,0-19 0,20 20 0,-2-20-352,23 0-545,-21-20-1185,19 1-3331</inkml:trace>
-  <inkml:trace contextRef="#ctx0" brushRef="#br0" timeOffset="3159.18">10440 3696 14894,'0'59'-545,"0"-39"609,0 0 417,0 0-417,0 0-449,0-1 129,0-19 224,20 0 32,0 0-320,-20-19-449,20-1-32,1-20 353,-21 20 192,18-20 288,-18 21 192,0 19 352,20 0 129,-20 0-257,0 0 321,0 19 0,21 1-353,-21 0-224,20 0-159,-20 0-66,20 0-255,-20-20 96,0 0 160,18 0 160,-18-20-32,21 20-64,-21-20-32,20 0 0,0 0-32,-20 20 160,20 0 577,-1 0 192,1 0-128,-20 20-289,20 0-32,-20 20-159,0-20-161,20-1-64,-20 2-384,0-21-513,0 19-1409,20-19-4068</inkml:trace>
-  <inkml:trace contextRef="#ctx0" brushRef="#br0" timeOffset="3780.216">12167 2682 14669,'40'-20'-224,"-19"1"320,-1 19 705,-20-21-64,-20 21-865,-21 0-289,-18 0 321,-1 21 128,-19-2 0,0 21 0,0-21 64,18 22 96,2-21-127,19-1-1,20-19 64,1 19-96,19 2 288,19-1 321,21 0-193,19 0-160,1-20-127,-1 20-97,2-1-64,-22 1-481,1-20-127,-20 40-353,-20-20 64,-40 19-64,20 1 128,-39 0 673,18-1 640,3-18 289,17-1 0,1 0 0,0 0-193,20-20-31,20 19 351,21-19-351,18 0-161,-1 0-223,23 0-129,-22 0-129,20 0-191,-39 0-1057,1 0-1730,-23 0-3844</inkml:trace>
-  <inkml:trace contextRef="#ctx0" brushRef="#br0" timeOffset="4537.259">11750 3696 11530,'0'19'545,"0"1"608,0 0 865,0 0-1089,20 0-801,-20 0-128,0 0 32,20-1-64,-20 2-352,0-21-641,20 0-1570,-20 0-2978</inkml:trace>
-  <inkml:trace contextRef="#ctx0" brushRef="#br0" timeOffset="4709.269">11790 3536 16912,'20'0'-257,"-20"0"-95,0 0 736,21 0-480,-21 0-1249,18 0-1282,2 0-640,-20 0-2242</inkml:trace>
-  <inkml:trace contextRef="#ctx0" brushRef="#br0" timeOffset="4883.279">11910 3596 1889,'20'20'7880,"-20"-20"-7880,0 0 1729,18 0 962,3 0-1186,-1 0-512,0 0-448,0 0-513,0 0-256,-1 0-769,1 0-1442,-20 0-2401</inkml:trace>
-  <inkml:trace contextRef="#ctx0" brushRef="#br0" timeOffset="5034.287">11930 3715 11723,'0'40'-417,"18"-20"353,3-20 1794,-1 20-513,20-20-737,-1 0-191,1-20-193,-20 20-449,19-20-2401,1 20-5478</inkml:trace>
-  <inkml:trace contextRef="#ctx0" brushRef="#br0" timeOffset="5186.296">12307 3636 13196,'0'40'352,"0"-20"-288,20-1 2050,-20 1-1089,20 0-961,-20 0-576,19-20-321,-19 20-1025,20-20-1953</inkml:trace>
-  <inkml:trace contextRef="#ctx0" brushRef="#br0" timeOffset="5756.329">11651 2185 9769,'20'80'1217,"0"-40"-1089,0 0-32,-20-21 545,0 2-385,20-2-160,-20-19 0,0 0 449,0 0 832,0 0-961,0-19-768,0-2-128,0 2 191,19-2-319,-19-17-33,20 17 481,-20 1 288,20 20 128,-20 0 161,20 0-1,-20 20 129,21-20-321,-21 21-224,18-2-128,-18 0 128,20-19 64,-20 21 0,21-21 32,-21 0 96,20 0-128,-20 0-32,20-21-64,-20 21-32,18-19-32,3 19-96,-1-19 160,0 19 352,0 0-224,0 0 0,-1 0-32,1 19-160,0 0-32,0 2-1281,0-2-2371</inkml:trace>
-  <inkml:trace contextRef="#ctx0" brushRef="#br0" timeOffset="7241.414">12962 2563 8359,'0'-40'6599,"0"40"-6663,-20 0 64,0 20 64,20-20-128,-40 40 128,21-1 160,-1 41 416,0-20 193,0 19-128,20 1-513,0-1-128,0 0 32,20-19 32,0-21-128,19 22-96,1-41-288,0 19-193,19-19-480,-18-20-1185,18 0-2210</inkml:trace>
-  <inkml:trace contextRef="#ctx0" brushRef="#br0" timeOffset="7609.435">13319 2602 14157,'0'41'-64,"0"-2"-321,0 0 578,0 22 287,0 18-320,0 0-32,0 21-32,0-20-31,0-1 159,0-19-192,0-21 32,0-19-32,0 0-64,20 0-256,-20-20 288,20-20 0,-20 0-193,19-20-159,-19 21 64,20-1 224,0 0 64,-20 0 224,20 20 352,1 0 1,-3 20-32,2-20-33,-20 20-320,20 19-192,1-19-192,-21 0-256,20 20-641,-2-20-1057,-18 0-1218,20-20-4323</inkml:trace>
-  <inkml:trace contextRef="#ctx0" brushRef="#br0" timeOffset="8006.457">13835 3219 12972,'0'0'64,"-20"0"-673,0 0 1410,1 20-64,-1 0-257,0 19 129,20 1 192,0 0-129,20-1-191,0 1-257,19-20-160,1 0 96,19-20-96,-18 0 32,-3 0-32,3 0 64,-1-40-224,-21 20 32,-19 0-64,0-19-384,-19 19-417,-21-20-1345,-1 20-289,-18 0 1987,19 1 800,-19 19 961,39 19 32,-19 1-384,19 0-96,20 20-161,0-20-31,39 0 159,1-1-159,1 1-289,-3-20-224,23 0-96,-22 0-577,1 0-1697,-20-20-4805</inkml:trace>
-  <inkml:trace contextRef="#ctx0" brushRef="#br0" timeOffset="8453.483">14550 2385 15086,'-20'-21'-128,"20"2"-65,0 19 770,-20 0-609,1 19-224,-1 21 320,0 20 448,-21 19 417,21 0 0,2 41-416,-2-21-225,20 0-224,0-19 64,20-1-160,-2-19-32,23 0-160,-1-20-129,-1-1-319,1-19-481,0-20-545,19 0-1761,-19 0-3684</inkml:trace>
-  <inkml:trace contextRef="#ctx0" brushRef="#br0" timeOffset="8635.494">14689 2861 16976,'19'40'-289,"1"-1"353,21-19 385,-3 20-65,3 0-288,-1-1-224,19 2-192,0-2-225,-19-20-704,19 2-1538,-19-1-1152,1-20-4709</inkml:trace>
-  <inkml:trace contextRef="#ctx0" brushRef="#br0" timeOffset="8822.504">15006 2901 15726,'-59'39'-416,"19"-19"480,21 20 769,-21 19-257,-1-19-191,3 20-225,17-20-128,1 0-64,20-1-545,0-19-864,20 0-1762,1-20-2338</inkml:trace>
-  <inkml:trace contextRef="#ctx0" brushRef="#br0" timeOffset="9089.519">15204 2245 13708,'-79'-20'-128,"59"40"321,1 21 1216,-21-3-480,40 23-545,-20-2-64,20 0 33,0 1-257,40-1-64,-20 1-256,19-21-161,1 2-127,-1-21-321,1-20-1761,1 0-3044</inkml:trace>
-  <inkml:trace contextRef="#ctx0" brushRef="#br0" timeOffset="9240.528">15404 2523 15855,'-20'40'-193,"20"-1"225,0-19 64,0 1-480,20-2-1922,-20 1-801,19-20-993</inkml:trace>
-  <inkml:trace contextRef="#ctx0" brushRef="#br0" timeOffset="9383.536">15463 2404 15630,'-20'0'1153,"20"0"-2178,0-19 1154,0 19-322,20 0-3650,-20-21-5927</inkml:trace>
-  <inkml:trace contextRef="#ctx0" brushRef="#br0" timeOffset="9594.548">15603 2286 13068,'0'19'-256,"18"0"1377,2 2 897,1-2-1090,-21 21-447,20-20-97,0 20 33,-2-21-161,3 21-416,-21 0 448,0-1-352,0 2-384,0-2-225,0-19-704,0-1-1218,-21 2-2818</inkml:trace>
-  <inkml:trace contextRef="#ctx0" brushRef="#br0" timeOffset="9917.567">15820 2265 11530,'-19'0'2755,"19"0"-3524,19 21 1762,-19 17 385,20-17-642,0 19-255,0-1 127,19 20 1,-19 1-161,0 19-352,0-19-32,1 20 65,-21-1-97,0-19 32,0 19-385,-21-19 578,1-21-321,0 2-193,0-2-287,-19 1-898,-1-20-1248,20 0-3876</inkml:trace>
-  <inkml:trace contextRef="#ctx0" brushRef="#br0" timeOffset="10264.587">16475 2901 18033,'0'20'-673,"21"-20"545,17 0 897,3 0-449,-1 0-256,19 0-96,-19 0-513,-1 0-1024,1 0-1986,-20-20-9128</inkml:trace>
-  <inkml:trace contextRef="#ctx0" brushRef="#br0" timeOffset="10855.62">17269 2881 10634,'0'20'1665,"0"0"-1857,0-1 512,0 21 449,0-20-673,0 20-192,20-21-320,1 1 352,-1 0 128,18 1 96,-17-21-64,19 0 64,-1-21-96,-19 1-128,0 0 64,0 1 96,-20-1-96,0-20-32,0 20 64,0 0-32,0 20 0,0 0-320,0 20 192,19 0 288,-19 20-96,0 19 64,20 1 32,-20 0 0,20 0-160,0-21 64,-20 21 0,0-1 161,0-19 319,0-20 353,-20 20 128,0-21-128,-19 1-385,-1-20-223,0 21-225,1-42-321,-2 21-319,3-39-449,-3 19-1281,21-40-1954,0 1-5061</inkml:trace>
-  <inkml:trace contextRef="#ctx0" brushRef="#br0" timeOffset="11115.635">17806 2286 13773,'-20'38'96,"-1"2"416,1 0 1186,2 20-641,18-21-673,-21 21-256,21-1 64,21 1-31,-3-21 63,2 2-256,1-2-289,19 1-351,-1-40-481,1 20-1250,-20-20-2657</inkml:trace>
-  <inkml:trace contextRef="#ctx0" brushRef="#br0" timeOffset="11274.644">17984 2583 14157,'0'19'160,"0"22"-64,0-22 160,20 1-224,0 0-672,0-1-1026,-1-19 161,1 21-257,0-21-3427</inkml:trace>
-  <inkml:trace contextRef="#ctx0" brushRef="#br0" timeOffset="11410.652">18083 2444 15534,'-20'0'-961,"20"-20"897,20 20 449,-20 0-2275,0 0-6534</inkml:trace>
-  <inkml:trace contextRef="#ctx0" brushRef="#br0" timeOffset="11628.665">18261 2404 12748,'21'20'256,"-1"-20"2242,0 40-736,0-21-897,-1 21-673,-19-20-32,0 20-160,20-1 96,-20 1-64,0-20-192,0 0-64,-20-1-289,20 2-672,0-21-1153,0 20-2979</inkml:trace>
-  <inkml:trace contextRef="#ctx0" brushRef="#br0" timeOffset="11995.686">18480 2324 10922,'0'0'1794,"0"0"-1987,20 21 2211,0-2-480,19 21-609,-19 0-193,21 19 129,-1 1-320,-21-1-257,21 21-64,0 0-64,-21-1-192,1 0 96,0-19 0,-20-1-160,0 2-128,0-3-64,-20-17 32,0-1-33,1-21 97,-1 21-64,0-20-96,0-20-449,0 20-673,1-40-1504,19 20-3364</inkml:trace>
-  <inkml:trace contextRef="#ctx0" brushRef="#br0" timeOffset="12399.709">18818 2225 16239,'20'-20'-352,"0"20"928,-1-20 994,21 20-1154,1 0 0,-3 0 65,3 0-257,-3 20-320,-17 0 352,-1 0-288,-20 0 32,0 1-160,0 17 224,-20-17-128,20-2 128,-21 2 32,21-21-192,0 19 224,0-19-128,0 20 64,21-20 225,-1 0-97,0 20-96,19-20 0,-19 0-384,20 20-257,-20-20-960,19 19-1026,-19-19-2433</inkml:trace>
-  <inkml:trace contextRef="#ctx0" brushRef="#br0" timeOffset="14672.839">5338 5464 13036,'-19'20'448,"19"-20"-159,0 0 383,19 0 930,-19 0-481,20 0-577,20 20 97,-20-20-129,19 0-255,2 0-225,-1 0-353,-22-20-319,23 20-738,-21 0-1088,-20 0-2755</inkml:trace>
-  <inkml:trace contextRef="#ctx0" brushRef="#br0" timeOffset="14837.848">5378 5684 12203,'0'39'609,"20"-39"-481,0 0 96,1 0 705,17 0-96,-17 0-641,19 0-448,-22 0-545,23 0-1153,-21 0-2947</inkml:trace>
-  <inkml:trace contextRef="#ctx0" brushRef="#br0" timeOffset="15464.884">6808 4789 12299,'0'-21'385,"20"21"-450,0 0 354,19 0 31,21 0 128,-1 0-159,1 21-193,-21 19-96,22-20 0,-23 39-32,3-19-385,-21 19-768,-20 1-480,0-20 992,-20 0 417,0-21 224,-21 1 96,-18 1-96,19-21-96,-19 0-161,19 0 353,1-21 289,-1 21 255,20-20 129,20 1 160,20 19-801,0-21 160,19 21 129,21 0-97,-20 0-192,19 0-32,0 0-160,-18 21-224,17-21-545,-17 0-833,-21 0-832,0 19-2755</inkml:trace>
-  <inkml:trace contextRef="#ctx0" brushRef="#br0" timeOffset="15760.901">6470 5524 10057,'-59'20'2659,"39"-20"-2211,20 0-160,20 0 545,20 0 576,-1 0-1120,40 0-161,1 0-32,20-20 64,17 20 64,-17-20-64,19 20 1,21-20 95,-41 20-160,20-20-96,-40 20-32,0 0-449,-38 0-319,-3 0-802,-38 0-1473,0 20-736</inkml:trace>
-  <inkml:trace contextRef="#ctx0" brushRef="#br0" timeOffset="16128.922">6530 5803 12203,'-20'19'993,"40"-19"-2114,0 20 1249,19-1 288,-19 2-31,39 18-321,-19 1-128,-20 0-289,1-1 193,-3 1 96,-18 0-128,0 0 160,-39 0 0,19-21 128,-20 1 32,21-20-160,-21 0 96,0-20-96,21 1 32,-1-2 32,20-18-160,20 19 32,-1 0 160,21 0 192,0 20 33,-1 0-129,1 0-160,-1 0 0,2 20-224,-21 0-577,18-20-833,3 20-576,-21-20-1698</inkml:trace>
-  <inkml:trace contextRef="#ctx0" brushRef="#br0" timeOffset="16568.947">7204 5882 12523,'-38'0'481,"18"0"-769,-1 20 288,1-1 320,-19 21 160,19-20-320,20 20-63,0-1 95,20 1 128,-1 0-224,21-20 64,1 20-32,-3-40 97,3 19 127,-3-19 32,23-19-127,-22-2-97,-19 2-160,20-21-64,-40 0 64,0 0 128,0 1-320,-20-1-129,-20 0 65,1 21 64,-22-1 32,3-1 32,17 21 224,3 0 96,-3 21-32,21-1 160,1-1-31,19 21-97,19-20 64,1 0 0,21 0-128,-3-1 0,23-19-128,-2 20-128,1-20-32,-21 0-641,21 0-800,-21 0-1954,-19-20-6343</inkml:trace>
-  <inkml:trace contextRef="#ctx0" brushRef="#br0" timeOffset="16762.958">7701 6120 10217,'20'80'320,"0"-20"-287,-20-21 63,20 21 64,-20-21-96,0-19 0,0 20 609,0-20 704,0 0-801,-20-20-672,0 0-961,0 0-1313,-19-20-3107</inkml:trace>
-  <inkml:trace contextRef="#ctx0" brushRef="#br0" timeOffset="16901.966">7701 5921 14477,'60'-19'-897,"-21"-1"-160,-39 20-1825,20 0-5799</inkml:trace>
-  <inkml:trace contextRef="#ctx0" brushRef="#br0" timeOffset="18004.029">8893 5027 10537,'0'0'2595,"0"0"-2627,0 0 320,18 20 1186,-18 0-514,0 20-383,0 0-225,21 20-63,-21-21-193,20 0-64,-20 21-224,20-40-161,0 20-319,-1-20-802,-19 0-1216,0-1-1026</inkml:trace>
-  <inkml:trace contextRef="#ctx0" brushRef="#br0" timeOffset="18228.042">8634 5524 12395,'-40'20'2050,"21"-20"-1954,19 0 385,19 0 416,1 0 352,20 0-545,19-20-287,22 20-1,-2-20 129,20 0-193,-20 20-128,20-20-160,0 20-64,-20 0 0,0 0-416,-18 0-321,-21 0-256,-21 0-768,1 0-1795,-20 0-4003</inkml:trace>
-  <inkml:trace contextRef="#ctx0" brushRef="#br0" timeOffset="18552.061">8674 5882 12940,'-20'0'96,"40"0"-416,0 0 1665,19 20-256,-19-20-705,21 0-288,-3 0-32,3 0-128,-3 19-128,-38-19-192,21 20-97,-21 0 385,0 0 288,-21 20 289,3-21 288,-2 1 191,20 0-383,-21 0-289,21 0-160,0-20 33,21 0-161,-1 20 64,-2-20-449,3 0-287,19 0-513,-20 0-897,19-20-2755</inkml:trace>
-  <inkml:trace contextRef="#ctx0" brushRef="#br0" timeOffset="19028.088">9190 5961 11082,'19'60'192,"1"-41"-192,-20 1 865,0 20 64,0-20-865,0 0 0,0-20 32,0 0 320,20 0-63,-20 0-449,20-20-64,-20 0 31,21 0-31,-21-20 32,18 21 0,-18-1 32,20 0 96,-20 20 128,21 0 64,-21 0 161,20 20 31,-20-20-128,20 20-192,-20-1 64,18 1-64,-18 0-32,0-20-32,21 20-96,-21-20-192,0 0 0,20-20-193,-20 0-447,20 0-322,0 1 386,0 19 639,19-20 610,-19 20 1312,0 0 1,0 0-577,-1 0 32,1 20-128,0-1-513,-20 1-223,21 0-129,-1 0 64,-2 0-96,-18 0-224,0 0-512,0-1-642,0-19-1953,0 0-5541</inkml:trace>
-  <inkml:trace contextRef="#ctx0" brushRef="#br0" timeOffset="19851.135">11294 4968 7046,'79'-20'2595,"-59"20"-2019,1-20 1346,-1 20 128,-20 0-1025,0 0-384,0 20 63,-20-20-384,-21 20 1,-18-1-321,-20 1 32,-1 0-32,1 0 0,-21 0 32,21-20 0,-20 20-32,0-20 64,38 0 32,-18 20 256,59-20-127,2 0-257,-3 19 0,42-19-1,-3 21 194,23-21-33,17 19-128,23-19 0,-2 0 0,0 20 64,-20-20-96,22 0 64,-43 21-96,3-21-225,-41 19-95,0 1 320,-20 19 0,-21 2 0,-18-2 64,19 1 96,-19 0 0,0 19 64,19-19 129,20-20-65,0 0-64,40 19 96,0-19 0,20-20 1,-1 20-97,40-20-64,-18 0-64,-3-20 0,22 20-64,-20 0-352,-20-20-770,-21 20-1824,1 0-4614</inkml:trace>
-  <inkml:trace contextRef="#ctx0" brushRef="#br0" timeOffset="20146.152">10818 5981 13484,'0'20'2114,"0"19"-2082,0-19 225,0 20 768,0-20-641,19 20-448,-19-21-96,20 2-321,0-2-640,0-19-1121,-20-19-4036</inkml:trace>
-  <inkml:trace contextRef="#ctx0" brushRef="#br0" timeOffset="20291.16">10778 5902 15374,'20'0'352,"0"0"-1537,-20 0 1121,39 0-1345,-19 0-3300</inkml:trace>
-  <inkml:trace contextRef="#ctx0" brushRef="#br0" timeOffset="20471.17">10956 6021 14029,'20'19'512,"1"-19"-384,-1 0 929,-2-19-128,23 19-705,-1 0-512,-21-20-481,1 20-672,0 0-2755</inkml:trace>
-  <inkml:trace contextRef="#ctx0" brushRef="#br0" timeOffset="20623.179">11035 6100 12139,'0'40'2082,"0"-40"-2691,20 20 866,21-20 768,-2 0-513,1 0-480,20 0-320,-21-20-609,1 20-1890,-1-20-6950</inkml:trace>
-  <inkml:trace contextRef="#ctx0" brushRef="#br0" timeOffset="20767.187">11452 6060 13805,'21'20'128,"-21"-20"128,20 20 1249,0 0-1312,-20 0-1443,20 0-2561,-1-20-3460</inkml:trace>
-  <inkml:trace contextRef="#ctx0" brushRef="#br0" timeOffset="21315.219">10818 4550 14285,'-20'0'2178,"20"20"-2819,0-20 385,20 39 160,-20-18 64,19 18-416,-19 0-65,0 2-31,20-1 255,-20-21-447,0-19-610,0 0-63,0 0 993,0-19 256,0-2 160,0 2 192,0-1 0,20-1 128,-20 2 129,20 19 287,-20-20-127,20 20-225,-20 0-192,19 0-95,1 0-65,-20 20-64,20-20-257,1 19-319,-1-19 63,-20 0 193,18 0 352,-18-19 32,20 19 64,-20-20 256,21 0 321,-1 20 672,0 0 1,-1 0-418,1 0-511,-20 20-65,20-20-96,0 20-31,0-1-225,0 2 32,-1-1-289,1-20-800,-20 19-1921,0-19-2884</inkml:trace>
-  <inkml:trace contextRef="#ctx0" brushRef="#br0" timeOffset="21834.248">12128 4849 10249,'0'-20'353,"0"20"95,0 0 1218,0 0-1218,-20 39 289,0 1 192,0 20 160,1-1-64,-1 21-513,0-1-32,0 1-319,20-1-65,0-19 0,0 19-128,20-19 0,20-20-289,-21-1-287,21-19-705,0 21-1506,-1-41-3491</inkml:trace>
-  <inkml:trace contextRef="#ctx0" brushRef="#br0" timeOffset="22280.274">12624 5147 16047,'0'-21'288,"-20"21"-1569,0-19 1089,0 38 192,1 2-193,-21-2-31,20 41 256,20-1 256,0 1 1,0 0-161,20 19 0,0-19-192,19-20 64,1-1-96,19-19 96,-19 0 32,19-20 32,2 0 128,-21-20-64,-1-20 32,1 21 33,-20-21-1,-20 0-128,0 0-192,-40-19-289,20 19-832,-39-19-545,-1 19 1154,1 20 640,-2 0 704,22 20 514,-1 0-129,1 20-385,19 0-255,0 20-1,20-1-128,20-19 65,0 20-161,39 0-288,0-1-288,2-19-898,-2 0-1792,1 0-3845</inkml:trace>
-  <inkml:trace contextRef="#ctx0" brushRef="#br0" timeOffset="22541.289">13141 5564 15342,'0'39'-512,"-20"-19"223,-1 0 1218,21 0-641,0 1-320,21-2 32,-21 1-64,20-20 128,18 19-96,-17-19-192,-1-19-32,0 19 192,0-20 128,-20 1 64,0-2 128,-20 1 33,0 0-129,0 20-160,-19-20 0,-1 20-160,19 0-705,1 0-3555</inkml:trace>
-  <inkml:trace contextRef="#ctx0" brushRef="#br0" timeOffset="22931.311">13558 5425 14894,'0'0'-353,"18"0"866,2 0 1345,21 0-801,-1 0-449,19-20-224,-19 20-255,-1 0-354,1-21-511,-1 21-1186,-19 0-2146,-20 0-2722</inkml:trace>
-  <inkml:trace contextRef="#ctx0" brushRef="#br0" timeOffset="23089.32">13776 5285 13132,'19'80'769,"-19"-40"-193,0 19 1250,20-19-769,-20 20-897,0-21-704,20 1-1442,0-20-1730</inkml:trace>
-  <inkml:trace contextRef="#ctx0" brushRef="#br0" timeOffset="23730.357">14669 5007 6438,'-60'-20'8424,"21"20"-8424,-1 0 0,1 20 96,-1 0 96,-1 0-192,3 40 0,18-20 64,-1 20-32,21-21 192,0 21-128,21-1-32,17 1-32,3-21-64,19-19 64,-1 20 0,20-40 96,0 0 33,-18 0 255,18-40-224,-20 20-32,-19-19-32,-20-2 1,0-17-1,-1 17-32,-38-18-32,-1-1-32,-20 20 0,-19-19-96,-2 39 64,-18 0 128,20 0 0,-20 40 64,19 0 33,21 0-129,19 20-64,0 0-32,40-21-64,0 22 320,39-22-224,0 1 32,1 0-64,-1-1-192,20-19-289,-18 21-287,-2-21-1122,1 0-2594</inkml:trace>
-  <inkml:trace contextRef="#ctx0" brushRef="#br0" timeOffset="23955.37">15305 5365 15438,'19'40'449,"-19"0"-225,0-1 1153,20 1-1121,-20 0-320,0-20-256,0 19-96,20-19-129,-20 0-928,20-20-1794,-20 0-3524</inkml:trace>
-  <inkml:trace contextRef="#ctx0" brushRef="#br0" timeOffset="24417.396">15919 5147 13292,'0'0'1249,"0"0"-1505,0 19 1409,20 1 128,0 1-576,21 18-289,-3 0 65,3-18-129,-1 18-256,19-19-160,-19 20-320,-1-20-417,-19 0-448,20-20-673,-21 19-1409,-19-19-4356</inkml:trace>
-  <inkml:trace contextRef="#ctx0" brushRef="#br0" timeOffset="24633.408">16257 5067 10089,'-20'40'5573,"1"-21"-5573,-21 21 449,-1 1 896,3 18-929,-3 1-352,1-21-128,22 1-288,18 0-192,0-1-642,18-19-543,22-20-705,1 0-1282</inkml:trace>
-  <inkml:trace contextRef="#ctx0" brushRef="#br0" timeOffset="24864.422">16516 4630 15822,'-41'19'-192,"21"1"320,0 19 1282,20 2-449,-18-1-609,18 0-160,0 19-64,0-19-64,18 0-128,2-21-576,21 21-834,-3-20-1344,3-20-1987</inkml:trace>
-  <inkml:trace contextRef="#ctx0" brushRef="#br0" timeOffset="25023.431">16714 4808 16912,'0'41'-257,"0"-41"-95,0 19 800,19 1-159,-19 0-642,0 0-1376,20 0-834,0-20 481,0 0-4068</inkml:trace>
-  <inkml:trace contextRef="#ctx0" brushRef="#br0" timeOffset="25151.438">16753 4708 11851,'-20'-19'1057,"1"19"-4741,19 0 609</inkml:trace>
-  <inkml:trace contextRef="#ctx0" brushRef="#br0" timeOffset="25369.451">16852 4590 15310,'0'19'897,"20"-19"-32,1 21 1377,19-2-609,-22 1-704,23 0-737,-1 20-192,-21-1 0,1 1 32,0 1-160,0-2-416,-20 1-129,0-20-448,0 19-384,0-19-1314,-20 0-3299</inkml:trace>
-  <inkml:trace contextRef="#ctx0" brushRef="#br0" timeOffset="25744.472">17330 5207 19986,'0'19'-544,"18"-19"576,2 0 288,1 0-64,19 0-448,-1 0-1025,21 0-352,-21 0 255,21 0-1921,-1 0-6246</inkml:trace>
-  <inkml:trace contextRef="#ctx0" brushRef="#br0" timeOffset="26212.499">18123 5087 8263,'-20'0'5958,"20"0"-6310,-20 0 832,0 0-160,20 20-127,-19 20-161,19-1 32,0 1-32,19 0-96,1 0-97,20-20-31,-19-1 128,17-19 128,3 20 96,-3-20-128,3-20 33,-21 1-33,19-1 64,-39-1 0,20-18 32,-20 19-96,0 1-128,0-2-32,0 21 0,-20-20 31,20 20-287,0 20 256,0 1 224,20 18-64,0 21 64,0-21-96,0 21 0,-1-20 0,1 19 0,0-19-32,-20 0 128,0-1 225,-20 1 319,-19-19 257,-1 18 64,0-20-352,-19-19-289,18 20-160,-17-20-64,17-20-384,2 1-385,-1-1-320,20-20-1089,20 0-2178,-19-19-4644</inkml:trace>
-  <inkml:trace contextRef="#ctx0" brushRef="#br0" timeOffset="26458.513">18699 4550 15310,'-39'20'128,"39"0"160,-20 20 1122,0-1-481,20 0-481,-21 21-192,21-20-160,21 20 65,-1-20 31,19 0-320,-19-20-289,20 19-512,-20-39-320,-1 20-1505,21-20-2179</inkml:trace>
-  <inkml:trace contextRef="#ctx0" brushRef="#br0" timeOffset="26617.522">18897 4768 14029,'0'21'160,"20"-21"-96,-20 19 448,0 22-319,20-22-289,-20 1-1058,21 0-287,-3 0 224,2 0-1153,0-20-6182</inkml:trace>
-  <inkml:trace contextRef="#ctx0" brushRef="#br0" timeOffset="26745.529">18917 4689 12395,'-20'-20'-448,"20"20"-577,0-20 1057,0 20-1217,20-19-4228</inkml:trace>
-  <inkml:trace contextRef="#ctx0" brushRef="#br0" timeOffset="26956.541">19116 4609 9352,'40'40'385,"-21"-20"1889,1 0-96,20 20-833,-20-1-832,-1-18-449,-19 19 32,20-20-64,-20 19-128,0-19-513,-20 0-416,20 0-800,-19-20-1955</inkml:trace>
-  <inkml:trace contextRef="#ctx0" brushRef="#br0" timeOffset="27359.564">19373 4590 12940,'0'0'64,"0"0"-320,0 19 1729,0 2-64,20 18-448,0 0-256,21 21 96,-21 1 192,19-2-321,-19 21-351,20-21 127,-21 1-256,1 19 0,0-19-192,-20 20 64,0-21 0,0-19-32,0 0-224,0-1-160,-20-19 128,0 20-225,1-40-95,-1 20-289,0-20-96,0 20-640,-1-20-1634,21-20-1378</inkml:trace>
-  <inkml:trace contextRef="#ctx0" brushRef="#br0" timeOffset="27836.592">19711 4490 13708,'-20'-19'-64,"20"19"993,20 0 737,0 0-1122,0 0-448,19 19 65,1-19 63,-19 20-128,17 0-32,-18 20-128,1-20 64,-21 20 0,0-21 64,-21 21 64,21-40 0,-20 19 257,20 2 31,0-21-32,0 0-191,0 0-1,20 0 0,21 0-128,-2 0-320,1 0-353,0 20-1024,-21-20-2788,1 0-8165</inkml:trace>
-  <inkml:trace contextRef="#ctx0" brushRef="#br0" timeOffset="33129.894">5001 10532 4452,'-20'-21'160,"0"21"192,20 0 161,0 0 1056,0 0 225,0 0 0,0 0-385,0 0-512,0 0-225,0 0-255,0 0 63,20 0-191,0 0-193,1 0 64,17 0 96,3 21 64,18-21-288,1 0 32,19 0 65,0 0-33,20 0-64,1 19 32,-1-19-64,0 0 32,20 0-128,1 0 160,-1 0-160,19 0-289,-18 0 257,19 20 128,-20-20-192,40 0 160,-20 0 32,19 0 32,2-20-32,-2 20 96,0 0-64,-18-19 32,-1 19-64,-19 0 96,-21 0 0,19 0-64,-19 19 0,-19-19-96,0 0-64,-1 0-224,-39 0-833,-1 0-161,-39 0 97,0 0 128,0 0-897,-20 0-5989</inkml:trace>
-  <inkml:trace contextRef="#ctx0" brushRef="#br0" timeOffset="34219.957">5080 12618 8327,'-20'20'1250,"20"-20"-1122,0 0 288,0 0 609,0 0-192,0 0-225,0 0-191,20 0-65,-20 0 0,21 0 129,-1-20-161,19 20-96,1 0-159,-1 0-33,21 0-32,-1 0 0,1 0-65,-1 0 65,20 0 0,2 0 0,-2 0-32,0 0-160,0 20 288,20-20-96,1 0 32,19 19 0,0-19 0,1 0 0,-1 0 33,19-19 63,2 19-32,-21 0 96,19 0 0,2-20 0,18 20-160,-39 0 0,21 0-64,-2-20 0,1 20 32,-19 0-96,19-20-96,-21 20 160,-19 0-64,-18 0 64,-2 0-481,-20 0-63,-39 20-129,20-20-384,-40 20-640,0 0-1250,0-1-3139</inkml:trace>
-  <inkml:trace contextRef="#ctx0" brushRef="#br0" timeOffset="37177.126">11055 8862 6790,'21'-59'192,"-1"59"417,-20-20 704,0 20 513,0 0-577,0 0-544,0 20 319,0 19 1,0 21-224,-20 0-416,20-1-225,0 1-128,-21-1 32,21 1-32,21-20-32,-21-1-320,20 1-321,0 0-800,-1-20-1378,-19-20-3715</inkml:trace>
-  <inkml:trace contextRef="#ctx0" brushRef="#br0" timeOffset="37408.139">10620 9498 9320,'-20'19'2851,"20"-19"-2883,38 21 128,3-21 929,18 0 192,21 0-320,19 0-416,1-21-65,-1 21 96,20 0 33,-19 0-161,-21-19-384,0 19-128,-20 0-96,-19 0-737,-20 0-1730,-20 0-3554</inkml:trace>
-  <inkml:trace contextRef="#ctx0" brushRef="#br0" timeOffset="37898.167">11076 9816 9192,'-21'79'3395,"21"-39"-3202,-20 20-257,2 0 64,18 0 96,-20-21 0,-1 0 160,1-18-32,20-1 513,0-20 192,0-20-641,0-1-384,0-18 32,0 0-32,20-21-192,1 20-65,-1 0 161,-2 20 192,2 0 160,21 1 192,-21 19 65,-1 19-225,1 1 64,0 0-224,0 0 32,-20 20-64,0-20-32,20-1 32,-20-19-64,0 20-128,0-20 0,20 0 96,-20-20-96,19 1 64,1 19 96,0-20-1,0 0 33,1 0 97,17 20 447,-18 0 449,21 20 64,-23 0-480,3 0-161,-1 19-160,-20 1-192,20-20 32,-20 19-192,20-18-192,-20-1-385,0-20-864,19 19-2115,-19-19-2850</inkml:trace>
-  <inkml:trace contextRef="#ctx0" brushRef="#br0" timeOffset="38569.206">13141 9200 12619,'119'-60'321,"-60"20"-225,0 21 128,-39 19 481,-20-20 256,-20 20-641,-19 20-192,-40-1-64,-2 21 0,2-20-32,-20 20-32,0 0-32,0-1-32,-1 1 32,21 0 32,19-20-32,21-1 96,19-19 32,20 20 32,0 1 353,40-2 63,19 1-448,20 19 65,21-18-65,-1-1-32,0-20-32,-18 20-64,-2 0-96,-20-1-193,-39-19-576,-20 21 609,0-2 320,-41 1-160,-17 0-32,-1 0 384,-2 0 417,2 19 95,39-19-63,-20-20-321,40 20-31,20 0-1,20 0 64,-1-20-288,42 0 33,-22 0-65,20 0-353,-19-20-479,-21 20-930,1 0-2082,-40 0-7366</inkml:trace>
-  <inkml:trace contextRef="#ctx0" brushRef="#br0" timeOffset="38800.219">12683 10353 12235,'0'79'705,"0"-59"-481,20 20-64,-20-21-96,0 2-64,0-2-384,0-19-1122,0 0-512,0 0-1120</inkml:trace>
-  <inkml:trace contextRef="#ctx0" brushRef="#br0" timeOffset="38966.228">12724 10174 13612,'20'0'0,"-2"0"-768,23 0 608,-1 0 192,-1 0-289,-19 0-2241,20-20-7462</inkml:trace>
-  <inkml:trace contextRef="#ctx0" brushRef="#br0" timeOffset="39125.237">12922 10273 11530,'20'20'609,"0"-20"-481,-1 0 929,1 0-96,0-20-705,21 20-704,-23 0-2018,2 0-1122</inkml:trace>
-  <inkml:trace contextRef="#ctx0" brushRef="#br0" timeOffset="39269.246">12962 10372 12139,'-20'40'609,"20"-20"-641,20-20 1024,-1 0 898,21 20-929,1-20-737,-3 0-288,23-20-224,-2 20-897,0-20-3524</inkml:trace>
-  <inkml:trace contextRef="#ctx0" brushRef="#br0" timeOffset="39428.255">13497 10293 13965,'20'40'160,"-20"-20"96,0-1 929,21 2-704,-21-21-866,20 19-1569,-2-19-1217,2 0-1441</inkml:trace>
-  <inkml:trace contextRef="#ctx0" brushRef="#br0" timeOffset="40148.296">12803 8763 8071,'40'0'1313,"-40"20"-544,20-20 320,-20 20-160,0 19-481,0-19-319,0 20-65,0-20-64,0-1 192,0 2 0,0-21-96,-20 19 64,20-38 64,0 19-192,0-21 1,0 2-33,0-1 32,0-20-64,20 20-1,-1-19-223,1 19 96,0 0 160,0 20 64,0 0 96,-1 0-64,-19 20-128,0 0-32,20-1-128,-20 1-320,0 0-193,0 0 128,20-20 353,-20 0 192,0 0 64,0 0-64,0-20-64,0 0 96,20 0 32,-20 1 0,21-1 96,-3 0 449,-18 20 288,41 0-33,-21 0-95,0 0-192,-2 20 31,3 0-352,-1-1-128,0 21-192,-20-20-865,20 0-1729,-20 19-2371</inkml:trace>
-  <inkml:trace contextRef="#ctx0" brushRef="#br0" timeOffset="41547.376">14212 9041 8584,'0'0'608,"-20"20"-63,1 0 800,-1 39 673,0 1-192,-20 19-641,21 21-417,19-21-511,-20 1-193,40-1 0,-1 1-32,1-20 0,20-21-609,-1 1-127,21-20-321,-1 0-609,-18-20-736,-3 0-4004</inkml:trace>
-  <inkml:trace contextRef="#ctx0" brushRef="#br0" timeOffset="41915.397">14550 9041 13036,'20'99'64,"0"-39"-64,-20 19 96,19 1 64,-19 19-64,0 1-64,0-20 32,0 19 0,0-40 65,0-19-97,20 0 64,-20-21-64,0 2 32,0-21 160,20-21-256,-20-18-160,0-1-161,0 0-447,20 1-546,0-1 994,-1 20 384,1 0 192,0 20 449,21 0 512,-23 40-256,2-20-96,1 20-161,-1-1-255,-20 1-321,20 0-96,-1 0-513,1-1-832,0 1-1954,0-20-2851</inkml:trace>
-  <inkml:trace contextRef="#ctx0" brushRef="#br0" timeOffset="42305.419">15244 9776 13708,'-40'0'-384,"22"0"64,-3 40 416,1-20 288,20 20 33,0 0-193,20-1 32,1 1-96,17-20 161,3 20-225,18-40-96,-19 19-32,0-19 64,-1-19-32,1-1 0,-40 0 32,0 0-64,0-20-257,-20 20-319,-20-20-834,1 21-543,-21-1 1120,21 0 929,-2 20 1089,1 0 32,1 20-96,39 0-64,-20-1-160,40 2-128,1-21-129,17 19-320,3 1-95,18-20-161,-19 0-609,19 0-992,-19 0-3460</inkml:trace>
-  <inkml:trace contextRef="#ctx0" brushRef="#br0" timeOffset="42766.446">15979 9041 10602,'-20'-20'640,"0"20"-608,0 20 833,1 20 480,-1 0-384,0 39 0,0-19 256,0 19-352,20 21-320,0-22-225,0 3-256,0-22 0,20 21-96,0-41-128,20 21-385,-1-20-127,1-21-578,-1 2-639,1-2-1026,1-19-3075</inkml:trace>
-  <inkml:trace contextRef="#ctx0" brushRef="#br0" timeOffset="42948.456">16158 9498 14317,'20'19'192,"20"2"-32,-21 19 801,21-1 545,0 1-770,-1 0-511,22-20-225,-23 20-385,23-21-223,-22 1-866,1 0-1633,-20-20-1633</inkml:trace>
-  <inkml:trace contextRef="#ctx0" brushRef="#br0" timeOffset="43142.467">16516 9458 12619,'-61'40'1282,"41"0"-1090,2 0 352,-23 20 1058,1-21-289,21 21-961,-1-1-640,0-19-32,20-20-225,0 0-480,0-1-1057,20-19-1985,0 0-4742</inkml:trace>
-  <inkml:trace contextRef="#ctx0" brushRef="#br0" timeOffset="43388.481">16694 8981 15118,'-40'40'512,"40"-20"-512,-20 0 289,1 19 960,19 1-416,-20 0-417,20 0-256,0 19-64,0-19 64,39 20-128,-19-21-320,20-18-385,19-2-95,-19 1-321,-1-20-1025,1 0-2050</inkml:trace>
-  <inkml:trace contextRef="#ctx0" brushRef="#br0" timeOffset="43553.49">16933 9180 12812,'0'60'929,"-20"-40"-962,20 19 482,0-19 256,0 0-577,20 20-481,-2-40-704,-18 19-416,21-19-1250,-1 0-5701</inkml:trace>
-  <inkml:trace contextRef="#ctx0" brushRef="#br0" timeOffset="43698.499">16933 9081 14862,'-20'-20'768,"20"20"-1248,0 0 288,0 0-385,20 0-1665,-20 20-3331</inkml:trace>
-  <inkml:trace contextRef="#ctx0" brushRef="#br0" timeOffset="43899.51">17071 9001 11434,'0'20'705,"20"-20"-545,0 20 1794,0 20-449,-1-21-351,1 21-514,0-20-448,0 20 33,0 0-161,-20-1-96,0-19-417,0 20-512,-20-20-576,20 19-1442,-20-39-2530</inkml:trace>
-  <inkml:trace contextRef="#ctx0" brushRef="#br0" timeOffset="44166.526">17230 8941 9673,'19'21'1153,"1"-2"-865,0 21 2050,1 0-224,-1 20-608,18-1-674,-17 21-415,-1-1-65,0 0 1,-20-19-161,0 20-192,-20 0-64,0-21-32,-1 1-97,1-21-287,2 1-65,-2-20-416,-1 0-992,21-20-3621</inkml:trace>
-  <inkml:trace contextRef="#ctx0" brushRef="#br0" timeOffset="44332.535">17646 9598 7110,'99'-20'8552,"-38"0"-7943,-2 20 448,-19 0-513,-20 0-704,0 0-769,-20 0-3427</inkml:trace>
-  <inkml:trace contextRef="#ctx0" brushRef="#br0" timeOffset="44966.572">18223 9398 14381,'38'0'96,"-38"0"-897,21 0 705,-21 20 353,0 20-1,20-20-192,-20 19-32,20 2 128,0-21 192,-1 19-223,1-18-129,20-21 64,-20 0 192,19 0-64,-19 0 96,0-40 65,1 20-65,-3 0-160,-18-21-128,0 2-128,0 19-224,0 1-321,0-2-96,0 21-416,0 21 865,0 18 288,20 0 96,-20 2 96,20 18 160,-20 1-96,21 0 33,-1-1 287,0 1-255,-20-21 415,0 21-287,-20-20 287,0-20 65,-21 20 160,21-21-289,-39-19-255,19 0-289,1 0 0,-21 0-320,21-39-257,-1 19-640,1-20-736,19 20-1475,-21-19-1280</inkml:trace>
-  <inkml:trace contextRef="#ctx0" brushRef="#br0" timeOffset="45241.587">18818 8882 11050,'0'-20'2338,"-20"20"-2338,20 20 385,-20 0 1472,1 0-575,19 20-578,-20-1-63,20 21-225,0-21 65,0 21-321,20 0-128,-1-20-224,1-1-417,0 1 225,20-20-577,-21 0-865,21-20-1761,-20 0-2467</inkml:trace>
-  <inkml:trace contextRef="#ctx0" brushRef="#br0" timeOffset="45393.596">19037 9140 12844,'0'60'800,"0"-40"-928,0 0 224,0 19 0,20-19-192,-20 0-1793,18 0-1603,3 0-3490</inkml:trace>
-  <inkml:trace contextRef="#ctx0" brushRef="#br0" timeOffset="45530.604">19057 9041 13100,'0'0'1698,"0"0"-4037,0 0-1536,0 0-2435</inkml:trace>
-  <inkml:trace contextRef="#ctx0" brushRef="#br0" timeOffset="45760.617">19235 8962 10794,'20'19'448,"-1"1"1058,1 20 832,0 0-448,0-21-962,0 21-607,-1 0-193,1-20-32,-20 20-96,0-1-64,0-19-160,-20 20-417,20-20-640,-19 0-993,-1-20-2018</inkml:trace>
-  <inkml:trace contextRef="#ctx0" brushRef="#br0" timeOffset="46394.653">19492 8842 7815,'0'20'512,"21"-20"-416,-1 20 2307,0 0-257,0 19-577,-1 21 1,21-20-321,-20 40-480,19-21-33,1 21-63,-20-21-161,19 20-31,1-19-97,-19-1-31,-1 22-161,-20-22-128,0 21 128,0-21-96,0 1-224,-20 0-224,-21-1-289,21-19-512,1 0-128,-1-1-1538,0-18-5253</inkml:trace>
-  <inkml:trace contextRef="#ctx0" brushRef="#br0" timeOffset="47578.721">11116 11267 11306,'0'0'1089,"0"20"-768,-20-1 1376,20 21-416,0 0-480,0-1-513,20 1-192,-20 0-96,19 0 33,1 0-418,-20 0-704,20-20-1665,-20 19-2307</inkml:trace>
-  <inkml:trace contextRef="#ctx0" brushRef="#br0" timeOffset="47788.733">10857 11764 12748,'-20'19'768,"20"-19"-576,20 0 962,40 0 95,-1-19-481,20 19-575,21 0-97,-1 0 0,0-20 32,0 20-64,-18 0-192,-2 0-705,-20 0-993,-19 0-1793,-20 0-4933</inkml:trace>
-  <inkml:trace contextRef="#ctx0" brushRef="#br0" timeOffset="48299.762">11076 12141 13484,'-21'139'32,"1"-80"-704,20-19 640,0 0 608,-18-40-191,18 19-129,0 2 0,0-21 609,0 0-641,0-21-224,18 2-128,2-21 128,1-20 0,-1 1-32,0 19-224,-1 20-321,1 1 385,-20-1 320,20 20 32,-20 20 32,20-1 97,-20 1-193,0 20 0,0-20 64,20 19-32,-20-19 0,0 1-96,20-2 0,-20-19-32,19 0 96,1 0 0,0-19-31,0-22-33,1 22 0,-3-1-32,22 0-32,-19 0 32,-1 20 192,-2 0 641,3 20 63,-1 0-255,0 19-32,-20 2-289,20-22-192,-20 1-32,0 0-160,19-1-352,-19 2-513,0-21-1217,0 20-3780</inkml:trace>
-  <inkml:trace contextRef="#ctx0" brushRef="#br0" timeOffset="48955.8">13121 11486 14541,'119'-40'641,"-99"19"-481,19 2-64,-39 19 321,-20-20 63,-19 20-448,-22 20-96,3-1-160,-42 2-33,1 19 161,20 0 0,-20-1 32,18 1 32,2-20 32,0 19 0,39 1 192,21-20 129,-1 0-129,40 0 256,19-1 33,21 1-193,-1-20-224,40 0 32,-19 20-64,19-20-32,-19 0-192,-21 0-673,-18 20-352,-23 0 128,-18 0 416,-18 20 257,-23-2 416,1 23 897,-19-21 352,0-1-96,-1 1 32,40 0-288,-1-21-545,3-19-255,36 0 31,3 0 160,19 0-192,19 0 0,21 0-192,-21-19-192,0 19-225,2 0-672,-23 0-1441,-17 19-4677</inkml:trace>
-  <inkml:trace contextRef="#ctx0" brushRef="#br0" timeOffset="49165.812">12624 12638 11947,'0'59'2338,"0"-39"-2146,0 20-384,0-21-128,0 1 128,0 1-1122,0-1-2786</inkml:trace>
-  <inkml:trace contextRef="#ctx0" brushRef="#br0" timeOffset="49317.82">12624 12459 4548,'0'-40'10698,"0"40"-11243,21 0-1152,-21 0-481,18 0-321,2 19-1600</inkml:trace>
-  <inkml:trace contextRef="#ctx0" brushRef="#br0" timeOffset="49482.83">12843 12499 13196,'0'19'-288,"20"2"-481,-20-21 897,19 0 96,1 0-256,0 0-1697,20 0-4549</inkml:trace>
-  <inkml:trace contextRef="#ctx0" brushRef="#br0" timeOffset="49613.837">12902 12638 12844,'-20'39'352,"20"-19"-256,20-20 320,0 20-255,0-20-642,19 0-2690</inkml:trace>
-  <inkml:trace contextRef="#ctx0" brushRef="#br0" timeOffset="49770.846">13378 12578 15726,'0'40'1153,"0"-40"-1120,0 20 287,0-1 128,0 21-256,0-20-576,0 0-1121,0 0-866,0-1-2721</inkml:trace>
-  <inkml:trace contextRef="#ctx0" brushRef="#br0" timeOffset="50340.879">12724 11188 8039,'20'59'2434,"-20"-19"-2145,0-1-449,0 1-609,0-20 513,0 19 95,0-39 65,0 0-256,0 0 320,0-19 64,0-21-64,0 20 64,0-20-32,18 1 192,-18 19-128,0-20 449,21 21 480,-21 19 0,20 0-449,-20 0-448,20 19-32,-20 1-352,20 0-417,-20 0-159,20 0-65,-20-20 64,19 19 416,1-19 353,-20-19 449,20 19 319,-20-20 33,20 0 96,0 0 96,-20 0 160,19 20-385,1 0-319,0 0 447,0 0 193,1 0-448,-21 20-257,18 20-224,-18-20-64,0-1-224,20 1-545,-20 0-1985,21 0-4645</inkml:trace>
-  <inkml:trace contextRef="#ctx0" brushRef="#br0" timeOffset="50787.904">13993 11227 14253,'0'-39'-320,"0"39"192,0 19 31,0 1 354,0 40 447,0-1 65,0 20-160,-18 22 63,18 18-127,-20 0-353,-1 19-256,21-18-513,0-1 1,21-40-321,17-19-224,-17-1-288,19-38-225,19-2-1217,-19-38-3106</inkml:trace>
-  <inkml:trace contextRef="#ctx0" brushRef="#br0" timeOffset="51126.924">14352 11446 9192,'20'139'641,"-2"-60"-513,-18 1-256,0 19 288,0-19 481,0 19-65,0-40-384,0 1-192,0-20 385,20-21 640,-20-19-129,0-19-639,21-1-257,-21-20-96,20 0-32,-20 1-65,20-1-415,0-1 480,-20 22 32,19 19-1,1 0 162,0 0 543,-20 19-127,20 22-417,-20-1 0,0-1 0,20 1-321,-20 0-1376,19-1-1794,1 1-4709</inkml:trace>
-  <inkml:trace contextRef="#ctx0" brushRef="#br0" timeOffset="51494.945">14868 12062 7783,'-20'0'6022,"-1"0"-5958,1 19 32,20 21 640,-18 0 161,18-20-512,0 19-257,0 1-64,18 0 96,2-21 192,21-19-160,18 0-95,-19 0-65,-1-19-32,1-1-64,0 0 32,-21 0 32,-19 0 0,-19 0-129,-21 1-255,0-1-1025,1 0-417,-21 20 1762,21 0 480,-22 20 33,43 0 351,-2-1 1,-1 1-256,21 0 127,21-20 97,17 20-320,23-40-257,-22 20-96,21 0-384,-21-20-962,1 20-1889,0-20-4003</inkml:trace>
-  <inkml:trace contextRef="#ctx0" brushRef="#br0" timeOffset="51927.97">15720 11207 13869,'0'-19'961,"-18"19"-1122,18 19-703,-20 1 832,-21 40 544,21-1 353,-19 41 32,-1-1-193,20 1 129,1 19-192,-1-20-769,20-1 288,20-17-769,-1-2-63,1-19-482,41-21 194,-23 1-610,3-40-1409,18 0-3971</inkml:trace>
-  <inkml:trace contextRef="#ctx0" brushRef="#br0" timeOffset="52115.98">15860 11764 13869,'0'0'961,"0"0"-897,40 39 32,-21 1 416,21 0 449,1 0-256,17-21-481,3 21-160,-22 0-128,21-20-416,-21 0-1410,1-1-2595,-20-19-5700</inkml:trace>
-  <inkml:trace contextRef="#ctx0" brushRef="#br0" timeOffset="52302.991">16237 11803 13324,'-39'20'192,"-1"0"-64,19 20 1122,-17 0 255,-3 19-704,1-19-705,22 0-416,-3-1-449,21 1-256,0-20-897,21 0-1121,-3-20-2242</inkml:trace>
-  <inkml:trace contextRef="#ctx0" brushRef="#br0" timeOffset="52527.004">16376 11267 15630,'0'59'257,"-20"1"-193,20-21 352,0 22 769,0-21-833,0-1-320,20 1-352,0-20-160,1 19-385,17-19-1441,3-20-1986</inkml:trace>
-  <inkml:trace contextRef="#ctx0" brushRef="#br0" timeOffset="52671.012">16555 11446 10441,'20'19'993,"-20"2"-1057,20-2-128,-20 21 160,20-20-320,-1 0-1762,1 0-4388</inkml:trace>
-  <inkml:trace contextRef="#ctx0" brushRef="#br0" timeOffset="52822.021">16733 11366 13965,'-39'-20'993,"39"20"-961,0-20-32,0 20-289,0 0-2625,0 20-4870</inkml:trace>
-  <inkml:trace contextRef="#ctx0" brushRef="#br0" timeOffset="53039.033">16852 11326 11530,'0'20'3588,"0"-20"-3652,0 20 352,20 0 1025,1 19-352,-1-18-641,0 19-223,-2 0-161,3-1 96,-21 1-193,20 0-287,-20-21-513,-20 21-448,20-20-1314,-21-20-3234</inkml:trace>
-  <inkml:trace contextRef="#ctx0" brushRef="#br0" timeOffset="53536.062">17131 11188 12299,'-40'-20'1057,"40"20"-801,0 20 801,0 19 417,20 21-513,0-1-449,19 20-192,1-18-31,19 18 159,-18-19-95,-3 19-225,-18 20 64,1-19-96,-21-2-96,0 3 0,-21-2-96,1-19-192,2-1-321,-23 1-224,1-21-832,1 1-2083,-1-40-6341</inkml:trace>
-  <inkml:trace contextRef="#ctx0" brushRef="#br0" timeOffset="53710.072">17666 11783 14701,'79'0'3716,"-38"-19"-2979,-1 19-609,-1 19 192,-19-19-384,20 0-160,-20 0-1698,19 20-4324</inkml:trace>
-  <inkml:trace contextRef="#ctx0" brushRef="#br0" timeOffset="54352.108">18342 11664 14445,'0'0'320,"0"20"-416,0 0 160,0 20 289,0-1 31,0 21-256,0-1-96,19-19 0,1 0 32,0 0 32,20-20-31,-1 0 447,-19-20 33,21 0-129,-3-20-160,-18 0-32,1-20-63,-1 0 31,-20 0-224,0 21-193,0-21-223,0 20-257,0 20 97,0 0-129,0 0 417,0 40 256,0-1-32,0 20 96,0 2 96,20-2 192,-20 1 160,0-1-191,0 1 127,-20 19-64,0-19-63,-1-21-1,1 2 192,0-2 161,2-39 96,-3 21-321,-19-21-352,1 0-32,-1 0-416,0-40-417,-19 0-288,18-20-1282,3 0-2081,18-39-5700</inkml:trace>
-  <inkml:trace contextRef="#ctx0" brushRef="#br0" timeOffset="54590.122">18699 11188 2114,'0'-20'8936,"0"20"-9160,0 0 32,0 20 1185,-20 19 352,1 1-384,19 39-417,-20-19-31,20 20-1,0-21-352,20 1-192,-1-20 0,1-1-160,20-19-64,-1 0-193,-19-20-1536,20 0-2564</inkml:trace>
-  <inkml:trace contextRef="#ctx0" brushRef="#br0" timeOffset="54741.13">18976 11446 13292,'0'40'96,"0"-21"-288,20 21 96,-20-20-609,20 0-1473,-20 20-4196</inkml:trace>
-  <inkml:trace contextRef="#ctx0" brushRef="#br0" timeOffset="54900.14">18976 11287 12940,'-18'0'640,"18"0"-1184,0 0 95,0 0-1216,18 19-5254</inkml:trace>
-  <inkml:trace contextRef="#ctx0" brushRef="#br0" timeOffset="55109.152">19175 11247 10730,'20'40'160,"0"-21"96,0 21 1121,0 0-288,-1-1-608,1 1-481,-20 0-32,20 0 0,-20 0-64,0 0-161,0-1-383,-20-19-1090,20-20-2530</inkml:trace>
-  <inkml:trace contextRef="#ctx0" brushRef="#br0" timeOffset="55506.174">19334 11148 10345,'0'0'737,"20"0"-353,-1 20 2051,1-20-706,21 39-480,-1 1-736,-1 0-193,21 19 257,-21 20 192,-19 1-481,20 0-96,-21 19-64,-19 0-96,0 1 64,0-1-96,0 0 128,0-19-160,0 19 0,-19-20 64,19-19-96,0 0-128,0-20-1025,-20-21-2178,20 2-7784</inkml:trace>
-  <inkml:trace contextRef="#ctx0" brushRef="#br0" timeOffset="56032.204">20168 11902 14253,'-20'21'1409,"20"-21"-960,0 0 736,0 0-480,0 0-609,0 0-609,0 0-192,0 0-736,0 0-2370,20 0-5702</inkml:trace>
-  <inkml:trace contextRef="#ctx0" brushRef="#br0" timeOffset="56458.229">20784 11664 14029,'0'0'640,"18"0"-255,3 20 672,-1 0 192,0 0-576,19 20-353,21-1-256,-1 1 64,2 0-128,-3-21-64,-17 21-577,18 0-704,-19-20-1249,-20-20-2019,-1 20-4515</inkml:trace>
-  <inkml:trace contextRef="#ctx0" brushRef="#br0" timeOffset="56660.24">21260 11565 10666,'-20'40'768,"0"0"-672,1-1 929,-21 21 705,-1-1-609,3 1-961,-23 0-192,22-1-288,-1 1-225,20-21-864,0 1-1057,20-20-1762</inkml:trace>
-  <inkml:trace contextRef="#ctx0" brushRef="#br0" timeOffset="56948.257">21517 11028 3555,'0'0'10057,"0"0"-9961,-18 20 97,-23 1 1152,21 18 96,0 21-320,1-1-704,-1 1-161,20-1-128,20-19-32,-1-1-64,1 1-96,20 0-160,-1-19-256,-19-2-385,21-19-1185,-3 0-3139</inkml:trace>
-  <inkml:trace contextRef="#ctx0" brushRef="#br0" timeOffset="57114.266">21697 11267 15086,'-20'20'448,"20"19"-416,0-19 192,0 0 33,20 20-353,-20-21-993,19 2-1122,1-2-95,0-19-1089</inkml:trace>
-  <inkml:trace contextRef="#ctx0" brushRef="#br0" timeOffset="57230.273">21657 11069 10345,'0'-21'-640</inkml:trace>
-  <inkml:trace contextRef="#ctx0" brushRef="#br0" timeOffset="57467.286">21815 10909 12716,'40'20'736,"-20"0"-512,21 19 1058,-3 1 672,3 20-737,-3-20-961,3 20-192,-21-1-128,-20 0 64,0 1-673,-20-1-832,0-19-961,-19 21-802,-1-22-2241</inkml:trace>
-  <inkml:trace contextRef="#ctx0" brushRef="#br1" timeOffset="59819.421">3710 4013 12171,'-39'0'288,"39"0"-384,-20 0-480,20 0 576,-20 0 160,20 0 0,0 0-128,0 0 0,0 20 416,0-20 225,0 0-64,0 0-65,20 0-31,-20 0-225,20 0 64,19 0-63,1 0-65,21 0-64,18 0-128,20 0 32,0 0-32,21 0 0,38 0 32,0 0 0,2 0-32,18 0 0,0 0 32,-18 0-32,-2 0 32,-39 0-64,-19 0-961,-40 0-992,-21 0-225,-19 0-3139</inkml:trace>
-  <inkml:trace contextRef="#ctx0" brushRef="#br1" timeOffset="62229.559">10221 4272 1345,'0'0'1249,"0"0"513,0 0-65,0 0-159,0 0-161,0 0-192,0 0-192,0 0-64,0 0-192,0 0-97,0 0-127,0 0 31,0 0 1,21 0-97,-1 0-128,0 0-63,19 0-33,-19 0-64,20-20-96,0 20 0,19 0 32,-18-20-96,18 20 0,-1 0 0,3-20-64,-2 20 0,1 0-64,-1 0 0,0-20-32,22 20 96,-22 0 32,0 0-32,21 0 128,-21-20-128,2 20 64,-3 0 0,1 0-64,2 0-65,-2 0 65,20 0 32,1 0-32,-21 0 32,20 0 64,-18-19-64,-2 19 0,1 0 32,-21 0 0,21 0-32,-21 0-32,22 0 32,-23 0-96,23 0-32,-22 0 64,21 0 32,-21-21 0,21 21 0,-21 0 64,22 0 0,-3-19 0,-17 19 32,18 0 0,1-20 64,-21 20 0,21-20-32,-1 20-32,0 0-64,2 0 32,-2-19-32,1 19 32,19 0-128,0 0 128,0-21 32,0 21-32,22 0 0,-2 0 0,1 0 0,-1 0 32,0-20 32,19 20-32,-19 0-64,20 0 64,-19 0-64,19 0 64,0-19-64,21 19 64,-22 0-32,1 0 0,21 0 0,-21 0 0,19 0 0,-19 0 0,21 0 0,-2 0 32,1 0-32,1 0 0,18 0 0,-18-20 0,18 20-32,-19 0 32,19 0-32,2 0 32,-2 0 0,2-20 64,-2 20 32,0 0 128,2-20 161,-2 20-33,2 0-192,-22 0-128,1-20-32,-19 20-256,-21 0-225,-20 0 97,0 0-96,-19 0-65,-21 0-160,1 0-608,-19 0-2082</inkml:trace>
-  <inkml:trace contextRef="#ctx0" brushRef="#br2" timeOffset="63931.656">13359 3835 8680,'0'0'929,"0"0"-833,0 0 897,19 0 320,1 0-224,20 0-448,-1 0-289,42-20 0,18 20 289,20-20-65,19 20-255,22-20-65,18 20 32,1-20-32,19 0-95,-20 0-1,21 20-96,-19-19 32,-22 19 0,-19-20 32,-40 20-128,-40 0-480,-18 0-481,-41 0-1538,-20 0-4003</inkml:trace>
-  <inkml:trace contextRef="#ctx0" brushRef="#br2" timeOffset="64948.714">12803 6140 7559,'0'0'1121,"-20"0"-1025,20 0 737,0 0 864,0 0 97,0 0-801,0 0-545,0 0-159,20 0 95,20 0-32,-1 0-288,21 0 32,-1-20 33,40 20-33,1 0 0,19-20 0,21 20 32,-3-20 96,43 20 64,-1 0-95,-1 0-33,20 0 0,-19 0 0,19 0-64,1 0 256,-1 0-320,2 0 161,-22 0-65,-20 0-96,2 0 64,-2 0-64,-18 0-64,-2-20 96,1 20-96,-19 0 0,-21-20 32,0 20 0,-20-19 0,-20 19 0,-19 0-96,1 0 0,-3 0 0,-17 0-321,-1 0 33,0 0 160,0 0 96,-1 19-65,1-19 129,0 0 32,0 0-96,-20 0-769,0 0-480,0 0-609,-20 0-352,0 0 897,20 0 736,-20-19-3235</inkml:trace>
-</inkml:ink>
 </file>
 
 <file path=ppt/notesMasters/notesMaster1.xml><?xml version="1.0" encoding="utf-8"?>
@@ -4391,7 +4209,7 @@
             <a:fld id="{9608008F-8C0F-4F63-86DC-E7B67385E4BD}" type="datetimeFigureOut">
               <a:rPr lang="en-US" smtClean="0"/>
               <a:pPr/>
-              <a:t>8/5/18</a:t>
+              <a:t>9/23/18</a:t>
             </a:fld>
             <a:endParaRPr lang="en-US"/>
           </a:p>
@@ -6223,91 +6041,6 @@
 </p:notes>
 </file>
 
-<file path=ppt/notesSlides/notesSlide26.xml><?xml version="1.0" encoding="utf-8"?>
-<p:notes xmlns:a="http://schemas.openxmlformats.org/drawingml/2006/main" xmlns:r="http://schemas.openxmlformats.org/officeDocument/2006/relationships" xmlns:p="http://schemas.openxmlformats.org/presentationml/2006/main">
-  <p:cSld>
-    <p:spTree>
-      <p:nvGrpSpPr>
-        <p:cNvPr id="1" name=""/>
-        <p:cNvGrpSpPr/>
-        <p:nvPr/>
-      </p:nvGrpSpPr>
-      <p:grpSpPr>
-        <a:xfrm>
-          <a:off x="0" y="0"/>
-          <a:ext cx="0" cy="0"/>
-          <a:chOff x="0" y="0"/>
-          <a:chExt cx="0" cy="0"/>
-        </a:xfrm>
-      </p:grpSpPr>
-      <p:sp>
-        <p:nvSpPr>
-          <p:cNvPr id="2" name="Slide Image Placeholder 1"/>
-          <p:cNvSpPr>
-            <a:spLocks noGrp="1" noRot="1" noChangeAspect="1"/>
-          </p:cNvSpPr>
-          <p:nvPr>
-            <p:ph type="sldImg"/>
-          </p:nvPr>
-        </p:nvSpPr>
-        <p:spPr/>
-      </p:sp>
-      <p:sp>
-        <p:nvSpPr>
-          <p:cNvPr id="3" name="Notes Placeholder 2"/>
-          <p:cNvSpPr>
-            <a:spLocks noGrp="1"/>
-          </p:cNvSpPr>
-          <p:nvPr>
-            <p:ph type="body" idx="1"/>
-          </p:nvPr>
-        </p:nvSpPr>
-        <p:spPr/>
-        <p:txBody>
-          <a:bodyPr/>
-          <a:lstStyle/>
-          <a:p>
-            <a:endParaRPr lang="en-US" dirty="0"/>
-          </a:p>
-        </p:txBody>
-      </p:sp>
-      <p:sp>
-        <p:nvSpPr>
-          <p:cNvPr id="4" name="Slide Number Placeholder 3"/>
-          <p:cNvSpPr>
-            <a:spLocks noGrp="1"/>
-          </p:cNvSpPr>
-          <p:nvPr>
-            <p:ph type="sldNum" sz="quarter" idx="10"/>
-          </p:nvPr>
-        </p:nvSpPr>
-        <p:spPr/>
-        <p:txBody>
-          <a:bodyPr/>
-          <a:lstStyle/>
-          <a:p>
-            <a:fld id="{8FF38DAD-5F37-4EA5-A798-26ED1E453939}" type="slidenum">
-              <a:rPr lang="en-US" smtClean="0"/>
-              <a:pPr/>
-              <a:t>52</a:t>
-            </a:fld>
-            <a:endParaRPr lang="en-US"/>
-          </a:p>
-        </p:txBody>
-      </p:sp>
-    </p:spTree>
-    <p:extLst>
-      <p:ext uri="{BB962C8B-B14F-4D97-AF65-F5344CB8AC3E}">
-        <p14:creationId xmlns:p14="http://schemas.microsoft.com/office/powerpoint/2010/main" val="3013004651"/>
-      </p:ext>
-    </p:extLst>
-  </p:cSld>
-  <p:clrMapOvr>
-    <a:masterClrMapping/>
-  </p:clrMapOvr>
-</p:notes>
-</file>
-
 <file path=ppt/notesSlides/notesSlide3.xml><?xml version="1.0" encoding="utf-8"?>
 <p:notes xmlns:a="http://schemas.openxmlformats.org/drawingml/2006/main" xmlns:r="http://schemas.openxmlformats.org/officeDocument/2006/relationships" xmlns:p="http://schemas.openxmlformats.org/presentationml/2006/main">
   <p:cSld>
@@ -7165,7 +6898,7 @@
                 </a:solidFill>
               </a:rPr>
               <a:pPr/>
-              <a:t>8/5/18</a:t>
+              <a:t>9/23/18</a:t>
             </a:fld>
             <a:endParaRPr lang="en-US">
               <a:solidFill>
@@ -7395,7 +7128,7 @@
                 </a:solidFill>
               </a:rPr>
               <a:pPr/>
-              <a:t>8/5/18</a:t>
+              <a:t>9/23/18</a:t>
             </a:fld>
             <a:endParaRPr lang="en-US">
               <a:solidFill>
@@ -7605,7 +7338,7 @@
                 </a:solidFill>
               </a:rPr>
               <a:pPr/>
-              <a:t>8/5/18</a:t>
+              <a:t>9/23/18</a:t>
             </a:fld>
             <a:endParaRPr lang="en-US">
               <a:solidFill>
@@ -7907,7 +7640,7 @@
                 </a:solidFill>
               </a:rPr>
               <a:pPr/>
-              <a:t>8/5/18</a:t>
+              <a:t>9/23/18</a:t>
             </a:fld>
             <a:endParaRPr lang="en-US">
               <a:solidFill>
@@ -8214,7 +7947,7 @@
                 </a:solidFill>
               </a:rPr>
               <a:pPr/>
-              <a:t>8/5/18</a:t>
+              <a:t>9/23/18</a:t>
             </a:fld>
             <a:endParaRPr lang="en-US">
               <a:solidFill>
@@ -8531,7 +8264,7 @@
                 </a:solidFill>
               </a:rPr>
               <a:pPr/>
-              <a:t>8/5/18</a:t>
+              <a:t>9/23/18</a:t>
             </a:fld>
             <a:endParaRPr lang="en-US">
               <a:solidFill>
@@ -8982,7 +8715,7 @@
                 </a:solidFill>
               </a:rPr>
               <a:pPr/>
-              <a:t>8/5/18</a:t>
+              <a:t>9/23/18</a:t>
             </a:fld>
             <a:endParaRPr lang="en-US">
               <a:solidFill>
@@ -9131,7 +8864,7 @@
                 </a:solidFill>
               </a:rPr>
               <a:pPr/>
-              <a:t>8/5/18</a:t>
+              <a:t>9/23/18</a:t>
             </a:fld>
             <a:endParaRPr lang="en-US">
               <a:solidFill>
@@ -9258,7 +8991,7 @@
                 </a:solidFill>
               </a:rPr>
               <a:pPr/>
-              <a:t>8/5/18</a:t>
+              <a:t>9/23/18</a:t>
             </a:fld>
             <a:endParaRPr lang="en-US">
               <a:solidFill>
@@ -9458,7 +9191,7 @@
                 </a:solidFill>
               </a:rPr>
               <a:pPr/>
-              <a:t>8/5/18</a:t>
+              <a:t>9/23/18</a:t>
             </a:fld>
             <a:endParaRPr lang="en-US">
               <a:solidFill>
@@ -9765,7 +9498,7 @@
                 </a:solidFill>
               </a:rPr>
               <a:pPr/>
-              <a:t>8/5/18</a:t>
+              <a:t>9/23/18</a:t>
             </a:fld>
             <a:endParaRPr lang="en-US">
               <a:solidFill>
@@ -10049,7 +9782,7 @@
                 </a:solidFill>
               </a:rPr>
               <a:pPr/>
-              <a:t>8/5/18</a:t>
+              <a:t>9/23/18</a:t>
             </a:fld>
             <a:endParaRPr lang="en-US">
               <a:solidFill>
@@ -10249,7 +9982,7 @@
                 </a:solidFill>
               </a:rPr>
               <a:pPr/>
-              <a:t>8/5/18</a:t>
+              <a:t>9/23/18</a:t>
             </a:fld>
             <a:endParaRPr lang="en-US">
               <a:solidFill>
@@ -10459,7 +10192,7 @@
                 </a:solidFill>
               </a:rPr>
               <a:pPr/>
-              <a:t>8/5/18</a:t>
+              <a:t>9/23/18</a:t>
             </a:fld>
             <a:endParaRPr lang="en-US">
               <a:solidFill>
@@ -10737,7 +10470,7 @@
                 </a:solidFill>
               </a:rPr>
               <a:pPr/>
-              <a:t>8/5/18</a:t>
+              <a:t>9/23/18</a:t>
             </a:fld>
             <a:endParaRPr lang="en-US">
               <a:solidFill>
@@ -11050,7 +10783,7 @@
                 </a:solidFill>
               </a:rPr>
               <a:pPr/>
-              <a:t>8/5/18</a:t>
+              <a:t>9/23/18</a:t>
             </a:fld>
             <a:endParaRPr lang="en-US">
               <a:solidFill>
@@ -11381,7 +11114,7 @@
                 </a:solidFill>
               </a:rPr>
               <a:pPr/>
-              <a:t>8/5/18</a:t>
+              <a:t>9/23/18</a:t>
             </a:fld>
             <a:endParaRPr lang="en-US">
               <a:solidFill>
@@ -11852,7 +11585,7 @@
                 </a:solidFill>
               </a:rPr>
               <a:pPr/>
-              <a:t>8/5/18</a:t>
+              <a:t>9/23/18</a:t>
             </a:fld>
             <a:endParaRPr lang="en-US">
               <a:solidFill>
@@ -12009,7 +11742,7 @@
                 </a:solidFill>
               </a:rPr>
               <a:pPr/>
-              <a:t>8/5/18</a:t>
+              <a:t>9/23/18</a:t>
             </a:fld>
             <a:endParaRPr lang="en-US">
               <a:solidFill>
@@ -12286,7 +12019,7 @@
                 </a:solidFill>
               </a:rPr>
               <a:pPr/>
-              <a:t>8/5/18</a:t>
+              <a:t>9/23/18</a:t>
             </a:fld>
             <a:endParaRPr lang="en-US">
               <a:solidFill>
@@ -12413,7 +12146,7 @@
                 </a:solidFill>
               </a:rPr>
               <a:pPr/>
-              <a:t>8/5/18</a:t>
+              <a:t>9/23/18</a:t>
             </a:fld>
             <a:endParaRPr lang="en-US">
               <a:solidFill>
@@ -12729,7 +12462,7 @@
                 </a:solidFill>
               </a:rPr>
               <a:pPr/>
-              <a:t>8/5/18</a:t>
+              <a:t>9/23/18</a:t>
             </a:fld>
             <a:endParaRPr lang="en-US">
               <a:solidFill>
@@ -13022,7 +12755,7 @@
                 </a:solidFill>
               </a:rPr>
               <a:pPr/>
-              <a:t>8/5/18</a:t>
+              <a:t>9/23/18</a:t>
             </a:fld>
             <a:endParaRPr lang="en-US">
               <a:solidFill>
@@ -13238,7 +12971,7 @@
                 </a:solidFill>
               </a:rPr>
               <a:pPr/>
-              <a:t>8/5/18</a:t>
+              <a:t>9/23/18</a:t>
             </a:fld>
             <a:endParaRPr lang="en-US">
               <a:solidFill>
@@ -13454,7 +13187,7 @@
                 </a:solidFill>
               </a:rPr>
               <a:pPr/>
-              <a:t>8/5/18</a:t>
+              <a:t>9/23/18</a:t>
             </a:fld>
             <a:endParaRPr lang="en-US">
               <a:solidFill>
@@ -13670,7 +13403,7 @@
                 </a:solidFill>
               </a:rPr>
               <a:pPr/>
-              <a:t>8/5/18</a:t>
+              <a:t>9/23/18</a:t>
             </a:fld>
             <a:endParaRPr lang="en-US">
               <a:solidFill>
@@ -13987,7 +13720,7 @@
                 </a:solidFill>
               </a:rPr>
               <a:pPr/>
-              <a:t>8/5/18</a:t>
+              <a:t>9/23/18</a:t>
             </a:fld>
             <a:endParaRPr lang="en-US">
               <a:solidFill>
@@ -14438,7 +14171,7 @@
                 </a:solidFill>
               </a:rPr>
               <a:pPr/>
-              <a:t>8/5/18</a:t>
+              <a:t>9/23/18</a:t>
             </a:fld>
             <a:endParaRPr lang="en-US">
               <a:solidFill>
@@ -14587,7 +14320,7 @@
                 </a:solidFill>
               </a:rPr>
               <a:pPr/>
-              <a:t>8/5/18</a:t>
+              <a:t>9/23/18</a:t>
             </a:fld>
             <a:endParaRPr lang="en-US">
               <a:solidFill>
@@ -14714,7 +14447,7 @@
                 </a:solidFill>
               </a:rPr>
               <a:pPr/>
-              <a:t>8/5/18</a:t>
+              <a:t>9/23/18</a:t>
             </a:fld>
             <a:endParaRPr lang="en-US">
               <a:solidFill>
@@ -15021,7 +14754,7 @@
                 </a:solidFill>
               </a:rPr>
               <a:pPr/>
-              <a:t>8/5/18</a:t>
+              <a:t>9/23/18</a:t>
             </a:fld>
             <a:endParaRPr lang="en-US">
               <a:solidFill>
@@ -15308,7 +15041,7 @@
                 </a:solidFill>
               </a:rPr>
               <a:pPr/>
-              <a:t>8/5/18</a:t>
+              <a:t>9/23/18</a:t>
             </a:fld>
             <a:endParaRPr lang="en-US">
               <a:solidFill>
@@ -15551,7 +15284,7 @@
                 </a:solidFill>
               </a:rPr>
               <a:pPr/>
-              <a:t>8/5/18</a:t>
+              <a:t>9/23/18</a:t>
             </a:fld>
             <a:endParaRPr lang="en-US">
               <a:solidFill>
@@ -16092,7 +15825,7 @@
                 </a:solidFill>
               </a:rPr>
               <a:pPr/>
-              <a:t>8/5/18</a:t>
+              <a:t>9/23/18</a:t>
             </a:fld>
             <a:endParaRPr lang="en-US">
               <a:solidFill>
@@ -16276,7 +16009,7 @@
           <a:noFill/>
           <a:extLst>
             <a:ext uri="{909E8E84-426E-40dd-AFC4-6F175D3DCCD1}">
-              <a14:hiddenFill xmlns:a14="http://schemas.microsoft.com/office/drawing/2010/main" xmlns="">
+              <a14:hiddenFill xmlns="" xmlns:a14="http://schemas.microsoft.com/office/drawing/2010/main">
                 <a:solidFill>
                   <a:srgbClr val="FFFFFF"/>
                 </a:solidFill>
@@ -16317,7 +16050,7 @@
           <a:noFill/>
           <a:extLst>
             <a:ext uri="{909E8E84-426E-40dd-AFC4-6F175D3DCCD1}">
-              <a14:hiddenFill xmlns:a14="http://schemas.microsoft.com/office/drawing/2010/main" xmlns="">
+              <a14:hiddenFill xmlns="" xmlns:a14="http://schemas.microsoft.com/office/drawing/2010/main">
                 <a:solidFill>
                   <a:srgbClr val="FFFFFF"/>
                 </a:solidFill>
@@ -16358,7 +16091,7 @@
           <a:noFill/>
           <a:extLst>
             <a:ext uri="{909E8E84-426E-40dd-AFC4-6F175D3DCCD1}">
-              <a14:hiddenFill xmlns:a14="http://schemas.microsoft.com/office/drawing/2010/main" xmlns="">
+              <a14:hiddenFill xmlns="" xmlns:a14="http://schemas.microsoft.com/office/drawing/2010/main">
                 <a:solidFill>
                   <a:srgbClr val="FFFFFF"/>
                 </a:solidFill>
@@ -16399,7 +16132,7 @@
           <a:noFill/>
           <a:extLst>
             <a:ext uri="{909E8E84-426E-40dd-AFC4-6F175D3DCCD1}">
-              <a14:hiddenFill xmlns:a14="http://schemas.microsoft.com/office/drawing/2010/main" xmlns="">
+              <a14:hiddenFill xmlns="" xmlns:a14="http://schemas.microsoft.com/office/drawing/2010/main">
                 <a:solidFill>
                   <a:srgbClr val="FFFFFF"/>
                 </a:solidFill>
@@ -16746,7 +16479,7 @@
                 </a:solidFill>
               </a:rPr>
               <a:pPr/>
-              <a:t>8/5/18</a:t>
+              <a:t>9/23/18</a:t>
             </a:fld>
             <a:endParaRPr lang="en-US">
               <a:solidFill>
@@ -16993,7 +16726,7 @@
           <a:noFill/>
           <a:extLst>
             <a:ext uri="{909E8E84-426E-40dd-AFC4-6F175D3DCCD1}">
-              <a14:hiddenFill xmlns:a14="http://schemas.microsoft.com/office/drawing/2010/main" xmlns="">
+              <a14:hiddenFill xmlns="" xmlns:a14="http://schemas.microsoft.com/office/drawing/2010/main">
                 <a:solidFill>
                   <a:srgbClr val="FFFFFF"/>
                 </a:solidFill>
@@ -17034,7 +16767,7 @@
           <a:noFill/>
           <a:extLst>
             <a:ext uri="{909E8E84-426E-40dd-AFC4-6F175D3DCCD1}">
-              <a14:hiddenFill xmlns:a14="http://schemas.microsoft.com/office/drawing/2010/main" xmlns="">
+              <a14:hiddenFill xmlns="" xmlns:a14="http://schemas.microsoft.com/office/drawing/2010/main">
                 <a:solidFill>
                   <a:srgbClr val="FFFFFF"/>
                 </a:solidFill>
@@ -17075,7 +16808,7 @@
           <a:noFill/>
           <a:extLst>
             <a:ext uri="{909E8E84-426E-40dd-AFC4-6F175D3DCCD1}">
-              <a14:hiddenFill xmlns:a14="http://schemas.microsoft.com/office/drawing/2010/main" xmlns="">
+              <a14:hiddenFill xmlns="" xmlns:a14="http://schemas.microsoft.com/office/drawing/2010/main">
                 <a:solidFill>
                   <a:srgbClr val="FFFFFF"/>
                 </a:solidFill>
@@ -17116,7 +16849,7 @@
           <a:noFill/>
           <a:extLst>
             <a:ext uri="{909E8E84-426E-40dd-AFC4-6F175D3DCCD1}">
-              <a14:hiddenFill xmlns:a14="http://schemas.microsoft.com/office/drawing/2010/main" xmlns="">
+              <a14:hiddenFill xmlns="" xmlns:a14="http://schemas.microsoft.com/office/drawing/2010/main">
                 <a:solidFill>
                   <a:srgbClr val="FFFFFF"/>
                 </a:solidFill>
@@ -18682,7 +18415,7 @@
           <a:noFill/>
           <a:extLst>
             <a:ext uri="{909E8E84-426E-40dd-AFC4-6F175D3DCCD1}">
-              <a14:hiddenFill xmlns:a14="http://schemas.microsoft.com/office/drawing/2010/main" xmlns="">
+              <a14:hiddenFill xmlns="" xmlns:a14="http://schemas.microsoft.com/office/drawing/2010/main">
                 <a:solidFill>
                   <a:srgbClr val="FFFFFF"/>
                 </a:solidFill>
@@ -18895,7 +18628,7 @@
         <p:spPr>
           <a:xfrm>
             <a:off x="839843" y="1057930"/>
-            <a:ext cx="1050544" cy="523220"/>
+            <a:ext cx="1438151" cy="523220"/>
           </a:xfrm>
           <a:prstGeom prst="rect">
             <a:avLst/>
@@ -18910,7 +18643,7 @@
           <a:p>
             <a:r>
               <a:rPr lang="en-US" sz="2800" dirty="0"/>
-              <a:t>Want </a:t>
+              <a:t>Want  to</a:t>
             </a:r>
           </a:p>
         </p:txBody>
@@ -18941,7 +18674,7 @@
         </p:blipFill>
         <p:spPr>
           <a:xfrm>
-            <a:off x="2065020" y="1146810"/>
+            <a:off x="2209800" y="1154876"/>
             <a:ext cx="2076037" cy="568208"/>
           </a:xfrm>
           <a:prstGeom prst="rect">
@@ -27495,7 +27228,7 @@
           <a:noFill/>
           <a:extLst>
             <a:ext uri="{909E8E84-426E-40dd-AFC4-6F175D3DCCD1}">
-              <a14:hiddenFill xmlns:a14="http://schemas.microsoft.com/office/drawing/2010/main" xmlns="">
+              <a14:hiddenFill xmlns="" xmlns:a14="http://schemas.microsoft.com/office/drawing/2010/main">
                 <a:solidFill>
                   <a:srgbClr val="FFFFFF"/>
                 </a:solidFill>
@@ -29870,7 +29603,7 @@
         </p:nvSpPr>
         <p:spPr>
           <a:xfrm>
-            <a:off x="1828800" y="1371421"/>
+            <a:off x="1610336" y="1428750"/>
             <a:ext cx="1575412" cy="1200329"/>
           </a:xfrm>
           <a:prstGeom prst="rect">
@@ -29894,7 +29627,7 @@
             <a:pPr algn="ctr"/>
             <a:r>
               <a:rPr lang="en-US" sz="2400" dirty="0"/>
-              <a:t>(in 1000s of dollars)</a:t>
+              <a:t>(in 1000’s of dollars)</a:t>
             </a:r>
           </a:p>
         </p:txBody>
@@ -34546,6 +34279,46 @@
           <a:p>
             <a:pPr algn="ctr"/>
             <a:endParaRPr lang="en-US"/>
+          </a:p>
+        </p:txBody>
+      </p:sp>
+      <p:sp>
+        <p:nvSpPr>
+          <p:cNvPr id="2" name="TextBox 1">
+            <a:extLst>
+              <a:ext uri="{FF2B5EF4-FFF2-40B4-BE49-F238E27FC236}">
+                <a16:creationId xmlns:a16="http://schemas.microsoft.com/office/drawing/2014/main" id="{107A122F-EED8-1F48-ADCC-A3254F23EC35}"/>
+              </a:ext>
+            </a:extLst>
+          </p:cNvPr>
+          <p:cNvSpPr txBox="1"/>
+          <p:nvPr/>
+        </p:nvSpPr>
+        <p:spPr>
+          <a:xfrm>
+            <a:off x="3380405" y="4407476"/>
+            <a:ext cx="2101986" cy="369332"/>
+          </a:xfrm>
+          <a:prstGeom prst="rect">
+            <a:avLst/>
+          </a:prstGeom>
+          <a:noFill/>
+          <a:ln>
+            <a:solidFill>
+              <a:srgbClr val="FF0000"/>
+            </a:solidFill>
+          </a:ln>
+        </p:spPr>
+        <p:txBody>
+          <a:bodyPr wrap="none" rtlCol="0">
+            <a:spAutoFit/>
+          </a:bodyPr>
+          <a:lstStyle/>
+          <a:p>
+            <a:r>
+              <a:rPr lang="en-US" dirty="0"/>
+              <a:t>STOP FIRST LECTURE</a:t>
+            </a:r>
           </a:p>
         </p:txBody>
       </p:sp>
@@ -45469,7 +45242,7 @@
 </file>
 
 <file path=ppt/slides/slide52.xml><?xml version="1.0" encoding="utf-8"?>
-<p:sld xmlns:a="http://schemas.openxmlformats.org/drawingml/2006/main" xmlns:r="http://schemas.openxmlformats.org/officeDocument/2006/relationships" xmlns:p="http://schemas.openxmlformats.org/presentationml/2006/main" show="0">
+<p:sld xmlns:a="http://schemas.openxmlformats.org/drawingml/2006/main" xmlns:r="http://schemas.openxmlformats.org/officeDocument/2006/relationships" xmlns:p="http://schemas.openxmlformats.org/presentationml/2006/main">
   <p:cSld>
     <p:spTree>
       <p:nvGrpSpPr>
@@ -45485,259 +45258,56 @@
           <a:chExt cx="0" cy="0"/>
         </a:xfrm>
       </p:grpSpPr>
-      <p:pic>
-        <p:nvPicPr>
-          <p:cNvPr id="6" name="Picture 5"/>
-          <p:cNvPicPr>
-            <a:picLocks noChangeAspect="1"/>
-          </p:cNvPicPr>
-          <p:nvPr>
-            <p:custDataLst>
-              <p:tags r:id="rId1"/>
-            </p:custDataLst>
-          </p:nvPr>
-        </p:nvPicPr>
-        <p:blipFill>
-          <a:blip r:embed="rId6" cstate="print">
+      <p:sp>
+        <p:nvSpPr>
+          <p:cNvPr id="2" name="TextBox 1">
             <a:extLst>
-              <a:ext uri="{28A0092B-C50C-407E-A947-70E740481C1C}">
-                <a14:useLocalDpi xmlns:a14="http://schemas.microsoft.com/office/drawing/2010/main" val="0"/>
+              <a:ext uri="{FF2B5EF4-FFF2-40B4-BE49-F238E27FC236}">
+                <a16:creationId xmlns:a16="http://schemas.microsoft.com/office/drawing/2014/main" id="{43D7AA13-A17D-644E-9FD2-27957EE19F39}"/>
               </a:ext>
             </a:extLst>
-          </a:blip>
-          <a:stretch>
-            <a:fillRect/>
-          </a:stretch>
-        </p:blipFill>
+          </p:cNvPr>
+          <p:cNvSpPr txBox="1"/>
+          <p:nvPr/>
+        </p:nvSpPr>
         <p:spPr>
           <a:xfrm>
-            <a:off x="709551" y="819150"/>
-            <a:ext cx="1915668" cy="717804"/>
+            <a:off x="4038600" y="2190750"/>
+            <a:ext cx="1717073" cy="369332"/>
           </a:xfrm>
           <a:prstGeom prst="rect">
             <a:avLst/>
           </a:prstGeom>
-        </p:spPr>
-      </p:pic>
-      <p:pic>
-        <p:nvPicPr>
-          <p:cNvPr id="7" name="Picture 6"/>
-          <p:cNvPicPr>
-            <a:picLocks noChangeAspect="1"/>
-          </p:cNvPicPr>
-          <p:nvPr>
-            <p:custDataLst>
-              <p:tags r:id="rId2"/>
-            </p:custDataLst>
-          </p:nvPr>
-        </p:nvPicPr>
-        <p:blipFill>
-          <a:blip r:embed="rId7" cstate="print">
-            <a:extLst>
-              <a:ext uri="{28A0092B-C50C-407E-A947-70E740481C1C}">
-                <a14:useLocalDpi xmlns:a14="http://schemas.microsoft.com/office/drawing/2010/main" val="0"/>
-              </a:ext>
-            </a:extLst>
-          </a:blip>
-          <a:stretch>
-            <a:fillRect/>
-          </a:stretch>
-        </p:blipFill>
-        <p:spPr>
-          <a:xfrm>
-            <a:off x="709551" y="3301652"/>
-            <a:ext cx="2836926" cy="406908"/>
-          </a:xfrm>
-          <a:prstGeom prst="rect">
-            <a:avLst/>
-          </a:prstGeom>
-        </p:spPr>
-      </p:pic>
-      <p:pic>
-        <p:nvPicPr>
-          <p:cNvPr id="2" name="Picture 1"/>
-          <p:cNvPicPr>
-            <a:picLocks noChangeAspect="1"/>
-          </p:cNvPicPr>
-          <p:nvPr>
-            <p:custDataLst>
-              <p:tags r:id="rId3"/>
-            </p:custDataLst>
-          </p:nvPr>
-        </p:nvPicPr>
-        <p:blipFill>
-          <a:blip r:embed="rId8" cstate="print">
-            <a:extLst>
-              <a:ext uri="{28A0092B-C50C-407E-A947-70E740481C1C}">
-                <a14:useLocalDpi xmlns:a14="http://schemas.microsoft.com/office/drawing/2010/main" val="0"/>
-              </a:ext>
-            </a:extLst>
-          </a:blip>
-          <a:stretch>
-            <a:fillRect/>
-          </a:stretch>
-        </p:blipFill>
-        <p:spPr>
-          <a:xfrm>
-            <a:off x="709551" y="4019550"/>
-            <a:ext cx="2852772" cy="411480"/>
-          </a:xfrm>
-          <a:prstGeom prst="rect">
-            <a:avLst/>
-          </a:prstGeom>
-        </p:spPr>
-      </p:pic>
-      <mc:AlternateContent xmlns:mc="http://schemas.openxmlformats.org/markup-compatibility/2006" xmlns:p14="http://schemas.microsoft.com/office/powerpoint/2010/main">
-        <mc:Choice Requires="p14">
-          <p:contentPart p14:bwMode="auto" r:id="rId9">
-            <p14:nvContentPartPr>
-              <p14:cNvPr id="3" name="Ink 2"/>
-              <p14:cNvContentPartPr/>
-              <p14:nvPr/>
-            </p14:nvContentPartPr>
-            <p14:xfrm>
-              <a:off x="1307160" y="786600"/>
-              <a:ext cx="6647040" cy="3835080"/>
-            </p14:xfrm>
-          </p:contentPart>
-        </mc:Choice>
-        <mc:Fallback xmlns="">
-          <p:pic>
-            <p:nvPicPr>
-              <p:cNvPr id="3" name="Ink 2"/>
-              <p:cNvPicPr/>
-              <p:nvPr/>
-            </p:nvPicPr>
-            <p:blipFill>
-              <a:blip r:embed="rId10"/>
-              <a:stretch>
-                <a:fillRect/>
-              </a:stretch>
-            </p:blipFill>
-            <p:spPr>
-              <a:xfrm>
-                <a:off x="1298520" y="775800"/>
-                <a:ext cx="6666120" cy="3852000"/>
-              </a:xfrm>
-              <a:prstGeom prst="rect">
-                <a:avLst/>
-              </a:prstGeom>
-            </p:spPr>
-          </p:pic>
-        </mc:Fallback>
-      </mc:AlternateContent>
+          <a:noFill/>
+          <a:ln>
+            <a:solidFill>
+              <a:srgbClr val="FF0000"/>
+            </a:solidFill>
+          </a:ln>
+        </p:spPr>
+        <p:txBody>
+          <a:bodyPr wrap="none" rtlCol="0">
+            <a:spAutoFit/>
+          </a:bodyPr>
+          <a:lstStyle/>
+          <a:p>
+            <a:r>
+              <a:rPr lang="en-US" dirty="0"/>
+              <a:t>STOP LECTURE 2</a:t>
+            </a:r>
+          </a:p>
+        </p:txBody>
+      </p:sp>
     </p:spTree>
     <p:extLst>
       <p:ext uri="{BB962C8B-B14F-4D97-AF65-F5344CB8AC3E}">
-        <p14:creationId xmlns:p14="http://schemas.microsoft.com/office/powerpoint/2010/main" val="362523712"/>
+        <p14:creationId xmlns:p14="http://schemas.microsoft.com/office/powerpoint/2010/main" val="2448381844"/>
       </p:ext>
     </p:extLst>
   </p:cSld>
   <p:clrMapOvr>
     <a:masterClrMapping/>
   </p:clrMapOvr>
-  <p:timing>
-    <p:tnLst>
-      <p:par>
-        <p:cTn id="1" dur="indefinite" restart="never" nodeType="tmRoot">
-          <p:childTnLst>
-            <p:seq concurrent="1" nextAc="seek">
-              <p:cTn id="2" dur="indefinite" nodeType="mainSeq">
-                <p:childTnLst>
-                  <p:par>
-                    <p:cTn id="3" fill="hold">
-                      <p:stCondLst>
-                        <p:cond delay="indefinite"/>
-                      </p:stCondLst>
-                      <p:childTnLst>
-                        <p:par>
-                          <p:cTn id="4" fill="hold">
-                            <p:stCondLst>
-                              <p:cond delay="0"/>
-                            </p:stCondLst>
-                            <p:childTnLst>
-                              <p:par>
-                                <p:cTn id="5" presetID="1" presetClass="entr" presetSubtype="0" fill="hold" nodeType="clickEffect">
-                                  <p:stCondLst>
-                                    <p:cond delay="0"/>
-                                  </p:stCondLst>
-                                  <p:childTnLst>
-                                    <p:set>
-                                      <p:cBhvr>
-                                        <p:cTn id="6" dur="1" fill="hold">
-                                          <p:stCondLst>
-                                            <p:cond delay="0"/>
-                                          </p:stCondLst>
-                                        </p:cTn>
-                                        <p:tgtEl>
-                                          <p:spTgt spid="7"/>
-                                        </p:tgtEl>
-                                        <p:attrNameLst>
-                                          <p:attrName>style.visibility</p:attrName>
-                                        </p:attrNameLst>
-                                      </p:cBhvr>
-                                      <p:to>
-                                        <p:strVal val="visible"/>
-                                      </p:to>
-                                    </p:set>
-                                  </p:childTnLst>
-                                </p:cTn>
-                              </p:par>
-                              <p:par>
-                                <p:cTn id="7" presetID="1" presetClass="entr" presetSubtype="0" fill="hold" nodeType="withEffect">
-                                  <p:stCondLst>
-                                    <p:cond delay="0"/>
-                                  </p:stCondLst>
-                                  <p:childTnLst>
-                                    <p:set>
-                                      <p:cBhvr>
-                                        <p:cTn id="8" dur="1" fill="hold">
-                                          <p:stCondLst>
-                                            <p:cond delay="0"/>
-                                          </p:stCondLst>
-                                        </p:cTn>
-                                        <p:tgtEl>
-                                          <p:spTgt spid="2"/>
-                                        </p:tgtEl>
-                                        <p:attrNameLst>
-                                          <p:attrName>style.visibility</p:attrName>
-                                        </p:attrNameLst>
-                                      </p:cBhvr>
-                                      <p:to>
-                                        <p:strVal val="visible"/>
-                                      </p:to>
-                                    </p:set>
-                                  </p:childTnLst>
-                                </p:cTn>
-                              </p:par>
-                            </p:childTnLst>
-                          </p:cTn>
-                        </p:par>
-                      </p:childTnLst>
-                    </p:cTn>
-                  </p:par>
-                </p:childTnLst>
-              </p:cTn>
-              <p:prevCondLst>
-                <p:cond evt="onPrev" delay="0">
-                  <p:tgtEl>
-                    <p:sldTgt/>
-                  </p:tgtEl>
-                </p:cond>
-              </p:prevCondLst>
-              <p:nextCondLst>
-                <p:cond evt="onNext" delay="0">
-                  <p:tgtEl>
-                    <p:sldTgt/>
-                  </p:tgtEl>
-                </p:cond>
-              </p:nextCondLst>
-            </p:seq>
-          </p:childTnLst>
-        </p:cTn>
-      </p:par>
-    </p:tnLst>
-  </p:timing>
 </p:sld>
 </file>
 
@@ -49867,27 +49437,6 @@
 <p:tagLst xmlns:a="http://schemas.openxmlformats.org/drawingml/2006/main" xmlns:r="http://schemas.openxmlformats.org/officeDocument/2006/relationships" xmlns:p="http://schemas.openxmlformats.org/presentationml/2006/main">
   <p:tag name="LATEXADDIN" val="\documentclass{article}&#10;\usepackage{amsmath}&#10;\pagestyle{empty}&#10;\begin{document}&#10;&#10;&#10;$&#10;X^TX&#10;$&#10;&#10;\end{document}"/>
   <p:tag name="IGUANATEXSIZE" val="28"/>
-</p:tagLst>
-</file>
-
-<file path=ppt/tags/tag165.xml><?xml version="1.0" encoding="utf-8"?>
-<p:tagLst xmlns:a="http://schemas.openxmlformats.org/drawingml/2006/main" xmlns:r="http://schemas.openxmlformats.org/officeDocument/2006/relationships" xmlns:p="http://schemas.openxmlformats.org/presentationml/2006/main">
-  <p:tag name="LATEXADDIN" val="\documentclass{article}&#10;\usepackage{amsmath}&#10;\usepackage{color}&#10;\pagestyle{empty}&#10;\begin{document}&#10;&#10;$&#10;\displaystyle &#10;\frac{\partial}{\partial \theta_j} J(\theta_0,\theta_1) = &#10;$ &#10;% \delta_i^{(l)} = \left(\sum_j W_{ji}^{(l)} \delta_j^{(l+1)}\right) f'(z_i^{(l)})&#10;&#10;&#10;&#10;\end{document}"/>
-  <p:tag name="IGUANATEXSIZE" val="30"/>
-</p:tagLst>
-</file>
-
-<file path=ppt/tags/tag166.xml><?xml version="1.0" encoding="utf-8"?>
-<p:tagLst xmlns:a="http://schemas.openxmlformats.org/drawingml/2006/main" xmlns:r="http://schemas.openxmlformats.org/officeDocument/2006/relationships" xmlns:p="http://schemas.openxmlformats.org/presentationml/2006/main">
-  <p:tag name="LATEXADDIN" val="\documentclass{article}&#10;\usepackage{amsmath}&#10;\usepackage{color}&#10;\pagestyle{empty}&#10;\begin{document}&#10;&#10;$&#10;j=0: \frac{\partial}{\partial \theta_0} J(\theta_0,\theta_1) = &#10;% \frac{1}{M} \sum^{M}_{i=1} \left( h_\theta(x^{(i)}) - y^{(i)} \right)&#10;$ &#10;&#10;% \delta_i^{(l)} = \left(\sum_j W_{ji}^{(l)} \delta_j^{(l+1)}\right) f'(z_i^{(l)})&#10;&#10;&#10;&#10;\end{document}"/>
-  <p:tag name="IGUANATEXSIZE" val="30"/>
-</p:tagLst>
-</file>
-
-<file path=ppt/tags/tag167.xml><?xml version="1.0" encoding="utf-8"?>
-<p:tagLst xmlns:a="http://schemas.openxmlformats.org/drawingml/2006/main" xmlns:r="http://schemas.openxmlformats.org/officeDocument/2006/relationships" xmlns:p="http://schemas.openxmlformats.org/presentationml/2006/main">
-  <p:tag name="LATEXADDIN" val="\documentclass{article}&#10;\usepackage{amsmath}&#10;\usepackage{color}&#10;\pagestyle{empty}&#10;\begin{document}&#10;&#10;&#10;$&#10;j=1: \frac{\partial}{\partial \theta_1} J(\theta_0,\theta_1) = &#10;$ &#10;&#10;% \delta_i^{(l)} = \left(\sum_j W_{ji}^{(l)} \delta_j^{(l+1)}\right) f'(z_i^{(l)})&#10;&#10;&#10;&#10;\end{document}"/>
-  <p:tag name="IGUANATEXSIZE" val="30"/>
 </p:tagLst>
 </file>
 

--- a/slides/08_linear_regression.pptx
+++ b/slides/08_linear_regression.pptx
@@ -4043,7 +4043,7 @@
           <a:p>
             <a:fld id="{79A72009-0C07-A442-B1C4-26ED420CFE6B}" type="datetimeFigureOut">
               <a:rPr lang="en-US" smtClean="0"/>
-              <a:t>9/23/18</a:t>
+              <a:t>9/24/18</a:t>
             </a:fld>
             <a:endParaRPr lang="en-US"/>
           </a:p>
@@ -4209,7 +4209,7 @@
             <a:fld id="{9608008F-8C0F-4F63-86DC-E7B67385E4BD}" type="datetimeFigureOut">
               <a:rPr lang="en-US" smtClean="0"/>
               <a:pPr/>
-              <a:t>9/23/18</a:t>
+              <a:t>9/24/18</a:t>
             </a:fld>
             <a:endParaRPr lang="en-US"/>
           </a:p>
@@ -6898,7 +6898,7 @@
                 </a:solidFill>
               </a:rPr>
               <a:pPr/>
-              <a:t>9/23/18</a:t>
+              <a:t>9/24/18</a:t>
             </a:fld>
             <a:endParaRPr lang="en-US">
               <a:solidFill>
@@ -7128,7 +7128,7 @@
                 </a:solidFill>
               </a:rPr>
               <a:pPr/>
-              <a:t>9/23/18</a:t>
+              <a:t>9/24/18</a:t>
             </a:fld>
             <a:endParaRPr lang="en-US">
               <a:solidFill>
@@ -7338,7 +7338,7 @@
                 </a:solidFill>
               </a:rPr>
               <a:pPr/>
-              <a:t>9/23/18</a:t>
+              <a:t>9/24/18</a:t>
             </a:fld>
             <a:endParaRPr lang="en-US">
               <a:solidFill>
@@ -7640,7 +7640,7 @@
                 </a:solidFill>
               </a:rPr>
               <a:pPr/>
-              <a:t>9/23/18</a:t>
+              <a:t>9/24/18</a:t>
             </a:fld>
             <a:endParaRPr lang="en-US">
               <a:solidFill>
@@ -7947,7 +7947,7 @@
                 </a:solidFill>
               </a:rPr>
               <a:pPr/>
-              <a:t>9/23/18</a:t>
+              <a:t>9/24/18</a:t>
             </a:fld>
             <a:endParaRPr lang="en-US">
               <a:solidFill>
@@ -8264,7 +8264,7 @@
                 </a:solidFill>
               </a:rPr>
               <a:pPr/>
-              <a:t>9/23/18</a:t>
+              <a:t>9/24/18</a:t>
             </a:fld>
             <a:endParaRPr lang="en-US">
               <a:solidFill>
@@ -8715,7 +8715,7 @@
                 </a:solidFill>
               </a:rPr>
               <a:pPr/>
-              <a:t>9/23/18</a:t>
+              <a:t>9/24/18</a:t>
             </a:fld>
             <a:endParaRPr lang="en-US">
               <a:solidFill>
@@ -8864,7 +8864,7 @@
                 </a:solidFill>
               </a:rPr>
               <a:pPr/>
-              <a:t>9/23/18</a:t>
+              <a:t>9/24/18</a:t>
             </a:fld>
             <a:endParaRPr lang="en-US">
               <a:solidFill>
@@ -8991,7 +8991,7 @@
                 </a:solidFill>
               </a:rPr>
               <a:pPr/>
-              <a:t>9/23/18</a:t>
+              <a:t>9/24/18</a:t>
             </a:fld>
             <a:endParaRPr lang="en-US">
               <a:solidFill>
@@ -9191,7 +9191,7 @@
                 </a:solidFill>
               </a:rPr>
               <a:pPr/>
-              <a:t>9/23/18</a:t>
+              <a:t>9/24/18</a:t>
             </a:fld>
             <a:endParaRPr lang="en-US">
               <a:solidFill>
@@ -9498,7 +9498,7 @@
                 </a:solidFill>
               </a:rPr>
               <a:pPr/>
-              <a:t>9/23/18</a:t>
+              <a:t>9/24/18</a:t>
             </a:fld>
             <a:endParaRPr lang="en-US">
               <a:solidFill>
@@ -9782,7 +9782,7 @@
                 </a:solidFill>
               </a:rPr>
               <a:pPr/>
-              <a:t>9/23/18</a:t>
+              <a:t>9/24/18</a:t>
             </a:fld>
             <a:endParaRPr lang="en-US">
               <a:solidFill>
@@ -9982,7 +9982,7 @@
                 </a:solidFill>
               </a:rPr>
               <a:pPr/>
-              <a:t>9/23/18</a:t>
+              <a:t>9/24/18</a:t>
             </a:fld>
             <a:endParaRPr lang="en-US">
               <a:solidFill>
@@ -10192,7 +10192,7 @@
                 </a:solidFill>
               </a:rPr>
               <a:pPr/>
-              <a:t>9/23/18</a:t>
+              <a:t>9/24/18</a:t>
             </a:fld>
             <a:endParaRPr lang="en-US">
               <a:solidFill>
@@ -10470,7 +10470,7 @@
                 </a:solidFill>
               </a:rPr>
               <a:pPr/>
-              <a:t>9/23/18</a:t>
+              <a:t>9/24/18</a:t>
             </a:fld>
             <a:endParaRPr lang="en-US">
               <a:solidFill>
@@ -10783,7 +10783,7 @@
                 </a:solidFill>
               </a:rPr>
               <a:pPr/>
-              <a:t>9/23/18</a:t>
+              <a:t>9/24/18</a:t>
             </a:fld>
             <a:endParaRPr lang="en-US">
               <a:solidFill>
@@ -11114,7 +11114,7 @@
                 </a:solidFill>
               </a:rPr>
               <a:pPr/>
-              <a:t>9/23/18</a:t>
+              <a:t>9/24/18</a:t>
             </a:fld>
             <a:endParaRPr lang="en-US">
               <a:solidFill>
@@ -11585,7 +11585,7 @@
                 </a:solidFill>
               </a:rPr>
               <a:pPr/>
-              <a:t>9/23/18</a:t>
+              <a:t>9/24/18</a:t>
             </a:fld>
             <a:endParaRPr lang="en-US">
               <a:solidFill>
@@ -11742,7 +11742,7 @@
                 </a:solidFill>
               </a:rPr>
               <a:pPr/>
-              <a:t>9/23/18</a:t>
+              <a:t>9/24/18</a:t>
             </a:fld>
             <a:endParaRPr lang="en-US">
               <a:solidFill>
@@ -12019,7 +12019,7 @@
                 </a:solidFill>
               </a:rPr>
               <a:pPr/>
-              <a:t>9/23/18</a:t>
+              <a:t>9/24/18</a:t>
             </a:fld>
             <a:endParaRPr lang="en-US">
               <a:solidFill>
@@ -12146,7 +12146,7 @@
                 </a:solidFill>
               </a:rPr>
               <a:pPr/>
-              <a:t>9/23/18</a:t>
+              <a:t>9/24/18</a:t>
             </a:fld>
             <a:endParaRPr lang="en-US">
               <a:solidFill>
@@ -12462,7 +12462,7 @@
                 </a:solidFill>
               </a:rPr>
               <a:pPr/>
-              <a:t>9/23/18</a:t>
+              <a:t>9/24/18</a:t>
             </a:fld>
             <a:endParaRPr lang="en-US">
               <a:solidFill>
@@ -12755,7 +12755,7 @@
                 </a:solidFill>
               </a:rPr>
               <a:pPr/>
-              <a:t>9/23/18</a:t>
+              <a:t>9/24/18</a:t>
             </a:fld>
             <a:endParaRPr lang="en-US">
               <a:solidFill>
@@ -12971,7 +12971,7 @@
                 </a:solidFill>
               </a:rPr>
               <a:pPr/>
-              <a:t>9/23/18</a:t>
+              <a:t>9/24/18</a:t>
             </a:fld>
             <a:endParaRPr lang="en-US">
               <a:solidFill>
@@ -13187,7 +13187,7 @@
                 </a:solidFill>
               </a:rPr>
               <a:pPr/>
-              <a:t>9/23/18</a:t>
+              <a:t>9/24/18</a:t>
             </a:fld>
             <a:endParaRPr lang="en-US">
               <a:solidFill>
@@ -13403,7 +13403,7 @@
                 </a:solidFill>
               </a:rPr>
               <a:pPr/>
-              <a:t>9/23/18</a:t>
+              <a:t>9/24/18</a:t>
             </a:fld>
             <a:endParaRPr lang="en-US">
               <a:solidFill>
@@ -13720,7 +13720,7 @@
                 </a:solidFill>
               </a:rPr>
               <a:pPr/>
-              <a:t>9/23/18</a:t>
+              <a:t>9/24/18</a:t>
             </a:fld>
             <a:endParaRPr lang="en-US">
               <a:solidFill>
@@ -14171,7 +14171,7 @@
                 </a:solidFill>
               </a:rPr>
               <a:pPr/>
-              <a:t>9/23/18</a:t>
+              <a:t>9/24/18</a:t>
             </a:fld>
             <a:endParaRPr lang="en-US">
               <a:solidFill>
@@ -14320,7 +14320,7 @@
                 </a:solidFill>
               </a:rPr>
               <a:pPr/>
-              <a:t>9/23/18</a:t>
+              <a:t>9/24/18</a:t>
             </a:fld>
             <a:endParaRPr lang="en-US">
               <a:solidFill>
@@ -14447,7 +14447,7 @@
                 </a:solidFill>
               </a:rPr>
               <a:pPr/>
-              <a:t>9/23/18</a:t>
+              <a:t>9/24/18</a:t>
             </a:fld>
             <a:endParaRPr lang="en-US">
               <a:solidFill>
@@ -14754,7 +14754,7 @@
                 </a:solidFill>
               </a:rPr>
               <a:pPr/>
-              <a:t>9/23/18</a:t>
+              <a:t>9/24/18</a:t>
             </a:fld>
             <a:endParaRPr lang="en-US">
               <a:solidFill>
@@ -15041,7 +15041,7 @@
                 </a:solidFill>
               </a:rPr>
               <a:pPr/>
-              <a:t>9/23/18</a:t>
+              <a:t>9/24/18</a:t>
             </a:fld>
             <a:endParaRPr lang="en-US">
               <a:solidFill>
@@ -15284,7 +15284,7 @@
                 </a:solidFill>
               </a:rPr>
               <a:pPr/>
-              <a:t>9/23/18</a:t>
+              <a:t>9/24/18</a:t>
             </a:fld>
             <a:endParaRPr lang="en-US">
               <a:solidFill>
@@ -15825,7 +15825,7 @@
                 </a:solidFill>
               </a:rPr>
               <a:pPr/>
-              <a:t>9/23/18</a:t>
+              <a:t>9/24/18</a:t>
             </a:fld>
             <a:endParaRPr lang="en-US">
               <a:solidFill>
@@ -16009,7 +16009,7 @@
           <a:noFill/>
           <a:extLst>
             <a:ext uri="{909E8E84-426E-40dd-AFC4-6F175D3DCCD1}">
-              <a14:hiddenFill xmlns="" xmlns:a14="http://schemas.microsoft.com/office/drawing/2010/main">
+              <a14:hiddenFill xmlns:a14="http://schemas.microsoft.com/office/drawing/2010/main" xmlns="">
                 <a:solidFill>
                   <a:srgbClr val="FFFFFF"/>
                 </a:solidFill>
@@ -16050,7 +16050,7 @@
           <a:noFill/>
           <a:extLst>
             <a:ext uri="{909E8E84-426E-40dd-AFC4-6F175D3DCCD1}">
-              <a14:hiddenFill xmlns="" xmlns:a14="http://schemas.microsoft.com/office/drawing/2010/main">
+              <a14:hiddenFill xmlns:a14="http://schemas.microsoft.com/office/drawing/2010/main" xmlns="">
                 <a:solidFill>
                   <a:srgbClr val="FFFFFF"/>
                 </a:solidFill>
@@ -16091,7 +16091,7 @@
           <a:noFill/>
           <a:extLst>
             <a:ext uri="{909E8E84-426E-40dd-AFC4-6F175D3DCCD1}">
-              <a14:hiddenFill xmlns="" xmlns:a14="http://schemas.microsoft.com/office/drawing/2010/main">
+              <a14:hiddenFill xmlns:a14="http://schemas.microsoft.com/office/drawing/2010/main" xmlns="">
                 <a:solidFill>
                   <a:srgbClr val="FFFFFF"/>
                 </a:solidFill>
@@ -16132,7 +16132,7 @@
           <a:noFill/>
           <a:extLst>
             <a:ext uri="{909E8E84-426E-40dd-AFC4-6F175D3DCCD1}">
-              <a14:hiddenFill xmlns="" xmlns:a14="http://schemas.microsoft.com/office/drawing/2010/main">
+              <a14:hiddenFill xmlns:a14="http://schemas.microsoft.com/office/drawing/2010/main" xmlns="">
                 <a:solidFill>
                   <a:srgbClr val="FFFFFF"/>
                 </a:solidFill>
@@ -16479,7 +16479,7 @@
                 </a:solidFill>
               </a:rPr>
               <a:pPr/>
-              <a:t>9/23/18</a:t>
+              <a:t>9/24/18</a:t>
             </a:fld>
             <a:endParaRPr lang="en-US">
               <a:solidFill>
@@ -16726,7 +16726,7 @@
           <a:noFill/>
           <a:extLst>
             <a:ext uri="{909E8E84-426E-40dd-AFC4-6F175D3DCCD1}">
-              <a14:hiddenFill xmlns="" xmlns:a14="http://schemas.microsoft.com/office/drawing/2010/main">
+              <a14:hiddenFill xmlns:a14="http://schemas.microsoft.com/office/drawing/2010/main" xmlns="">
                 <a:solidFill>
                   <a:srgbClr val="FFFFFF"/>
                 </a:solidFill>
@@ -16767,7 +16767,7 @@
           <a:noFill/>
           <a:extLst>
             <a:ext uri="{909E8E84-426E-40dd-AFC4-6F175D3DCCD1}">
-              <a14:hiddenFill xmlns="" xmlns:a14="http://schemas.microsoft.com/office/drawing/2010/main">
+              <a14:hiddenFill xmlns:a14="http://schemas.microsoft.com/office/drawing/2010/main" xmlns="">
                 <a:solidFill>
                   <a:srgbClr val="FFFFFF"/>
                 </a:solidFill>
@@ -16808,7 +16808,7 @@
           <a:noFill/>
           <a:extLst>
             <a:ext uri="{909E8E84-426E-40dd-AFC4-6F175D3DCCD1}">
-              <a14:hiddenFill xmlns="" xmlns:a14="http://schemas.microsoft.com/office/drawing/2010/main">
+              <a14:hiddenFill xmlns:a14="http://schemas.microsoft.com/office/drawing/2010/main" xmlns="">
                 <a:solidFill>
                   <a:srgbClr val="FFFFFF"/>
                 </a:solidFill>
@@ -16849,7 +16849,7 @@
           <a:noFill/>
           <a:extLst>
             <a:ext uri="{909E8E84-426E-40dd-AFC4-6F175D3DCCD1}">
-              <a14:hiddenFill xmlns="" xmlns:a14="http://schemas.microsoft.com/office/drawing/2010/main">
+              <a14:hiddenFill xmlns:a14="http://schemas.microsoft.com/office/drawing/2010/main" xmlns="">
                 <a:solidFill>
                   <a:srgbClr val="FFFFFF"/>
                 </a:solidFill>
@@ -18415,7 +18415,7 @@
           <a:noFill/>
           <a:extLst>
             <a:ext uri="{909E8E84-426E-40dd-AFC4-6F175D3DCCD1}">
-              <a14:hiddenFill xmlns="" xmlns:a14="http://schemas.microsoft.com/office/drawing/2010/main">
+              <a14:hiddenFill xmlns:a14="http://schemas.microsoft.com/office/drawing/2010/main" xmlns="">
                 <a:solidFill>
                   <a:srgbClr val="FFFFFF"/>
                 </a:solidFill>
@@ -27228,7 +27228,7 @@
           <a:noFill/>
           <a:extLst>
             <a:ext uri="{909E8E84-426E-40dd-AFC4-6F175D3DCCD1}">
-              <a14:hiddenFill xmlns="" xmlns:a14="http://schemas.microsoft.com/office/drawing/2010/main">
+              <a14:hiddenFill xmlns:a14="http://schemas.microsoft.com/office/drawing/2010/main" xmlns="">
                 <a:solidFill>
                   <a:srgbClr val="FFFFFF"/>
                 </a:solidFill>
@@ -34136,7 +34136,7 @@
         </p:blipFill>
         <p:spPr>
           <a:xfrm>
-            <a:off x="1323352" y="3793711"/>
+            <a:off x="1323352" y="3830834"/>
             <a:ext cx="6576822" cy="306705"/>
           </a:xfrm>
           <a:prstGeom prst="rect">

--- a/slides/08_linear_regression.pptx
+++ b/slides/08_linear_regression.pptx
@@ -7,10 +7,10 @@
     <p:sldMasterId id="2147483722" r:id="rId3"/>
   </p:sldMasterIdLst>
   <p:notesMasterIdLst>
-    <p:notesMasterId r:id="rId56"/>
+    <p:notesMasterId r:id="rId58"/>
   </p:notesMasterIdLst>
   <p:handoutMasterIdLst>
-    <p:handoutMasterId r:id="rId57"/>
+    <p:handoutMasterId r:id="rId59"/>
   </p:handoutMasterIdLst>
   <p:sldIdLst>
     <p:sldId id="563" r:id="rId4"/>
@@ -51,25 +51,27 @@
     <p:sldId id="653" r:id="rId39"/>
     <p:sldId id="654" r:id="rId40"/>
     <p:sldId id="655" r:id="rId41"/>
-    <p:sldId id="659" r:id="rId42"/>
-    <p:sldId id="661" r:id="rId43"/>
-    <p:sldId id="679" r:id="rId44"/>
-    <p:sldId id="663" r:id="rId45"/>
-    <p:sldId id="664" r:id="rId46"/>
-    <p:sldId id="668" r:id="rId47"/>
-    <p:sldId id="670" r:id="rId48"/>
-    <p:sldId id="671" r:id="rId49"/>
-    <p:sldId id="672" r:id="rId50"/>
-    <p:sldId id="677" r:id="rId51"/>
-    <p:sldId id="678" r:id="rId52"/>
-    <p:sldId id="673" r:id="rId53"/>
-    <p:sldId id="669" r:id="rId54"/>
-    <p:sldId id="680" r:id="rId55"/>
+    <p:sldId id="681" r:id="rId42"/>
+    <p:sldId id="682" r:id="rId43"/>
+    <p:sldId id="659" r:id="rId44"/>
+    <p:sldId id="661" r:id="rId45"/>
+    <p:sldId id="663" r:id="rId46"/>
+    <p:sldId id="679" r:id="rId47"/>
+    <p:sldId id="664" r:id="rId48"/>
+    <p:sldId id="668" r:id="rId49"/>
+    <p:sldId id="670" r:id="rId50"/>
+    <p:sldId id="671" r:id="rId51"/>
+    <p:sldId id="672" r:id="rId52"/>
+    <p:sldId id="677" r:id="rId53"/>
+    <p:sldId id="678" r:id="rId54"/>
+    <p:sldId id="673" r:id="rId55"/>
+    <p:sldId id="669" r:id="rId56"/>
+    <p:sldId id="680" r:id="rId57"/>
   </p:sldIdLst>
   <p:sldSz cx="9144000" cy="5143500" type="screen16x9"/>
   <p:notesSz cx="6858000" cy="9144000"/>
   <p:custDataLst>
-    <p:tags r:id="rId58"/>
+    <p:tags r:id="rId60"/>
   </p:custDataLst>
   <p:defaultTextStyle>
     <a:defPPr>
@@ -4043,7 +4045,7 @@
           <a:p>
             <a:fld id="{79A72009-0C07-A442-B1C4-26ED420CFE6B}" type="datetimeFigureOut">
               <a:rPr lang="en-US" smtClean="0"/>
-              <a:t>9/24/18</a:t>
+              <a:t>9/27/18</a:t>
             </a:fld>
             <a:endParaRPr lang="en-US"/>
           </a:p>
@@ -4209,7 +4211,7 @@
             <a:fld id="{9608008F-8C0F-4F63-86DC-E7B67385E4BD}" type="datetimeFigureOut">
               <a:rPr lang="en-US" smtClean="0"/>
               <a:pPr/>
-              <a:t>9/24/18</a:t>
+              <a:t>9/27/18</a:t>
             </a:fld>
             <a:endParaRPr lang="en-US"/>
           </a:p>
@@ -5679,7 +5681,7 @@
             <a:fld id="{8FF38DAD-5F37-4EA5-A798-26ED1E453939}" type="slidenum">
               <a:rPr lang="en-US" smtClean="0"/>
               <a:pPr/>
-              <a:t>39</a:t>
+              <a:t>41</a:t>
             </a:fld>
             <a:endParaRPr lang="en-US"/>
           </a:p>
@@ -5767,7 +5769,7 @@
             <a:fld id="{8FF38DAD-5F37-4EA5-A798-26ED1E453939}" type="slidenum">
               <a:rPr lang="en-US" smtClean="0"/>
               <a:pPr/>
-              <a:t>40</a:t>
+              <a:t>42</a:t>
             </a:fld>
             <a:endParaRPr lang="en-US"/>
           </a:p>
@@ -5852,7 +5854,7 @@
             <a:fld id="{8FF38DAD-5F37-4EA5-A798-26ED1E453939}" type="slidenum">
               <a:rPr lang="en-US" smtClean="0"/>
               <a:pPr/>
-              <a:t>42</a:t>
+              <a:t>43</a:t>
             </a:fld>
             <a:endParaRPr lang="en-US"/>
           </a:p>
@@ -5937,7 +5939,7 @@
             <a:fld id="{8FF38DAD-5F37-4EA5-A798-26ED1E453939}" type="slidenum">
               <a:rPr lang="en-US" smtClean="0"/>
               <a:pPr/>
-              <a:t>43</a:t>
+              <a:t>45</a:t>
             </a:fld>
             <a:endParaRPr lang="en-US"/>
           </a:p>
@@ -6022,7 +6024,7 @@
             <a:fld id="{8FF38DAD-5F37-4EA5-A798-26ED1E453939}" type="slidenum">
               <a:rPr lang="en-US" smtClean="0"/>
               <a:pPr/>
-              <a:t>44</a:t>
+              <a:t>46</a:t>
             </a:fld>
             <a:endParaRPr lang="en-US"/>
           </a:p>
@@ -6898,7 +6900,7 @@
                 </a:solidFill>
               </a:rPr>
               <a:pPr/>
-              <a:t>9/24/18</a:t>
+              <a:t>9/27/18</a:t>
             </a:fld>
             <a:endParaRPr lang="en-US">
               <a:solidFill>
@@ -7128,7 +7130,7 @@
                 </a:solidFill>
               </a:rPr>
               <a:pPr/>
-              <a:t>9/24/18</a:t>
+              <a:t>9/27/18</a:t>
             </a:fld>
             <a:endParaRPr lang="en-US">
               <a:solidFill>
@@ -7338,7 +7340,7 @@
                 </a:solidFill>
               </a:rPr>
               <a:pPr/>
-              <a:t>9/24/18</a:t>
+              <a:t>9/27/18</a:t>
             </a:fld>
             <a:endParaRPr lang="en-US">
               <a:solidFill>
@@ -7640,7 +7642,7 @@
                 </a:solidFill>
               </a:rPr>
               <a:pPr/>
-              <a:t>9/24/18</a:t>
+              <a:t>9/27/18</a:t>
             </a:fld>
             <a:endParaRPr lang="en-US">
               <a:solidFill>
@@ -7947,7 +7949,7 @@
                 </a:solidFill>
               </a:rPr>
               <a:pPr/>
-              <a:t>9/24/18</a:t>
+              <a:t>9/27/18</a:t>
             </a:fld>
             <a:endParaRPr lang="en-US">
               <a:solidFill>
@@ -8264,7 +8266,7 @@
                 </a:solidFill>
               </a:rPr>
               <a:pPr/>
-              <a:t>9/24/18</a:t>
+              <a:t>9/27/18</a:t>
             </a:fld>
             <a:endParaRPr lang="en-US">
               <a:solidFill>
@@ -8715,7 +8717,7 @@
                 </a:solidFill>
               </a:rPr>
               <a:pPr/>
-              <a:t>9/24/18</a:t>
+              <a:t>9/27/18</a:t>
             </a:fld>
             <a:endParaRPr lang="en-US">
               <a:solidFill>
@@ -8864,7 +8866,7 @@
                 </a:solidFill>
               </a:rPr>
               <a:pPr/>
-              <a:t>9/24/18</a:t>
+              <a:t>9/27/18</a:t>
             </a:fld>
             <a:endParaRPr lang="en-US">
               <a:solidFill>
@@ -8991,7 +8993,7 @@
                 </a:solidFill>
               </a:rPr>
               <a:pPr/>
-              <a:t>9/24/18</a:t>
+              <a:t>9/27/18</a:t>
             </a:fld>
             <a:endParaRPr lang="en-US">
               <a:solidFill>
@@ -9191,7 +9193,7 @@
                 </a:solidFill>
               </a:rPr>
               <a:pPr/>
-              <a:t>9/24/18</a:t>
+              <a:t>9/27/18</a:t>
             </a:fld>
             <a:endParaRPr lang="en-US">
               <a:solidFill>
@@ -9498,7 +9500,7 @@
                 </a:solidFill>
               </a:rPr>
               <a:pPr/>
-              <a:t>9/24/18</a:t>
+              <a:t>9/27/18</a:t>
             </a:fld>
             <a:endParaRPr lang="en-US">
               <a:solidFill>
@@ -9782,7 +9784,7 @@
                 </a:solidFill>
               </a:rPr>
               <a:pPr/>
-              <a:t>9/24/18</a:t>
+              <a:t>9/27/18</a:t>
             </a:fld>
             <a:endParaRPr lang="en-US">
               <a:solidFill>
@@ -9982,7 +9984,7 @@
                 </a:solidFill>
               </a:rPr>
               <a:pPr/>
-              <a:t>9/24/18</a:t>
+              <a:t>9/27/18</a:t>
             </a:fld>
             <a:endParaRPr lang="en-US">
               <a:solidFill>
@@ -10192,7 +10194,7 @@
                 </a:solidFill>
               </a:rPr>
               <a:pPr/>
-              <a:t>9/24/18</a:t>
+              <a:t>9/27/18</a:t>
             </a:fld>
             <a:endParaRPr lang="en-US">
               <a:solidFill>
@@ -10470,7 +10472,7 @@
                 </a:solidFill>
               </a:rPr>
               <a:pPr/>
-              <a:t>9/24/18</a:t>
+              <a:t>9/27/18</a:t>
             </a:fld>
             <a:endParaRPr lang="en-US">
               <a:solidFill>
@@ -10783,7 +10785,7 @@
                 </a:solidFill>
               </a:rPr>
               <a:pPr/>
-              <a:t>9/24/18</a:t>
+              <a:t>9/27/18</a:t>
             </a:fld>
             <a:endParaRPr lang="en-US">
               <a:solidFill>
@@ -11114,7 +11116,7 @@
                 </a:solidFill>
               </a:rPr>
               <a:pPr/>
-              <a:t>9/24/18</a:t>
+              <a:t>9/27/18</a:t>
             </a:fld>
             <a:endParaRPr lang="en-US">
               <a:solidFill>
@@ -11585,7 +11587,7 @@
                 </a:solidFill>
               </a:rPr>
               <a:pPr/>
-              <a:t>9/24/18</a:t>
+              <a:t>9/27/18</a:t>
             </a:fld>
             <a:endParaRPr lang="en-US">
               <a:solidFill>
@@ -11742,7 +11744,7 @@
                 </a:solidFill>
               </a:rPr>
               <a:pPr/>
-              <a:t>9/24/18</a:t>
+              <a:t>9/27/18</a:t>
             </a:fld>
             <a:endParaRPr lang="en-US">
               <a:solidFill>
@@ -12019,7 +12021,7 @@
                 </a:solidFill>
               </a:rPr>
               <a:pPr/>
-              <a:t>9/24/18</a:t>
+              <a:t>9/27/18</a:t>
             </a:fld>
             <a:endParaRPr lang="en-US">
               <a:solidFill>
@@ -12146,7 +12148,7 @@
                 </a:solidFill>
               </a:rPr>
               <a:pPr/>
-              <a:t>9/24/18</a:t>
+              <a:t>9/27/18</a:t>
             </a:fld>
             <a:endParaRPr lang="en-US">
               <a:solidFill>
@@ -12462,7 +12464,7 @@
                 </a:solidFill>
               </a:rPr>
               <a:pPr/>
-              <a:t>9/24/18</a:t>
+              <a:t>9/27/18</a:t>
             </a:fld>
             <a:endParaRPr lang="en-US">
               <a:solidFill>
@@ -12755,7 +12757,7 @@
                 </a:solidFill>
               </a:rPr>
               <a:pPr/>
-              <a:t>9/24/18</a:t>
+              <a:t>9/27/18</a:t>
             </a:fld>
             <a:endParaRPr lang="en-US">
               <a:solidFill>
@@ -12971,7 +12973,7 @@
                 </a:solidFill>
               </a:rPr>
               <a:pPr/>
-              <a:t>9/24/18</a:t>
+              <a:t>9/27/18</a:t>
             </a:fld>
             <a:endParaRPr lang="en-US">
               <a:solidFill>
@@ -13187,7 +13189,7 @@
                 </a:solidFill>
               </a:rPr>
               <a:pPr/>
-              <a:t>9/24/18</a:t>
+              <a:t>9/27/18</a:t>
             </a:fld>
             <a:endParaRPr lang="en-US">
               <a:solidFill>
@@ -13403,7 +13405,7 @@
                 </a:solidFill>
               </a:rPr>
               <a:pPr/>
-              <a:t>9/24/18</a:t>
+              <a:t>9/27/18</a:t>
             </a:fld>
             <a:endParaRPr lang="en-US">
               <a:solidFill>
@@ -13720,7 +13722,7 @@
                 </a:solidFill>
               </a:rPr>
               <a:pPr/>
-              <a:t>9/24/18</a:t>
+              <a:t>9/27/18</a:t>
             </a:fld>
             <a:endParaRPr lang="en-US">
               <a:solidFill>
@@ -14171,7 +14173,7 @@
                 </a:solidFill>
               </a:rPr>
               <a:pPr/>
-              <a:t>9/24/18</a:t>
+              <a:t>9/27/18</a:t>
             </a:fld>
             <a:endParaRPr lang="en-US">
               <a:solidFill>
@@ -14320,7 +14322,7 @@
                 </a:solidFill>
               </a:rPr>
               <a:pPr/>
-              <a:t>9/24/18</a:t>
+              <a:t>9/27/18</a:t>
             </a:fld>
             <a:endParaRPr lang="en-US">
               <a:solidFill>
@@ -14447,7 +14449,7 @@
                 </a:solidFill>
               </a:rPr>
               <a:pPr/>
-              <a:t>9/24/18</a:t>
+              <a:t>9/27/18</a:t>
             </a:fld>
             <a:endParaRPr lang="en-US">
               <a:solidFill>
@@ -14754,7 +14756,7 @@
                 </a:solidFill>
               </a:rPr>
               <a:pPr/>
-              <a:t>9/24/18</a:t>
+              <a:t>9/27/18</a:t>
             </a:fld>
             <a:endParaRPr lang="en-US">
               <a:solidFill>
@@ -15041,7 +15043,7 @@
                 </a:solidFill>
               </a:rPr>
               <a:pPr/>
-              <a:t>9/24/18</a:t>
+              <a:t>9/27/18</a:t>
             </a:fld>
             <a:endParaRPr lang="en-US">
               <a:solidFill>
@@ -15284,7 +15286,7 @@
                 </a:solidFill>
               </a:rPr>
               <a:pPr/>
-              <a:t>9/24/18</a:t>
+              <a:t>9/27/18</a:t>
             </a:fld>
             <a:endParaRPr lang="en-US">
               <a:solidFill>
@@ -15825,7 +15827,7 @@
                 </a:solidFill>
               </a:rPr>
               <a:pPr/>
-              <a:t>9/24/18</a:t>
+              <a:t>9/27/18</a:t>
             </a:fld>
             <a:endParaRPr lang="en-US">
               <a:solidFill>
@@ -16479,7 +16481,7 @@
                 </a:solidFill>
               </a:rPr>
               <a:pPr/>
-              <a:t>9/24/18</a:t>
+              <a:t>9/27/18</a:t>
             </a:fld>
             <a:endParaRPr lang="en-US">
               <a:solidFill>
@@ -35426,1088 +35428,104 @@
           <a:chExt cx="0" cy="0"/>
         </a:xfrm>
       </p:grpSpPr>
-      <p:sp>
-        <p:nvSpPr>
-          <p:cNvPr id="8" name="TextBox 7"/>
-          <p:cNvSpPr txBox="1"/>
-          <p:nvPr/>
-        </p:nvSpPr>
-        <p:spPr>
-          <a:xfrm>
-            <a:off x="304800" y="1522907"/>
-            <a:ext cx="7314247" cy="461665"/>
-          </a:xfrm>
-          <a:prstGeom prst="rect">
-            <a:avLst/>
-          </a:prstGeom>
-          <a:noFill/>
-        </p:spPr>
-        <p:txBody>
-          <a:bodyPr wrap="square" rtlCol="0">
-            <a:spAutoFit/>
-          </a:bodyPr>
-          <a:lstStyle/>
-          <a:p>
-            <a:r>
-              <a:rPr lang="en-US" sz="2400" dirty="0"/>
-              <a:t>Intuition: If 1 parameter</a:t>
-            </a:r>
-          </a:p>
-        </p:txBody>
-      </p:sp>
-      <p:sp>
-        <p:nvSpPr>
-          <p:cNvPr id="4" name="Rectangle 3"/>
-          <p:cNvSpPr/>
-          <p:nvPr/>
-        </p:nvSpPr>
-        <p:spPr>
-          <a:xfrm>
-            <a:off x="304800" y="4481800"/>
-            <a:ext cx="2057400" cy="528350"/>
-          </a:xfrm>
-          <a:prstGeom prst="rect">
-            <a:avLst/>
-          </a:prstGeom>
-        </p:spPr>
-        <p:txBody>
-          <a:bodyPr wrap="square">
-            <a:spAutoFit/>
-          </a:bodyPr>
-          <a:lstStyle/>
-          <a:p>
-            <a:pPr>
-              <a:lnSpc>
-                <a:spcPts val="3360"/>
-              </a:lnSpc>
-            </a:pPr>
-            <a:r>
-              <a:rPr lang="en-US" sz="2400" dirty="0"/>
-              <a:t>Solve for </a:t>
-            </a:r>
-          </a:p>
-        </p:txBody>
-      </p:sp>
       <p:pic>
         <p:nvPicPr>
-          <p:cNvPr id="20" name="Picture 19"/>
+          <p:cNvPr id="2" name="Picture 1">
+            <a:extLst>
+              <a:ext uri="{FF2B5EF4-FFF2-40B4-BE49-F238E27FC236}">
+                <a16:creationId xmlns:a16="http://schemas.microsoft.com/office/drawing/2014/main" id="{BCE931AD-76BF-4B45-88B6-4764EB865695}"/>
+              </a:ext>
+            </a:extLst>
+          </p:cNvPr>
           <p:cNvPicPr>
             <a:picLocks noChangeAspect="1"/>
           </p:cNvPicPr>
-          <p:nvPr>
-            <p:custDataLst>
-              <p:tags r:id="rId1"/>
-            </p:custDataLst>
-          </p:nvPr>
+          <p:nvPr/>
         </p:nvPicPr>
         <p:blipFill>
-          <a:blip r:embed="rId11" cstate="print">
-            <a:extLst>
-              <a:ext uri="{28A0092B-C50C-407E-A947-70E740481C1C}">
-                <a14:useLocalDpi xmlns:a14="http://schemas.microsoft.com/office/drawing/2010/main" val="0"/>
-              </a:ext>
-            </a:extLst>
-          </a:blip>
+          <a:blip r:embed="rId2"/>
           <a:stretch>
             <a:fillRect/>
           </a:stretch>
         </p:blipFill>
         <p:spPr>
           <a:xfrm>
-            <a:off x="838201" y="2090166"/>
-            <a:ext cx="2574036" cy="329184"/>
+            <a:off x="774700" y="266700"/>
+            <a:ext cx="7594600" cy="4610100"/>
           </a:xfrm>
           <a:prstGeom prst="rect">
             <a:avLst/>
           </a:prstGeom>
         </p:spPr>
       </p:pic>
-      <p:cxnSp>
-        <p:nvCxnSpPr>
-          <p:cNvPr id="14" name="Straight Connector 13"/>
-          <p:cNvCxnSpPr/>
-          <p:nvPr/>
-        </p:nvCxnSpPr>
-        <p:spPr>
-          <a:xfrm flipV="1">
-            <a:off x="6011011" y="482104"/>
-            <a:ext cx="0" cy="1727136"/>
-          </a:xfrm>
-          <a:prstGeom prst="line">
-            <a:avLst/>
-          </a:prstGeom>
-          <a:ln w="38100">
-            <a:solidFill>
-              <a:schemeClr val="tx1"/>
-            </a:solidFill>
-            <a:tailEnd type="arrow" w="lg" len="med"/>
-          </a:ln>
-        </p:spPr>
-        <p:style>
-          <a:lnRef idx="1">
-            <a:schemeClr val="accent1"/>
-          </a:lnRef>
-          <a:fillRef idx="0">
-            <a:schemeClr val="accent1"/>
-          </a:fillRef>
-          <a:effectRef idx="0">
-            <a:schemeClr val="accent1"/>
-          </a:effectRef>
-          <a:fontRef idx="minor">
-            <a:schemeClr val="tx1"/>
-          </a:fontRef>
-        </p:style>
-      </p:cxnSp>
-      <p:cxnSp>
-        <p:nvCxnSpPr>
-          <p:cNvPr id="15" name="Straight Connector 14"/>
-          <p:cNvCxnSpPr/>
-          <p:nvPr/>
-        </p:nvCxnSpPr>
-        <p:spPr>
-          <a:xfrm>
-            <a:off x="5867400" y="2041755"/>
-            <a:ext cx="2164713" cy="0"/>
-          </a:xfrm>
-          <a:prstGeom prst="line">
-            <a:avLst/>
-          </a:prstGeom>
-          <a:ln w="38100">
-            <a:solidFill>
-              <a:schemeClr val="tx1"/>
-            </a:solidFill>
-            <a:tailEnd type="arrow" w="lg" len="med"/>
-          </a:ln>
-        </p:spPr>
-        <p:style>
-          <a:lnRef idx="1">
-            <a:schemeClr val="accent1"/>
-          </a:lnRef>
-          <a:fillRef idx="0">
-            <a:schemeClr val="accent1"/>
-          </a:fillRef>
-          <a:effectRef idx="0">
-            <a:schemeClr val="accent1"/>
-          </a:effectRef>
-          <a:fontRef idx="minor">
-            <a:schemeClr val="tx1"/>
-          </a:fontRef>
-        </p:style>
-      </p:cxnSp>
-      <p:pic>
-        <p:nvPicPr>
-          <p:cNvPr id="16" name="Picture 15"/>
-          <p:cNvPicPr>
-            <a:picLocks noChangeAspect="1"/>
-          </p:cNvPicPr>
-          <p:nvPr>
-            <p:custDataLst>
-              <p:tags r:id="rId2"/>
-            </p:custDataLst>
-          </p:nvPr>
-        </p:nvPicPr>
-        <p:blipFill>
-          <a:blip r:embed="rId12" cstate="print">
+      <p:sp>
+        <p:nvSpPr>
+          <p:cNvPr id="3" name="TextBox 2">
             <a:extLst>
-              <a:ext uri="{28A0092B-C50C-407E-A947-70E740481C1C}">
-                <a14:useLocalDpi xmlns:a14="http://schemas.microsoft.com/office/drawing/2010/main" val="0"/>
+              <a:ext uri="{FF2B5EF4-FFF2-40B4-BE49-F238E27FC236}">
+                <a16:creationId xmlns:a16="http://schemas.microsoft.com/office/drawing/2014/main" id="{F1B6F159-F3A3-E346-A513-C431565864CB}"/>
               </a:ext>
             </a:extLst>
-          </a:blip>
-          <a:stretch>
-            <a:fillRect/>
-          </a:stretch>
-        </p:blipFill>
-        <p:spPr>
-          <a:xfrm>
-            <a:off x="6874431" y="2132867"/>
-            <a:ext cx="104411" cy="160784"/>
-          </a:xfrm>
-          <a:prstGeom prst="rect">
-            <a:avLst/>
-          </a:prstGeom>
-        </p:spPr>
-      </p:pic>
-      <p:pic>
-        <p:nvPicPr>
-          <p:cNvPr id="18" name="Picture 17"/>
-          <p:cNvPicPr>
-            <a:picLocks noChangeAspect="1"/>
-          </p:cNvPicPr>
-          <p:nvPr>
-            <p:custDataLst>
-              <p:tags r:id="rId3"/>
-            </p:custDataLst>
-          </p:nvPr>
-        </p:nvPicPr>
-        <p:blipFill>
-          <a:blip r:embed="rId13" cstate="print">
-            <a:extLst>
-              <a:ext uri="{28A0092B-C50C-407E-A947-70E740481C1C}">
-                <a14:useLocalDpi xmlns:a14="http://schemas.microsoft.com/office/drawing/2010/main" val="0"/>
-              </a:ext>
-            </a:extLst>
-          </a:blip>
-          <a:stretch>
-            <a:fillRect/>
-          </a:stretch>
-        </p:blipFill>
-        <p:spPr>
-          <a:xfrm>
-            <a:off x="7813968" y="869374"/>
-            <a:ext cx="436290" cy="224427"/>
-          </a:xfrm>
-          <a:prstGeom prst="rect">
-            <a:avLst/>
-          </a:prstGeom>
-        </p:spPr>
-      </p:pic>
-      <p:cxnSp>
-        <p:nvCxnSpPr>
-          <p:cNvPr id="23" name="Straight Connector 22"/>
-          <p:cNvCxnSpPr/>
-          <p:nvPr/>
-        </p:nvCxnSpPr>
-        <p:spPr>
-          <a:xfrm>
-            <a:off x="381000" y="2876550"/>
-            <a:ext cx="8305800" cy="0"/>
-          </a:xfrm>
-          <a:prstGeom prst="line">
-            <a:avLst/>
-          </a:prstGeom>
-        </p:spPr>
-        <p:style>
-          <a:lnRef idx="1">
-            <a:schemeClr val="dk1"/>
-          </a:lnRef>
-          <a:fillRef idx="0">
-            <a:schemeClr val="dk1"/>
-          </a:fillRef>
-          <a:effectRef idx="0">
-            <a:schemeClr val="dk1"/>
-          </a:effectRef>
-          <a:fontRef idx="minor">
-            <a:schemeClr val="tx1"/>
-          </a:fontRef>
-        </p:style>
-      </p:cxnSp>
-      <p:pic>
-        <p:nvPicPr>
-          <p:cNvPr id="31" name="Picture 30"/>
-          <p:cNvPicPr>
-            <a:picLocks noChangeAspect="1"/>
-          </p:cNvPicPr>
-          <p:nvPr>
-            <p:custDataLst>
-              <p:tags r:id="rId4"/>
-            </p:custDataLst>
-          </p:nvPr>
-        </p:nvPicPr>
-        <p:blipFill>
-          <a:blip r:embed="rId14" cstate="print">
-            <a:extLst>
-              <a:ext uri="{28A0092B-C50C-407E-A947-70E740481C1C}">
-                <a14:useLocalDpi xmlns:a14="http://schemas.microsoft.com/office/drawing/2010/main" val="0"/>
-              </a:ext>
-            </a:extLst>
-          </a:blip>
-          <a:stretch>
-            <a:fillRect/>
-          </a:stretch>
-        </p:blipFill>
-        <p:spPr>
-          <a:xfrm>
-            <a:off x="2438400" y="3001385"/>
-            <a:ext cx="5719572" cy="832104"/>
-          </a:xfrm>
-          <a:prstGeom prst="rect">
-            <a:avLst/>
-          </a:prstGeom>
-        </p:spPr>
-      </p:pic>
-      <p:pic>
-        <p:nvPicPr>
-          <p:cNvPr id="6" name="Picture 5"/>
-          <p:cNvPicPr>
-            <a:picLocks noChangeAspect="1"/>
-          </p:cNvPicPr>
-          <p:nvPr>
-            <p:custDataLst>
-              <p:tags r:id="rId5"/>
-            </p:custDataLst>
-          </p:nvPr>
-        </p:nvPicPr>
-        <p:blipFill>
-          <a:blip r:embed="rId15" cstate="print">
-            <a:extLst>
-              <a:ext uri="{28A0092B-C50C-407E-A947-70E740481C1C}">
-                <a14:useLocalDpi xmlns:a14="http://schemas.microsoft.com/office/drawing/2010/main" val="0"/>
-              </a:ext>
-            </a:extLst>
-          </a:blip>
-          <a:stretch>
-            <a:fillRect/>
-          </a:stretch>
-        </p:blipFill>
-        <p:spPr>
-          <a:xfrm>
-            <a:off x="1042416" y="3947587"/>
-            <a:ext cx="2299716" cy="436626"/>
-          </a:xfrm>
-          <a:prstGeom prst="rect">
-            <a:avLst/>
-          </a:prstGeom>
-        </p:spPr>
-      </p:pic>
-      <p:sp>
-        <p:nvSpPr>
-          <p:cNvPr id="33" name="Rectangle 32"/>
-          <p:cNvSpPr/>
-          <p:nvPr/>
-        </p:nvSpPr>
-        <p:spPr>
-          <a:xfrm>
-            <a:off x="3679751" y="3833489"/>
-            <a:ext cx="3336036" cy="500586"/>
-          </a:xfrm>
-          <a:prstGeom prst="rect">
-            <a:avLst/>
-          </a:prstGeom>
-        </p:spPr>
-        <p:txBody>
-          <a:bodyPr wrap="square">
-            <a:spAutoFit/>
-          </a:bodyPr>
-          <a:lstStyle/>
-          <a:p>
-            <a:pPr>
-              <a:lnSpc>
-                <a:spcPts val="3360"/>
-              </a:lnSpc>
-            </a:pPr>
-            <a:r>
-              <a:rPr lang="en-US" sz="2400" dirty="0"/>
-              <a:t>(for every   )</a:t>
-            </a:r>
-          </a:p>
-        </p:txBody>
-      </p:sp>
-      <p:pic>
-        <p:nvPicPr>
-          <p:cNvPr id="35" name="Picture 34"/>
-          <p:cNvPicPr>
-            <a:picLocks noChangeAspect="1"/>
-          </p:cNvPicPr>
-          <p:nvPr>
-            <p:custDataLst>
-              <p:tags r:id="rId6"/>
-            </p:custDataLst>
-          </p:nvPr>
-        </p:nvPicPr>
-        <p:blipFill>
-          <a:blip r:embed="rId16" cstate="print">
-            <a:extLst>
-              <a:ext uri="{28A0092B-C50C-407E-A947-70E740481C1C}">
-                <a14:useLocalDpi xmlns:a14="http://schemas.microsoft.com/office/drawing/2010/main" val="0"/>
-              </a:ext>
-            </a:extLst>
-          </a:blip>
-          <a:stretch>
-            <a:fillRect/>
-          </a:stretch>
-        </p:blipFill>
-        <p:spPr>
-          <a:xfrm>
-            <a:off x="5038165" y="4012135"/>
-            <a:ext cx="125730" cy="262890"/>
-          </a:xfrm>
-          <a:prstGeom prst="rect">
-            <a:avLst/>
-          </a:prstGeom>
-        </p:spPr>
-      </p:pic>
-      <p:pic>
-        <p:nvPicPr>
-          <p:cNvPr id="37" name="Picture 36"/>
-          <p:cNvPicPr>
-            <a:picLocks noChangeAspect="1"/>
-          </p:cNvPicPr>
-          <p:nvPr>
-            <p:custDataLst>
-              <p:tags r:id="rId7"/>
-            </p:custDataLst>
-          </p:nvPr>
-        </p:nvPicPr>
-        <p:blipFill>
-          <a:blip r:embed="rId17" cstate="print">
-            <a:extLst>
-              <a:ext uri="{28A0092B-C50C-407E-A947-70E740481C1C}">
-                <a14:useLocalDpi xmlns:a14="http://schemas.microsoft.com/office/drawing/2010/main" val="0"/>
-              </a:ext>
-            </a:extLst>
-          </a:blip>
-          <a:stretch>
-            <a:fillRect/>
-          </a:stretch>
-        </p:blipFill>
-        <p:spPr>
-          <a:xfrm>
-            <a:off x="1618869" y="4634567"/>
-            <a:ext cx="1639062" cy="276606"/>
-          </a:xfrm>
-          <a:prstGeom prst="rect">
-            <a:avLst/>
-          </a:prstGeom>
-        </p:spPr>
-      </p:pic>
-      <p:grpSp>
-        <p:nvGrpSpPr>
-          <p:cNvPr id="2" name="Group 1"/>
-          <p:cNvGrpSpPr/>
-          <p:nvPr/>
-        </p:nvGrpSpPr>
-        <p:grpSpPr>
-          <a:xfrm>
-            <a:off x="6172200" y="833140"/>
-            <a:ext cx="1524880" cy="1052810"/>
-            <a:chOff x="5137487" y="1006891"/>
-            <a:chExt cx="2015567" cy="1391591"/>
-          </a:xfrm>
-        </p:grpSpPr>
-        <p:sp>
-          <p:nvSpPr>
-            <p:cNvPr id="22" name="Freeform 21"/>
-            <p:cNvSpPr/>
-            <p:nvPr/>
-          </p:nvSpPr>
-          <p:spPr>
-            <a:xfrm>
-              <a:off x="5137487" y="1007182"/>
-              <a:ext cx="1041121" cy="1391300"/>
-            </a:xfrm>
-            <a:custGeom>
-              <a:avLst/>
-              <a:gdLst>
-                <a:gd name="connsiteX0" fmla="*/ 0 w 2667000"/>
-                <a:gd name="connsiteY0" fmla="*/ 0 h 2076450"/>
-                <a:gd name="connsiteX1" fmla="*/ 800100 w 2667000"/>
-                <a:gd name="connsiteY1" fmla="*/ 1724025 h 2076450"/>
-                <a:gd name="connsiteX2" fmla="*/ 2667000 w 2667000"/>
-                <a:gd name="connsiteY2" fmla="*/ 2076450 h 2076450"/>
-                <a:gd name="connsiteX0" fmla="*/ 0 w 1819275"/>
-                <a:gd name="connsiteY0" fmla="*/ 0 h 2085975"/>
-                <a:gd name="connsiteX1" fmla="*/ 800100 w 1819275"/>
-                <a:gd name="connsiteY1" fmla="*/ 1724025 h 2085975"/>
-                <a:gd name="connsiteX2" fmla="*/ 1819275 w 1819275"/>
-                <a:gd name="connsiteY2" fmla="*/ 2085975 h 2085975"/>
-                <a:gd name="connsiteX0" fmla="*/ 0 w 1819275"/>
-                <a:gd name="connsiteY0" fmla="*/ 0 h 2085975"/>
-                <a:gd name="connsiteX1" fmla="*/ 609600 w 1819275"/>
-                <a:gd name="connsiteY1" fmla="*/ 1504950 h 2085975"/>
-                <a:gd name="connsiteX2" fmla="*/ 1819275 w 1819275"/>
-                <a:gd name="connsiteY2" fmla="*/ 2085975 h 2085975"/>
-                <a:gd name="connsiteX0" fmla="*/ 0 w 1819275"/>
-                <a:gd name="connsiteY0" fmla="*/ 0 h 2085975"/>
-                <a:gd name="connsiteX1" fmla="*/ 609600 w 1819275"/>
-                <a:gd name="connsiteY1" fmla="*/ 1504950 h 2085975"/>
-                <a:gd name="connsiteX2" fmla="*/ 1819275 w 1819275"/>
-                <a:gd name="connsiteY2" fmla="*/ 2085975 h 2085975"/>
-                <a:gd name="connsiteX0" fmla="*/ 0 w 1819275"/>
-                <a:gd name="connsiteY0" fmla="*/ 0 h 2087456"/>
-                <a:gd name="connsiteX1" fmla="*/ 609600 w 1819275"/>
-                <a:gd name="connsiteY1" fmla="*/ 1504950 h 2087456"/>
-                <a:gd name="connsiteX2" fmla="*/ 1819275 w 1819275"/>
-                <a:gd name="connsiteY2" fmla="*/ 2085975 h 2087456"/>
-                <a:gd name="connsiteX0" fmla="*/ 0 w 1590675"/>
-                <a:gd name="connsiteY0" fmla="*/ 0 h 2124809"/>
-                <a:gd name="connsiteX1" fmla="*/ 381000 w 1590675"/>
-                <a:gd name="connsiteY1" fmla="*/ 1543050 h 2124809"/>
-                <a:gd name="connsiteX2" fmla="*/ 1590675 w 1590675"/>
-                <a:gd name="connsiteY2" fmla="*/ 2124075 h 2124809"/>
-                <a:gd name="connsiteX0" fmla="*/ 2321 w 1592996"/>
-                <a:gd name="connsiteY0" fmla="*/ 0 h 2124809"/>
-                <a:gd name="connsiteX1" fmla="*/ 383321 w 1592996"/>
-                <a:gd name="connsiteY1" fmla="*/ 1543050 h 2124809"/>
-                <a:gd name="connsiteX2" fmla="*/ 1592996 w 1592996"/>
-                <a:gd name="connsiteY2" fmla="*/ 2124075 h 2124809"/>
-                <a:gd name="connsiteX0" fmla="*/ 0 w 1590675"/>
-                <a:gd name="connsiteY0" fmla="*/ 0 h 2124809"/>
-                <a:gd name="connsiteX1" fmla="*/ 381000 w 1590675"/>
-                <a:gd name="connsiteY1" fmla="*/ 1543050 h 2124809"/>
-                <a:gd name="connsiteX2" fmla="*/ 1590675 w 1590675"/>
-                <a:gd name="connsiteY2" fmla="*/ 2124075 h 2124809"/>
-                <a:gd name="connsiteX0" fmla="*/ 0 w 1590675"/>
-                <a:gd name="connsiteY0" fmla="*/ 0 h 2124675"/>
-                <a:gd name="connsiteX1" fmla="*/ 468316 w 1590675"/>
-                <a:gd name="connsiteY1" fmla="*/ 1484839 h 2124675"/>
-                <a:gd name="connsiteX2" fmla="*/ 1590675 w 1590675"/>
-                <a:gd name="connsiteY2" fmla="*/ 2124075 h 2124675"/>
-                <a:gd name="connsiteX0" fmla="*/ 0 w 1590675"/>
-                <a:gd name="connsiteY0" fmla="*/ 0 h 2125697"/>
-                <a:gd name="connsiteX1" fmla="*/ 555633 w 1590675"/>
-                <a:gd name="connsiteY1" fmla="*/ 1688578 h 2125697"/>
-                <a:gd name="connsiteX2" fmla="*/ 1590675 w 1590675"/>
-                <a:gd name="connsiteY2" fmla="*/ 2124075 h 2125697"/>
-              </a:gdLst>
-              <a:ahLst/>
-              <a:cxnLst>
-                <a:cxn ang="0">
-                  <a:pos x="connsiteX0" y="connsiteY0"/>
-                </a:cxn>
-                <a:cxn ang="0">
-                  <a:pos x="connsiteX1" y="connsiteY1"/>
-                </a:cxn>
-                <a:cxn ang="0">
-                  <a:pos x="connsiteX2" y="connsiteY2"/>
-                </a:cxn>
-              </a:cxnLst>
-              <a:rect l="l" t="t" r="r" b="b"/>
-              <a:pathLst>
-                <a:path w="1590675" h="2125697">
-                  <a:moveTo>
-                    <a:pt x="0" y="0"/>
-                  </a:moveTo>
-                  <a:cubicBezTo>
-                    <a:pt x="25400" y="917575"/>
-                    <a:pt x="290521" y="1334566"/>
-                    <a:pt x="555633" y="1688578"/>
-                  </a:cubicBezTo>
-                  <a:cubicBezTo>
-                    <a:pt x="820745" y="2042590"/>
-                    <a:pt x="1250950" y="2139950"/>
-                    <a:pt x="1590675" y="2124075"/>
-                  </a:cubicBezTo>
-                </a:path>
-              </a:pathLst>
-            </a:custGeom>
-            <a:noFill/>
-          </p:spPr>
-          <p:style>
-            <a:lnRef idx="2">
-              <a:schemeClr val="accent1">
-                <a:shade val="50000"/>
-              </a:schemeClr>
-            </a:lnRef>
-            <a:fillRef idx="1">
-              <a:schemeClr val="accent1"/>
-            </a:fillRef>
-            <a:effectRef idx="0">
-              <a:schemeClr val="accent1"/>
-            </a:effectRef>
-            <a:fontRef idx="minor">
-              <a:schemeClr val="lt1"/>
-            </a:fontRef>
-          </p:style>
-          <p:txBody>
-            <a:bodyPr rtlCol="0" anchor="ctr"/>
-            <a:lstStyle/>
-            <a:p>
-              <a:pPr algn="ctr"/>
-              <a:endParaRPr lang="en-US"/>
-            </a:p>
-          </p:txBody>
-        </p:sp>
-        <p:sp>
-          <p:nvSpPr>
-            <p:cNvPr id="24" name="Freeform 23"/>
-            <p:cNvSpPr/>
-            <p:nvPr/>
-          </p:nvSpPr>
-          <p:spPr>
-            <a:xfrm flipH="1">
-              <a:off x="6111933" y="1006891"/>
-              <a:ext cx="1041121" cy="1391300"/>
-            </a:xfrm>
-            <a:custGeom>
-              <a:avLst/>
-              <a:gdLst>
-                <a:gd name="connsiteX0" fmla="*/ 0 w 2667000"/>
-                <a:gd name="connsiteY0" fmla="*/ 0 h 2076450"/>
-                <a:gd name="connsiteX1" fmla="*/ 800100 w 2667000"/>
-                <a:gd name="connsiteY1" fmla="*/ 1724025 h 2076450"/>
-                <a:gd name="connsiteX2" fmla="*/ 2667000 w 2667000"/>
-                <a:gd name="connsiteY2" fmla="*/ 2076450 h 2076450"/>
-                <a:gd name="connsiteX0" fmla="*/ 0 w 1819275"/>
-                <a:gd name="connsiteY0" fmla="*/ 0 h 2085975"/>
-                <a:gd name="connsiteX1" fmla="*/ 800100 w 1819275"/>
-                <a:gd name="connsiteY1" fmla="*/ 1724025 h 2085975"/>
-                <a:gd name="connsiteX2" fmla="*/ 1819275 w 1819275"/>
-                <a:gd name="connsiteY2" fmla="*/ 2085975 h 2085975"/>
-                <a:gd name="connsiteX0" fmla="*/ 0 w 1819275"/>
-                <a:gd name="connsiteY0" fmla="*/ 0 h 2085975"/>
-                <a:gd name="connsiteX1" fmla="*/ 609600 w 1819275"/>
-                <a:gd name="connsiteY1" fmla="*/ 1504950 h 2085975"/>
-                <a:gd name="connsiteX2" fmla="*/ 1819275 w 1819275"/>
-                <a:gd name="connsiteY2" fmla="*/ 2085975 h 2085975"/>
-                <a:gd name="connsiteX0" fmla="*/ 0 w 1819275"/>
-                <a:gd name="connsiteY0" fmla="*/ 0 h 2085975"/>
-                <a:gd name="connsiteX1" fmla="*/ 609600 w 1819275"/>
-                <a:gd name="connsiteY1" fmla="*/ 1504950 h 2085975"/>
-                <a:gd name="connsiteX2" fmla="*/ 1819275 w 1819275"/>
-                <a:gd name="connsiteY2" fmla="*/ 2085975 h 2085975"/>
-                <a:gd name="connsiteX0" fmla="*/ 0 w 1819275"/>
-                <a:gd name="connsiteY0" fmla="*/ 0 h 2087456"/>
-                <a:gd name="connsiteX1" fmla="*/ 609600 w 1819275"/>
-                <a:gd name="connsiteY1" fmla="*/ 1504950 h 2087456"/>
-                <a:gd name="connsiteX2" fmla="*/ 1819275 w 1819275"/>
-                <a:gd name="connsiteY2" fmla="*/ 2085975 h 2087456"/>
-                <a:gd name="connsiteX0" fmla="*/ 0 w 1590675"/>
-                <a:gd name="connsiteY0" fmla="*/ 0 h 2124809"/>
-                <a:gd name="connsiteX1" fmla="*/ 381000 w 1590675"/>
-                <a:gd name="connsiteY1" fmla="*/ 1543050 h 2124809"/>
-                <a:gd name="connsiteX2" fmla="*/ 1590675 w 1590675"/>
-                <a:gd name="connsiteY2" fmla="*/ 2124075 h 2124809"/>
-                <a:gd name="connsiteX0" fmla="*/ 2321 w 1592996"/>
-                <a:gd name="connsiteY0" fmla="*/ 0 h 2124809"/>
-                <a:gd name="connsiteX1" fmla="*/ 383321 w 1592996"/>
-                <a:gd name="connsiteY1" fmla="*/ 1543050 h 2124809"/>
-                <a:gd name="connsiteX2" fmla="*/ 1592996 w 1592996"/>
-                <a:gd name="connsiteY2" fmla="*/ 2124075 h 2124809"/>
-                <a:gd name="connsiteX0" fmla="*/ 0 w 1590675"/>
-                <a:gd name="connsiteY0" fmla="*/ 0 h 2124809"/>
-                <a:gd name="connsiteX1" fmla="*/ 381000 w 1590675"/>
-                <a:gd name="connsiteY1" fmla="*/ 1543050 h 2124809"/>
-                <a:gd name="connsiteX2" fmla="*/ 1590675 w 1590675"/>
-                <a:gd name="connsiteY2" fmla="*/ 2124075 h 2124809"/>
-                <a:gd name="connsiteX0" fmla="*/ 0 w 1590675"/>
-                <a:gd name="connsiteY0" fmla="*/ 0 h 2124675"/>
-                <a:gd name="connsiteX1" fmla="*/ 468316 w 1590675"/>
-                <a:gd name="connsiteY1" fmla="*/ 1484839 h 2124675"/>
-                <a:gd name="connsiteX2" fmla="*/ 1590675 w 1590675"/>
-                <a:gd name="connsiteY2" fmla="*/ 2124075 h 2124675"/>
-                <a:gd name="connsiteX0" fmla="*/ 0 w 1590675"/>
-                <a:gd name="connsiteY0" fmla="*/ 0 h 2125697"/>
-                <a:gd name="connsiteX1" fmla="*/ 555633 w 1590675"/>
-                <a:gd name="connsiteY1" fmla="*/ 1688578 h 2125697"/>
-                <a:gd name="connsiteX2" fmla="*/ 1590675 w 1590675"/>
-                <a:gd name="connsiteY2" fmla="*/ 2124075 h 2125697"/>
-              </a:gdLst>
-              <a:ahLst/>
-              <a:cxnLst>
-                <a:cxn ang="0">
-                  <a:pos x="connsiteX0" y="connsiteY0"/>
-                </a:cxn>
-                <a:cxn ang="0">
-                  <a:pos x="connsiteX1" y="connsiteY1"/>
-                </a:cxn>
-                <a:cxn ang="0">
-                  <a:pos x="connsiteX2" y="connsiteY2"/>
-                </a:cxn>
-              </a:cxnLst>
-              <a:rect l="l" t="t" r="r" b="b"/>
-              <a:pathLst>
-                <a:path w="1590675" h="2125697">
-                  <a:moveTo>
-                    <a:pt x="0" y="0"/>
-                  </a:moveTo>
-                  <a:cubicBezTo>
-                    <a:pt x="25400" y="917575"/>
-                    <a:pt x="290521" y="1334566"/>
-                    <a:pt x="555633" y="1688578"/>
-                  </a:cubicBezTo>
-                  <a:cubicBezTo>
-                    <a:pt x="820745" y="2042590"/>
-                    <a:pt x="1250950" y="2139950"/>
-                    <a:pt x="1590675" y="2124075"/>
-                  </a:cubicBezTo>
-                </a:path>
-              </a:pathLst>
-            </a:custGeom>
-            <a:noFill/>
-          </p:spPr>
-          <p:style>
-            <a:lnRef idx="2">
-              <a:schemeClr val="accent1">
-                <a:shade val="50000"/>
-              </a:schemeClr>
-            </a:lnRef>
-            <a:fillRef idx="1">
-              <a:schemeClr val="accent1"/>
-            </a:fillRef>
-            <a:effectRef idx="0">
-              <a:schemeClr val="accent1"/>
-            </a:effectRef>
-            <a:fontRef idx="minor">
-              <a:schemeClr val="lt1"/>
-            </a:fontRef>
-          </p:style>
-          <p:txBody>
-            <a:bodyPr rtlCol="0" anchor="ctr"/>
-            <a:lstStyle/>
-            <a:p>
-              <a:pPr algn="ctr"/>
-              <a:endParaRPr lang="en-US"/>
-            </a:p>
-          </p:txBody>
-        </p:sp>
-      </p:grpSp>
-      <p:sp>
-        <p:nvSpPr>
-          <p:cNvPr id="26" name="TextBox 25"/>
+          </p:cNvPr>
           <p:cNvSpPr txBox="1"/>
           <p:nvPr/>
         </p:nvSpPr>
         <p:spPr>
           <a:xfrm>
-            <a:off x="304800" y="285750"/>
-            <a:ext cx="7314247" cy="830997"/>
+            <a:off x="152400" y="3790950"/>
+            <a:ext cx="1879041" cy="1200329"/>
           </a:xfrm>
           <a:prstGeom prst="rect">
             <a:avLst/>
           </a:prstGeom>
           <a:noFill/>
+          <a:ln>
+            <a:solidFill>
+              <a:schemeClr val="accent1"/>
+            </a:solidFill>
+          </a:ln>
         </p:spPr>
         <p:txBody>
-          <a:bodyPr wrap="square" rtlCol="0">
+          <a:bodyPr wrap="none" rtlCol="0">
             <a:spAutoFit/>
           </a:bodyPr>
           <a:lstStyle/>
           <a:p>
             <a:r>
-              <a:rPr lang="en-US" sz="2400" dirty="0"/>
-              <a:t>Normal equation: Method to solve for </a:t>
-            </a:r>
-          </a:p>
-          <a:p>
-            <a:r>
-              <a:rPr lang="en-US" sz="2400" dirty="0"/>
-              <a:t>analytically.</a:t>
+              <a:rPr lang="en-US" dirty="0"/>
+              <a:t>Least squared </a:t>
+            </a:r>
+          </a:p>
+          <a:p>
+            <a:r>
+              <a:rPr lang="en-US" dirty="0"/>
+              <a:t>provides analytic</a:t>
+            </a:r>
+          </a:p>
+          <a:p>
+            <a:r>
+              <a:rPr lang="en-US" dirty="0"/>
+              <a:t>solution with one </a:t>
+            </a:r>
+          </a:p>
+          <a:p>
+            <a:r>
+              <a:rPr lang="en-US" dirty="0"/>
+              <a:t>predictor</a:t>
             </a:r>
           </a:p>
         </p:txBody>
       </p:sp>
-      <p:pic>
-        <p:nvPicPr>
-          <p:cNvPr id="27" name="Picture 26"/>
-          <p:cNvPicPr>
-            <a:picLocks noChangeAspect="1"/>
-          </p:cNvPicPr>
-          <p:nvPr>
-            <p:custDataLst>
-              <p:tags r:id="rId8"/>
-            </p:custDataLst>
-          </p:nvPr>
-        </p:nvPicPr>
-        <p:blipFill>
-          <a:blip r:embed="rId18" cstate="print">
-            <a:extLst>
-              <a:ext uri="{28A0092B-C50C-407E-A947-70E740481C1C}">
-                <a14:useLocalDpi xmlns:a14="http://schemas.microsoft.com/office/drawing/2010/main" val="0"/>
-              </a:ext>
-            </a:extLst>
-          </a:blip>
-          <a:stretch>
-            <a:fillRect/>
-          </a:stretch>
-        </p:blipFill>
-        <p:spPr>
-          <a:xfrm>
-            <a:off x="533400" y="3257550"/>
-            <a:ext cx="918972" cy="306324"/>
-          </a:xfrm>
-          <a:prstGeom prst="rect">
-            <a:avLst/>
-          </a:prstGeom>
-        </p:spPr>
-      </p:pic>
     </p:spTree>
     <p:extLst>
       <p:ext uri="{BB962C8B-B14F-4D97-AF65-F5344CB8AC3E}">
-        <p14:creationId xmlns:p14="http://schemas.microsoft.com/office/powerpoint/2010/main" val="3694999254"/>
+        <p14:creationId xmlns:p14="http://schemas.microsoft.com/office/powerpoint/2010/main" val="1159077669"/>
       </p:ext>
     </p:extLst>
   </p:cSld>
   <p:clrMapOvr>
     <a:masterClrMapping/>
   </p:clrMapOvr>
-  <p:timing>
-    <p:tnLst>
-      <p:par>
-        <p:cTn id="1" dur="indefinite" restart="never" nodeType="tmRoot">
-          <p:childTnLst>
-            <p:seq concurrent="1" nextAc="seek">
-              <p:cTn id="2" dur="indefinite" nodeType="mainSeq">
-                <p:childTnLst>
-                  <p:par>
-                    <p:cTn id="3" fill="hold">
-                      <p:stCondLst>
-                        <p:cond delay="indefinite"/>
-                      </p:stCondLst>
-                      <p:childTnLst>
-                        <p:par>
-                          <p:cTn id="4" fill="hold">
-                            <p:stCondLst>
-                              <p:cond delay="0"/>
-                            </p:stCondLst>
-                            <p:childTnLst>
-                              <p:par>
-                                <p:cTn id="5" presetID="1" presetClass="entr" presetSubtype="0" fill="hold" grpId="0" nodeType="clickEffect">
-                                  <p:stCondLst>
-                                    <p:cond delay="0"/>
-                                  </p:stCondLst>
-                                  <p:childTnLst>
-                                    <p:set>
-                                      <p:cBhvr>
-                                        <p:cTn id="6" dur="1" fill="hold">
-                                          <p:stCondLst>
-                                            <p:cond delay="0"/>
-                                          </p:stCondLst>
-                                        </p:cTn>
-                                        <p:tgtEl>
-                                          <p:spTgt spid="4"/>
-                                        </p:tgtEl>
-                                        <p:attrNameLst>
-                                          <p:attrName>style.visibility</p:attrName>
-                                        </p:attrNameLst>
-                                      </p:cBhvr>
-                                      <p:to>
-                                        <p:strVal val="visible"/>
-                                      </p:to>
-                                    </p:set>
-                                  </p:childTnLst>
-                                </p:cTn>
-                              </p:par>
-                              <p:par>
-                                <p:cTn id="7" presetID="1" presetClass="entr" presetSubtype="0" fill="hold" nodeType="withEffect">
-                                  <p:stCondLst>
-                                    <p:cond delay="0"/>
-                                  </p:stCondLst>
-                                  <p:childTnLst>
-                                    <p:set>
-                                      <p:cBhvr>
-                                        <p:cTn id="8" dur="1" fill="hold">
-                                          <p:stCondLst>
-                                            <p:cond delay="0"/>
-                                          </p:stCondLst>
-                                        </p:cTn>
-                                        <p:tgtEl>
-                                          <p:spTgt spid="23"/>
-                                        </p:tgtEl>
-                                        <p:attrNameLst>
-                                          <p:attrName>style.visibility</p:attrName>
-                                        </p:attrNameLst>
-                                      </p:cBhvr>
-                                      <p:to>
-                                        <p:strVal val="visible"/>
-                                      </p:to>
-                                    </p:set>
-                                  </p:childTnLst>
-                                </p:cTn>
-                              </p:par>
-                              <p:par>
-                                <p:cTn id="9" presetID="1" presetClass="entr" presetSubtype="0" fill="hold" nodeType="withEffect">
-                                  <p:stCondLst>
-                                    <p:cond delay="0"/>
-                                  </p:stCondLst>
-                                  <p:childTnLst>
-                                    <p:set>
-                                      <p:cBhvr>
-                                        <p:cTn id="10" dur="1" fill="hold">
-                                          <p:stCondLst>
-                                            <p:cond delay="0"/>
-                                          </p:stCondLst>
-                                        </p:cTn>
-                                        <p:tgtEl>
-                                          <p:spTgt spid="31"/>
-                                        </p:tgtEl>
-                                        <p:attrNameLst>
-                                          <p:attrName>style.visibility</p:attrName>
-                                        </p:attrNameLst>
-                                      </p:cBhvr>
-                                      <p:to>
-                                        <p:strVal val="visible"/>
-                                      </p:to>
-                                    </p:set>
-                                  </p:childTnLst>
-                                </p:cTn>
-                              </p:par>
-                              <p:par>
-                                <p:cTn id="11" presetID="1" presetClass="entr" presetSubtype="0" fill="hold" nodeType="withEffect">
-                                  <p:stCondLst>
-                                    <p:cond delay="0"/>
-                                  </p:stCondLst>
-                                  <p:childTnLst>
-                                    <p:set>
-                                      <p:cBhvr>
-                                        <p:cTn id="12" dur="1" fill="hold">
-                                          <p:stCondLst>
-                                            <p:cond delay="0"/>
-                                          </p:stCondLst>
-                                        </p:cTn>
-                                        <p:tgtEl>
-                                          <p:spTgt spid="6"/>
-                                        </p:tgtEl>
-                                        <p:attrNameLst>
-                                          <p:attrName>style.visibility</p:attrName>
-                                        </p:attrNameLst>
-                                      </p:cBhvr>
-                                      <p:to>
-                                        <p:strVal val="visible"/>
-                                      </p:to>
-                                    </p:set>
-                                  </p:childTnLst>
-                                </p:cTn>
-                              </p:par>
-                              <p:par>
-                                <p:cTn id="13" presetID="1" presetClass="entr" presetSubtype="0" fill="hold" grpId="0" nodeType="withEffect">
-                                  <p:stCondLst>
-                                    <p:cond delay="0"/>
-                                  </p:stCondLst>
-                                  <p:childTnLst>
-                                    <p:set>
-                                      <p:cBhvr>
-                                        <p:cTn id="14" dur="1" fill="hold">
-                                          <p:stCondLst>
-                                            <p:cond delay="0"/>
-                                          </p:stCondLst>
-                                        </p:cTn>
-                                        <p:tgtEl>
-                                          <p:spTgt spid="33"/>
-                                        </p:tgtEl>
-                                        <p:attrNameLst>
-                                          <p:attrName>style.visibility</p:attrName>
-                                        </p:attrNameLst>
-                                      </p:cBhvr>
-                                      <p:to>
-                                        <p:strVal val="visible"/>
-                                      </p:to>
-                                    </p:set>
-                                  </p:childTnLst>
-                                </p:cTn>
-                              </p:par>
-                              <p:par>
-                                <p:cTn id="15" presetID="1" presetClass="entr" presetSubtype="0" fill="hold" nodeType="withEffect">
-                                  <p:stCondLst>
-                                    <p:cond delay="0"/>
-                                  </p:stCondLst>
-                                  <p:childTnLst>
-                                    <p:set>
-                                      <p:cBhvr>
-                                        <p:cTn id="16" dur="1" fill="hold">
-                                          <p:stCondLst>
-                                            <p:cond delay="0"/>
-                                          </p:stCondLst>
-                                        </p:cTn>
-                                        <p:tgtEl>
-                                          <p:spTgt spid="35"/>
-                                        </p:tgtEl>
-                                        <p:attrNameLst>
-                                          <p:attrName>style.visibility</p:attrName>
-                                        </p:attrNameLst>
-                                      </p:cBhvr>
-                                      <p:to>
-                                        <p:strVal val="visible"/>
-                                      </p:to>
-                                    </p:set>
-                                  </p:childTnLst>
-                                </p:cTn>
-                              </p:par>
-                              <p:par>
-                                <p:cTn id="17" presetID="1" presetClass="entr" presetSubtype="0" fill="hold" nodeType="withEffect">
-                                  <p:stCondLst>
-                                    <p:cond delay="0"/>
-                                  </p:stCondLst>
-                                  <p:childTnLst>
-                                    <p:set>
-                                      <p:cBhvr>
-                                        <p:cTn id="18" dur="1" fill="hold">
-                                          <p:stCondLst>
-                                            <p:cond delay="0"/>
-                                          </p:stCondLst>
-                                        </p:cTn>
-                                        <p:tgtEl>
-                                          <p:spTgt spid="37"/>
-                                        </p:tgtEl>
-                                        <p:attrNameLst>
-                                          <p:attrName>style.visibility</p:attrName>
-                                        </p:attrNameLst>
-                                      </p:cBhvr>
-                                      <p:to>
-                                        <p:strVal val="visible"/>
-                                      </p:to>
-                                    </p:set>
-                                  </p:childTnLst>
-                                </p:cTn>
-                              </p:par>
-                            </p:childTnLst>
-                          </p:cTn>
-                        </p:par>
-                      </p:childTnLst>
-                    </p:cTn>
-                  </p:par>
-                  <p:par>
-                    <p:cTn id="19" fill="hold">
-                      <p:stCondLst>
-                        <p:cond delay="indefinite"/>
-                      </p:stCondLst>
-                      <p:childTnLst>
-                        <p:par>
-                          <p:cTn id="20" fill="hold">
-                            <p:stCondLst>
-                              <p:cond delay="0"/>
-                            </p:stCondLst>
-                            <p:childTnLst>
-                              <p:par>
-                                <p:cTn id="21" presetID="1" presetClass="entr" presetSubtype="0" fill="hold" grpId="0" nodeType="clickEffect">
-                                  <p:stCondLst>
-                                    <p:cond delay="0"/>
-                                  </p:stCondLst>
-                                  <p:childTnLst>
-                                    <p:set>
-                                      <p:cBhvr>
-                                        <p:cTn id="22" dur="1" fill="hold">
-                                          <p:stCondLst>
-                                            <p:cond delay="0"/>
-                                          </p:stCondLst>
-                                        </p:cTn>
-                                        <p:tgtEl>
-                                          <p:spTgt spid="26"/>
-                                        </p:tgtEl>
-                                        <p:attrNameLst>
-                                          <p:attrName>style.visibility</p:attrName>
-                                        </p:attrNameLst>
-                                      </p:cBhvr>
-                                      <p:to>
-                                        <p:strVal val="visible"/>
-                                      </p:to>
-                                    </p:set>
-                                  </p:childTnLst>
-                                </p:cTn>
-                              </p:par>
-                            </p:childTnLst>
-                          </p:cTn>
-                        </p:par>
-                      </p:childTnLst>
-                    </p:cTn>
-                  </p:par>
-                </p:childTnLst>
-              </p:cTn>
-              <p:prevCondLst>
-                <p:cond evt="onPrev" delay="0">
-                  <p:tgtEl>
-                    <p:sldTgt/>
-                  </p:tgtEl>
-                </p:cond>
-              </p:prevCondLst>
-              <p:nextCondLst>
-                <p:cond evt="onNext" delay="0">
-                  <p:tgtEl>
-                    <p:sldTgt/>
-                  </p:tgtEl>
-                </p:cond>
-              </p:nextCondLst>
-            </p:seq>
-          </p:childTnLst>
-        </p:cTn>
-      </p:par>
-    </p:tnLst>
-    <p:bldLst>
-      <p:bldP spid="4" grpId="0"/>
-      <p:bldP spid="33" grpId="0"/>
-      <p:bldP spid="26" grpId="0"/>
-    </p:bldLst>
-  </p:timing>
 </p:sld>
 </file>
 
@@ -37374,6 +36392,1172 @@
 </file>
 
 <file path=ppt/slides/slide40.xml><?xml version="1.0" encoding="utf-8"?>
+<p:sld xmlns:a="http://schemas.openxmlformats.org/drawingml/2006/main" xmlns:r="http://schemas.openxmlformats.org/officeDocument/2006/relationships" xmlns:p="http://schemas.openxmlformats.org/presentationml/2006/main">
+  <p:cSld>
+    <p:spTree>
+      <p:nvGrpSpPr>
+        <p:cNvPr id="1" name=""/>
+        <p:cNvGrpSpPr/>
+        <p:nvPr/>
+      </p:nvGrpSpPr>
+      <p:grpSpPr>
+        <a:xfrm>
+          <a:off x="0" y="0"/>
+          <a:ext cx="0" cy="0"/>
+          <a:chOff x="0" y="0"/>
+          <a:chExt cx="0" cy="0"/>
+        </a:xfrm>
+      </p:grpSpPr>
+      <p:pic>
+        <p:nvPicPr>
+          <p:cNvPr id="2" name="Picture 1">
+            <a:extLst>
+              <a:ext uri="{FF2B5EF4-FFF2-40B4-BE49-F238E27FC236}">
+                <a16:creationId xmlns:a16="http://schemas.microsoft.com/office/drawing/2014/main" id="{BA4C119F-5576-3545-BA77-BF80E123D6E0}"/>
+              </a:ext>
+            </a:extLst>
+          </p:cNvPr>
+          <p:cNvPicPr>
+            <a:picLocks noChangeAspect="1"/>
+          </p:cNvPicPr>
+          <p:nvPr/>
+        </p:nvPicPr>
+        <p:blipFill>
+          <a:blip r:embed="rId2"/>
+          <a:stretch>
+            <a:fillRect/>
+          </a:stretch>
+        </p:blipFill>
+        <p:spPr>
+          <a:xfrm>
+            <a:off x="819150" y="330200"/>
+            <a:ext cx="7505700" cy="4483100"/>
+          </a:xfrm>
+          <a:prstGeom prst="rect">
+            <a:avLst/>
+          </a:prstGeom>
+        </p:spPr>
+      </p:pic>
+    </p:spTree>
+    <p:extLst>
+      <p:ext uri="{BB962C8B-B14F-4D97-AF65-F5344CB8AC3E}">
+        <p14:creationId xmlns:p14="http://schemas.microsoft.com/office/powerpoint/2010/main" val="3081577958"/>
+      </p:ext>
+    </p:extLst>
+  </p:cSld>
+  <p:clrMapOvr>
+    <a:masterClrMapping/>
+  </p:clrMapOvr>
+</p:sld>
+</file>
+
+<file path=ppt/slides/slide41.xml><?xml version="1.0" encoding="utf-8"?>
+<p:sld xmlns:a="http://schemas.openxmlformats.org/drawingml/2006/main" xmlns:r="http://schemas.openxmlformats.org/officeDocument/2006/relationships" xmlns:p="http://schemas.openxmlformats.org/presentationml/2006/main">
+  <p:cSld>
+    <p:spTree>
+      <p:nvGrpSpPr>
+        <p:cNvPr id="1" name=""/>
+        <p:cNvGrpSpPr/>
+        <p:nvPr/>
+      </p:nvGrpSpPr>
+      <p:grpSpPr>
+        <a:xfrm>
+          <a:off x="0" y="0"/>
+          <a:ext cx="0" cy="0"/>
+          <a:chOff x="0" y="0"/>
+          <a:chExt cx="0" cy="0"/>
+        </a:xfrm>
+      </p:grpSpPr>
+      <p:sp>
+        <p:nvSpPr>
+          <p:cNvPr id="8" name="TextBox 7"/>
+          <p:cNvSpPr txBox="1"/>
+          <p:nvPr/>
+        </p:nvSpPr>
+        <p:spPr>
+          <a:xfrm>
+            <a:off x="304800" y="1522907"/>
+            <a:ext cx="7314247" cy="461665"/>
+          </a:xfrm>
+          <a:prstGeom prst="rect">
+            <a:avLst/>
+          </a:prstGeom>
+          <a:noFill/>
+        </p:spPr>
+        <p:txBody>
+          <a:bodyPr wrap="square" rtlCol="0">
+            <a:spAutoFit/>
+          </a:bodyPr>
+          <a:lstStyle/>
+          <a:p>
+            <a:r>
+              <a:rPr lang="en-US" sz="2400" dirty="0"/>
+              <a:t>Intuition: If 1 parameter</a:t>
+            </a:r>
+          </a:p>
+        </p:txBody>
+      </p:sp>
+      <p:sp>
+        <p:nvSpPr>
+          <p:cNvPr id="4" name="Rectangle 3"/>
+          <p:cNvSpPr/>
+          <p:nvPr/>
+        </p:nvSpPr>
+        <p:spPr>
+          <a:xfrm>
+            <a:off x="304800" y="4481800"/>
+            <a:ext cx="2057400" cy="528350"/>
+          </a:xfrm>
+          <a:prstGeom prst="rect">
+            <a:avLst/>
+          </a:prstGeom>
+        </p:spPr>
+        <p:txBody>
+          <a:bodyPr wrap="square">
+            <a:spAutoFit/>
+          </a:bodyPr>
+          <a:lstStyle/>
+          <a:p>
+            <a:pPr>
+              <a:lnSpc>
+                <a:spcPts val="3360"/>
+              </a:lnSpc>
+            </a:pPr>
+            <a:r>
+              <a:rPr lang="en-US" sz="2400" dirty="0"/>
+              <a:t>Solve for </a:t>
+            </a:r>
+          </a:p>
+        </p:txBody>
+      </p:sp>
+      <p:pic>
+        <p:nvPicPr>
+          <p:cNvPr id="20" name="Picture 19"/>
+          <p:cNvPicPr>
+            <a:picLocks noChangeAspect="1"/>
+          </p:cNvPicPr>
+          <p:nvPr>
+            <p:custDataLst>
+              <p:tags r:id="rId1"/>
+            </p:custDataLst>
+          </p:nvPr>
+        </p:nvPicPr>
+        <p:blipFill>
+          <a:blip r:embed="rId11" cstate="print">
+            <a:extLst>
+              <a:ext uri="{28A0092B-C50C-407E-A947-70E740481C1C}">
+                <a14:useLocalDpi xmlns:a14="http://schemas.microsoft.com/office/drawing/2010/main" val="0"/>
+              </a:ext>
+            </a:extLst>
+          </a:blip>
+          <a:stretch>
+            <a:fillRect/>
+          </a:stretch>
+        </p:blipFill>
+        <p:spPr>
+          <a:xfrm>
+            <a:off x="838201" y="2090166"/>
+            <a:ext cx="2574036" cy="329184"/>
+          </a:xfrm>
+          <a:prstGeom prst="rect">
+            <a:avLst/>
+          </a:prstGeom>
+        </p:spPr>
+      </p:pic>
+      <p:cxnSp>
+        <p:nvCxnSpPr>
+          <p:cNvPr id="14" name="Straight Connector 13"/>
+          <p:cNvCxnSpPr/>
+          <p:nvPr/>
+        </p:nvCxnSpPr>
+        <p:spPr>
+          <a:xfrm flipV="1">
+            <a:off x="6011011" y="482104"/>
+            <a:ext cx="0" cy="1727136"/>
+          </a:xfrm>
+          <a:prstGeom prst="line">
+            <a:avLst/>
+          </a:prstGeom>
+          <a:ln w="38100">
+            <a:solidFill>
+              <a:schemeClr val="tx1"/>
+            </a:solidFill>
+            <a:tailEnd type="arrow" w="lg" len="med"/>
+          </a:ln>
+        </p:spPr>
+        <p:style>
+          <a:lnRef idx="1">
+            <a:schemeClr val="accent1"/>
+          </a:lnRef>
+          <a:fillRef idx="0">
+            <a:schemeClr val="accent1"/>
+          </a:fillRef>
+          <a:effectRef idx="0">
+            <a:schemeClr val="accent1"/>
+          </a:effectRef>
+          <a:fontRef idx="minor">
+            <a:schemeClr val="tx1"/>
+          </a:fontRef>
+        </p:style>
+      </p:cxnSp>
+      <p:cxnSp>
+        <p:nvCxnSpPr>
+          <p:cNvPr id="15" name="Straight Connector 14"/>
+          <p:cNvCxnSpPr/>
+          <p:nvPr/>
+        </p:nvCxnSpPr>
+        <p:spPr>
+          <a:xfrm>
+            <a:off x="5867400" y="2041755"/>
+            <a:ext cx="2164713" cy="0"/>
+          </a:xfrm>
+          <a:prstGeom prst="line">
+            <a:avLst/>
+          </a:prstGeom>
+          <a:ln w="38100">
+            <a:solidFill>
+              <a:schemeClr val="tx1"/>
+            </a:solidFill>
+            <a:tailEnd type="arrow" w="lg" len="med"/>
+          </a:ln>
+        </p:spPr>
+        <p:style>
+          <a:lnRef idx="1">
+            <a:schemeClr val="accent1"/>
+          </a:lnRef>
+          <a:fillRef idx="0">
+            <a:schemeClr val="accent1"/>
+          </a:fillRef>
+          <a:effectRef idx="0">
+            <a:schemeClr val="accent1"/>
+          </a:effectRef>
+          <a:fontRef idx="minor">
+            <a:schemeClr val="tx1"/>
+          </a:fontRef>
+        </p:style>
+      </p:cxnSp>
+      <p:pic>
+        <p:nvPicPr>
+          <p:cNvPr id="16" name="Picture 15"/>
+          <p:cNvPicPr>
+            <a:picLocks noChangeAspect="1"/>
+          </p:cNvPicPr>
+          <p:nvPr>
+            <p:custDataLst>
+              <p:tags r:id="rId2"/>
+            </p:custDataLst>
+          </p:nvPr>
+        </p:nvPicPr>
+        <p:blipFill>
+          <a:blip r:embed="rId12" cstate="print">
+            <a:extLst>
+              <a:ext uri="{28A0092B-C50C-407E-A947-70E740481C1C}">
+                <a14:useLocalDpi xmlns:a14="http://schemas.microsoft.com/office/drawing/2010/main" val="0"/>
+              </a:ext>
+            </a:extLst>
+          </a:blip>
+          <a:stretch>
+            <a:fillRect/>
+          </a:stretch>
+        </p:blipFill>
+        <p:spPr>
+          <a:xfrm>
+            <a:off x="6874431" y="2132867"/>
+            <a:ext cx="104411" cy="160784"/>
+          </a:xfrm>
+          <a:prstGeom prst="rect">
+            <a:avLst/>
+          </a:prstGeom>
+        </p:spPr>
+      </p:pic>
+      <p:pic>
+        <p:nvPicPr>
+          <p:cNvPr id="18" name="Picture 17"/>
+          <p:cNvPicPr>
+            <a:picLocks noChangeAspect="1"/>
+          </p:cNvPicPr>
+          <p:nvPr>
+            <p:custDataLst>
+              <p:tags r:id="rId3"/>
+            </p:custDataLst>
+          </p:nvPr>
+        </p:nvPicPr>
+        <p:blipFill>
+          <a:blip r:embed="rId13" cstate="print">
+            <a:extLst>
+              <a:ext uri="{28A0092B-C50C-407E-A947-70E740481C1C}">
+                <a14:useLocalDpi xmlns:a14="http://schemas.microsoft.com/office/drawing/2010/main" val="0"/>
+              </a:ext>
+            </a:extLst>
+          </a:blip>
+          <a:stretch>
+            <a:fillRect/>
+          </a:stretch>
+        </p:blipFill>
+        <p:spPr>
+          <a:xfrm>
+            <a:off x="7813968" y="869374"/>
+            <a:ext cx="436290" cy="224427"/>
+          </a:xfrm>
+          <a:prstGeom prst="rect">
+            <a:avLst/>
+          </a:prstGeom>
+        </p:spPr>
+      </p:pic>
+      <p:cxnSp>
+        <p:nvCxnSpPr>
+          <p:cNvPr id="23" name="Straight Connector 22"/>
+          <p:cNvCxnSpPr/>
+          <p:nvPr/>
+        </p:nvCxnSpPr>
+        <p:spPr>
+          <a:xfrm>
+            <a:off x="381000" y="2876550"/>
+            <a:ext cx="8305800" cy="0"/>
+          </a:xfrm>
+          <a:prstGeom prst="line">
+            <a:avLst/>
+          </a:prstGeom>
+        </p:spPr>
+        <p:style>
+          <a:lnRef idx="1">
+            <a:schemeClr val="dk1"/>
+          </a:lnRef>
+          <a:fillRef idx="0">
+            <a:schemeClr val="dk1"/>
+          </a:fillRef>
+          <a:effectRef idx="0">
+            <a:schemeClr val="dk1"/>
+          </a:effectRef>
+          <a:fontRef idx="minor">
+            <a:schemeClr val="tx1"/>
+          </a:fontRef>
+        </p:style>
+      </p:cxnSp>
+      <p:pic>
+        <p:nvPicPr>
+          <p:cNvPr id="31" name="Picture 30"/>
+          <p:cNvPicPr>
+            <a:picLocks noChangeAspect="1"/>
+          </p:cNvPicPr>
+          <p:nvPr>
+            <p:custDataLst>
+              <p:tags r:id="rId4"/>
+            </p:custDataLst>
+          </p:nvPr>
+        </p:nvPicPr>
+        <p:blipFill>
+          <a:blip r:embed="rId14" cstate="print">
+            <a:extLst>
+              <a:ext uri="{28A0092B-C50C-407E-A947-70E740481C1C}">
+                <a14:useLocalDpi xmlns:a14="http://schemas.microsoft.com/office/drawing/2010/main" val="0"/>
+              </a:ext>
+            </a:extLst>
+          </a:blip>
+          <a:stretch>
+            <a:fillRect/>
+          </a:stretch>
+        </p:blipFill>
+        <p:spPr>
+          <a:xfrm>
+            <a:off x="2438400" y="3001385"/>
+            <a:ext cx="5719572" cy="832104"/>
+          </a:xfrm>
+          <a:prstGeom prst="rect">
+            <a:avLst/>
+          </a:prstGeom>
+        </p:spPr>
+      </p:pic>
+      <p:pic>
+        <p:nvPicPr>
+          <p:cNvPr id="6" name="Picture 5"/>
+          <p:cNvPicPr>
+            <a:picLocks noChangeAspect="1"/>
+          </p:cNvPicPr>
+          <p:nvPr>
+            <p:custDataLst>
+              <p:tags r:id="rId5"/>
+            </p:custDataLst>
+          </p:nvPr>
+        </p:nvPicPr>
+        <p:blipFill>
+          <a:blip r:embed="rId15" cstate="print">
+            <a:extLst>
+              <a:ext uri="{28A0092B-C50C-407E-A947-70E740481C1C}">
+                <a14:useLocalDpi xmlns:a14="http://schemas.microsoft.com/office/drawing/2010/main" val="0"/>
+              </a:ext>
+            </a:extLst>
+          </a:blip>
+          <a:stretch>
+            <a:fillRect/>
+          </a:stretch>
+        </p:blipFill>
+        <p:spPr>
+          <a:xfrm>
+            <a:off x="1042416" y="3947587"/>
+            <a:ext cx="2299716" cy="436626"/>
+          </a:xfrm>
+          <a:prstGeom prst="rect">
+            <a:avLst/>
+          </a:prstGeom>
+        </p:spPr>
+      </p:pic>
+      <p:sp>
+        <p:nvSpPr>
+          <p:cNvPr id="33" name="Rectangle 32"/>
+          <p:cNvSpPr/>
+          <p:nvPr/>
+        </p:nvSpPr>
+        <p:spPr>
+          <a:xfrm>
+            <a:off x="3679751" y="3833489"/>
+            <a:ext cx="3336036" cy="500586"/>
+          </a:xfrm>
+          <a:prstGeom prst="rect">
+            <a:avLst/>
+          </a:prstGeom>
+        </p:spPr>
+        <p:txBody>
+          <a:bodyPr wrap="square">
+            <a:spAutoFit/>
+          </a:bodyPr>
+          <a:lstStyle/>
+          <a:p>
+            <a:pPr>
+              <a:lnSpc>
+                <a:spcPts val="3360"/>
+              </a:lnSpc>
+            </a:pPr>
+            <a:r>
+              <a:rPr lang="en-US" sz="2400" dirty="0"/>
+              <a:t>(for every   )</a:t>
+            </a:r>
+          </a:p>
+        </p:txBody>
+      </p:sp>
+      <p:pic>
+        <p:nvPicPr>
+          <p:cNvPr id="35" name="Picture 34"/>
+          <p:cNvPicPr>
+            <a:picLocks noChangeAspect="1"/>
+          </p:cNvPicPr>
+          <p:nvPr>
+            <p:custDataLst>
+              <p:tags r:id="rId6"/>
+            </p:custDataLst>
+          </p:nvPr>
+        </p:nvPicPr>
+        <p:blipFill>
+          <a:blip r:embed="rId16" cstate="print">
+            <a:extLst>
+              <a:ext uri="{28A0092B-C50C-407E-A947-70E740481C1C}">
+                <a14:useLocalDpi xmlns:a14="http://schemas.microsoft.com/office/drawing/2010/main" val="0"/>
+              </a:ext>
+            </a:extLst>
+          </a:blip>
+          <a:stretch>
+            <a:fillRect/>
+          </a:stretch>
+        </p:blipFill>
+        <p:spPr>
+          <a:xfrm>
+            <a:off x="5038165" y="4012135"/>
+            <a:ext cx="125730" cy="262890"/>
+          </a:xfrm>
+          <a:prstGeom prst="rect">
+            <a:avLst/>
+          </a:prstGeom>
+        </p:spPr>
+      </p:pic>
+      <p:pic>
+        <p:nvPicPr>
+          <p:cNvPr id="37" name="Picture 36"/>
+          <p:cNvPicPr>
+            <a:picLocks noChangeAspect="1"/>
+          </p:cNvPicPr>
+          <p:nvPr>
+            <p:custDataLst>
+              <p:tags r:id="rId7"/>
+            </p:custDataLst>
+          </p:nvPr>
+        </p:nvPicPr>
+        <p:blipFill>
+          <a:blip r:embed="rId17" cstate="print">
+            <a:extLst>
+              <a:ext uri="{28A0092B-C50C-407E-A947-70E740481C1C}">
+                <a14:useLocalDpi xmlns:a14="http://schemas.microsoft.com/office/drawing/2010/main" val="0"/>
+              </a:ext>
+            </a:extLst>
+          </a:blip>
+          <a:stretch>
+            <a:fillRect/>
+          </a:stretch>
+        </p:blipFill>
+        <p:spPr>
+          <a:xfrm>
+            <a:off x="1618869" y="4634567"/>
+            <a:ext cx="1639062" cy="276606"/>
+          </a:xfrm>
+          <a:prstGeom prst="rect">
+            <a:avLst/>
+          </a:prstGeom>
+        </p:spPr>
+      </p:pic>
+      <p:grpSp>
+        <p:nvGrpSpPr>
+          <p:cNvPr id="2" name="Group 1"/>
+          <p:cNvGrpSpPr/>
+          <p:nvPr/>
+        </p:nvGrpSpPr>
+        <p:grpSpPr>
+          <a:xfrm>
+            <a:off x="6172200" y="833140"/>
+            <a:ext cx="1524880" cy="1052810"/>
+            <a:chOff x="5137487" y="1006891"/>
+            <a:chExt cx="2015567" cy="1391591"/>
+          </a:xfrm>
+        </p:grpSpPr>
+        <p:sp>
+          <p:nvSpPr>
+            <p:cNvPr id="22" name="Freeform 21"/>
+            <p:cNvSpPr/>
+            <p:nvPr/>
+          </p:nvSpPr>
+          <p:spPr>
+            <a:xfrm>
+              <a:off x="5137487" y="1007182"/>
+              <a:ext cx="1041121" cy="1391300"/>
+            </a:xfrm>
+            <a:custGeom>
+              <a:avLst/>
+              <a:gdLst>
+                <a:gd name="connsiteX0" fmla="*/ 0 w 2667000"/>
+                <a:gd name="connsiteY0" fmla="*/ 0 h 2076450"/>
+                <a:gd name="connsiteX1" fmla="*/ 800100 w 2667000"/>
+                <a:gd name="connsiteY1" fmla="*/ 1724025 h 2076450"/>
+                <a:gd name="connsiteX2" fmla="*/ 2667000 w 2667000"/>
+                <a:gd name="connsiteY2" fmla="*/ 2076450 h 2076450"/>
+                <a:gd name="connsiteX0" fmla="*/ 0 w 1819275"/>
+                <a:gd name="connsiteY0" fmla="*/ 0 h 2085975"/>
+                <a:gd name="connsiteX1" fmla="*/ 800100 w 1819275"/>
+                <a:gd name="connsiteY1" fmla="*/ 1724025 h 2085975"/>
+                <a:gd name="connsiteX2" fmla="*/ 1819275 w 1819275"/>
+                <a:gd name="connsiteY2" fmla="*/ 2085975 h 2085975"/>
+                <a:gd name="connsiteX0" fmla="*/ 0 w 1819275"/>
+                <a:gd name="connsiteY0" fmla="*/ 0 h 2085975"/>
+                <a:gd name="connsiteX1" fmla="*/ 609600 w 1819275"/>
+                <a:gd name="connsiteY1" fmla="*/ 1504950 h 2085975"/>
+                <a:gd name="connsiteX2" fmla="*/ 1819275 w 1819275"/>
+                <a:gd name="connsiteY2" fmla="*/ 2085975 h 2085975"/>
+                <a:gd name="connsiteX0" fmla="*/ 0 w 1819275"/>
+                <a:gd name="connsiteY0" fmla="*/ 0 h 2085975"/>
+                <a:gd name="connsiteX1" fmla="*/ 609600 w 1819275"/>
+                <a:gd name="connsiteY1" fmla="*/ 1504950 h 2085975"/>
+                <a:gd name="connsiteX2" fmla="*/ 1819275 w 1819275"/>
+                <a:gd name="connsiteY2" fmla="*/ 2085975 h 2085975"/>
+                <a:gd name="connsiteX0" fmla="*/ 0 w 1819275"/>
+                <a:gd name="connsiteY0" fmla="*/ 0 h 2087456"/>
+                <a:gd name="connsiteX1" fmla="*/ 609600 w 1819275"/>
+                <a:gd name="connsiteY1" fmla="*/ 1504950 h 2087456"/>
+                <a:gd name="connsiteX2" fmla="*/ 1819275 w 1819275"/>
+                <a:gd name="connsiteY2" fmla="*/ 2085975 h 2087456"/>
+                <a:gd name="connsiteX0" fmla="*/ 0 w 1590675"/>
+                <a:gd name="connsiteY0" fmla="*/ 0 h 2124809"/>
+                <a:gd name="connsiteX1" fmla="*/ 381000 w 1590675"/>
+                <a:gd name="connsiteY1" fmla="*/ 1543050 h 2124809"/>
+                <a:gd name="connsiteX2" fmla="*/ 1590675 w 1590675"/>
+                <a:gd name="connsiteY2" fmla="*/ 2124075 h 2124809"/>
+                <a:gd name="connsiteX0" fmla="*/ 2321 w 1592996"/>
+                <a:gd name="connsiteY0" fmla="*/ 0 h 2124809"/>
+                <a:gd name="connsiteX1" fmla="*/ 383321 w 1592996"/>
+                <a:gd name="connsiteY1" fmla="*/ 1543050 h 2124809"/>
+                <a:gd name="connsiteX2" fmla="*/ 1592996 w 1592996"/>
+                <a:gd name="connsiteY2" fmla="*/ 2124075 h 2124809"/>
+                <a:gd name="connsiteX0" fmla="*/ 0 w 1590675"/>
+                <a:gd name="connsiteY0" fmla="*/ 0 h 2124809"/>
+                <a:gd name="connsiteX1" fmla="*/ 381000 w 1590675"/>
+                <a:gd name="connsiteY1" fmla="*/ 1543050 h 2124809"/>
+                <a:gd name="connsiteX2" fmla="*/ 1590675 w 1590675"/>
+                <a:gd name="connsiteY2" fmla="*/ 2124075 h 2124809"/>
+                <a:gd name="connsiteX0" fmla="*/ 0 w 1590675"/>
+                <a:gd name="connsiteY0" fmla="*/ 0 h 2124675"/>
+                <a:gd name="connsiteX1" fmla="*/ 468316 w 1590675"/>
+                <a:gd name="connsiteY1" fmla="*/ 1484839 h 2124675"/>
+                <a:gd name="connsiteX2" fmla="*/ 1590675 w 1590675"/>
+                <a:gd name="connsiteY2" fmla="*/ 2124075 h 2124675"/>
+                <a:gd name="connsiteX0" fmla="*/ 0 w 1590675"/>
+                <a:gd name="connsiteY0" fmla="*/ 0 h 2125697"/>
+                <a:gd name="connsiteX1" fmla="*/ 555633 w 1590675"/>
+                <a:gd name="connsiteY1" fmla="*/ 1688578 h 2125697"/>
+                <a:gd name="connsiteX2" fmla="*/ 1590675 w 1590675"/>
+                <a:gd name="connsiteY2" fmla="*/ 2124075 h 2125697"/>
+              </a:gdLst>
+              <a:ahLst/>
+              <a:cxnLst>
+                <a:cxn ang="0">
+                  <a:pos x="connsiteX0" y="connsiteY0"/>
+                </a:cxn>
+                <a:cxn ang="0">
+                  <a:pos x="connsiteX1" y="connsiteY1"/>
+                </a:cxn>
+                <a:cxn ang="0">
+                  <a:pos x="connsiteX2" y="connsiteY2"/>
+                </a:cxn>
+              </a:cxnLst>
+              <a:rect l="l" t="t" r="r" b="b"/>
+              <a:pathLst>
+                <a:path w="1590675" h="2125697">
+                  <a:moveTo>
+                    <a:pt x="0" y="0"/>
+                  </a:moveTo>
+                  <a:cubicBezTo>
+                    <a:pt x="25400" y="917575"/>
+                    <a:pt x="290521" y="1334566"/>
+                    <a:pt x="555633" y="1688578"/>
+                  </a:cubicBezTo>
+                  <a:cubicBezTo>
+                    <a:pt x="820745" y="2042590"/>
+                    <a:pt x="1250950" y="2139950"/>
+                    <a:pt x="1590675" y="2124075"/>
+                  </a:cubicBezTo>
+                </a:path>
+              </a:pathLst>
+            </a:custGeom>
+            <a:noFill/>
+          </p:spPr>
+          <p:style>
+            <a:lnRef idx="2">
+              <a:schemeClr val="accent1">
+                <a:shade val="50000"/>
+              </a:schemeClr>
+            </a:lnRef>
+            <a:fillRef idx="1">
+              <a:schemeClr val="accent1"/>
+            </a:fillRef>
+            <a:effectRef idx="0">
+              <a:schemeClr val="accent1"/>
+            </a:effectRef>
+            <a:fontRef idx="minor">
+              <a:schemeClr val="lt1"/>
+            </a:fontRef>
+          </p:style>
+          <p:txBody>
+            <a:bodyPr rtlCol="0" anchor="ctr"/>
+            <a:lstStyle/>
+            <a:p>
+              <a:pPr algn="ctr"/>
+              <a:endParaRPr lang="en-US"/>
+            </a:p>
+          </p:txBody>
+        </p:sp>
+        <p:sp>
+          <p:nvSpPr>
+            <p:cNvPr id="24" name="Freeform 23"/>
+            <p:cNvSpPr/>
+            <p:nvPr/>
+          </p:nvSpPr>
+          <p:spPr>
+            <a:xfrm flipH="1">
+              <a:off x="6111933" y="1006891"/>
+              <a:ext cx="1041121" cy="1391300"/>
+            </a:xfrm>
+            <a:custGeom>
+              <a:avLst/>
+              <a:gdLst>
+                <a:gd name="connsiteX0" fmla="*/ 0 w 2667000"/>
+                <a:gd name="connsiteY0" fmla="*/ 0 h 2076450"/>
+                <a:gd name="connsiteX1" fmla="*/ 800100 w 2667000"/>
+                <a:gd name="connsiteY1" fmla="*/ 1724025 h 2076450"/>
+                <a:gd name="connsiteX2" fmla="*/ 2667000 w 2667000"/>
+                <a:gd name="connsiteY2" fmla="*/ 2076450 h 2076450"/>
+                <a:gd name="connsiteX0" fmla="*/ 0 w 1819275"/>
+                <a:gd name="connsiteY0" fmla="*/ 0 h 2085975"/>
+                <a:gd name="connsiteX1" fmla="*/ 800100 w 1819275"/>
+                <a:gd name="connsiteY1" fmla="*/ 1724025 h 2085975"/>
+                <a:gd name="connsiteX2" fmla="*/ 1819275 w 1819275"/>
+                <a:gd name="connsiteY2" fmla="*/ 2085975 h 2085975"/>
+                <a:gd name="connsiteX0" fmla="*/ 0 w 1819275"/>
+                <a:gd name="connsiteY0" fmla="*/ 0 h 2085975"/>
+                <a:gd name="connsiteX1" fmla="*/ 609600 w 1819275"/>
+                <a:gd name="connsiteY1" fmla="*/ 1504950 h 2085975"/>
+                <a:gd name="connsiteX2" fmla="*/ 1819275 w 1819275"/>
+                <a:gd name="connsiteY2" fmla="*/ 2085975 h 2085975"/>
+                <a:gd name="connsiteX0" fmla="*/ 0 w 1819275"/>
+                <a:gd name="connsiteY0" fmla="*/ 0 h 2085975"/>
+                <a:gd name="connsiteX1" fmla="*/ 609600 w 1819275"/>
+                <a:gd name="connsiteY1" fmla="*/ 1504950 h 2085975"/>
+                <a:gd name="connsiteX2" fmla="*/ 1819275 w 1819275"/>
+                <a:gd name="connsiteY2" fmla="*/ 2085975 h 2085975"/>
+                <a:gd name="connsiteX0" fmla="*/ 0 w 1819275"/>
+                <a:gd name="connsiteY0" fmla="*/ 0 h 2087456"/>
+                <a:gd name="connsiteX1" fmla="*/ 609600 w 1819275"/>
+                <a:gd name="connsiteY1" fmla="*/ 1504950 h 2087456"/>
+                <a:gd name="connsiteX2" fmla="*/ 1819275 w 1819275"/>
+                <a:gd name="connsiteY2" fmla="*/ 2085975 h 2087456"/>
+                <a:gd name="connsiteX0" fmla="*/ 0 w 1590675"/>
+                <a:gd name="connsiteY0" fmla="*/ 0 h 2124809"/>
+                <a:gd name="connsiteX1" fmla="*/ 381000 w 1590675"/>
+                <a:gd name="connsiteY1" fmla="*/ 1543050 h 2124809"/>
+                <a:gd name="connsiteX2" fmla="*/ 1590675 w 1590675"/>
+                <a:gd name="connsiteY2" fmla="*/ 2124075 h 2124809"/>
+                <a:gd name="connsiteX0" fmla="*/ 2321 w 1592996"/>
+                <a:gd name="connsiteY0" fmla="*/ 0 h 2124809"/>
+                <a:gd name="connsiteX1" fmla="*/ 383321 w 1592996"/>
+                <a:gd name="connsiteY1" fmla="*/ 1543050 h 2124809"/>
+                <a:gd name="connsiteX2" fmla="*/ 1592996 w 1592996"/>
+                <a:gd name="connsiteY2" fmla="*/ 2124075 h 2124809"/>
+                <a:gd name="connsiteX0" fmla="*/ 0 w 1590675"/>
+                <a:gd name="connsiteY0" fmla="*/ 0 h 2124809"/>
+                <a:gd name="connsiteX1" fmla="*/ 381000 w 1590675"/>
+                <a:gd name="connsiteY1" fmla="*/ 1543050 h 2124809"/>
+                <a:gd name="connsiteX2" fmla="*/ 1590675 w 1590675"/>
+                <a:gd name="connsiteY2" fmla="*/ 2124075 h 2124809"/>
+                <a:gd name="connsiteX0" fmla="*/ 0 w 1590675"/>
+                <a:gd name="connsiteY0" fmla="*/ 0 h 2124675"/>
+                <a:gd name="connsiteX1" fmla="*/ 468316 w 1590675"/>
+                <a:gd name="connsiteY1" fmla="*/ 1484839 h 2124675"/>
+                <a:gd name="connsiteX2" fmla="*/ 1590675 w 1590675"/>
+                <a:gd name="connsiteY2" fmla="*/ 2124075 h 2124675"/>
+                <a:gd name="connsiteX0" fmla="*/ 0 w 1590675"/>
+                <a:gd name="connsiteY0" fmla="*/ 0 h 2125697"/>
+                <a:gd name="connsiteX1" fmla="*/ 555633 w 1590675"/>
+                <a:gd name="connsiteY1" fmla="*/ 1688578 h 2125697"/>
+                <a:gd name="connsiteX2" fmla="*/ 1590675 w 1590675"/>
+                <a:gd name="connsiteY2" fmla="*/ 2124075 h 2125697"/>
+              </a:gdLst>
+              <a:ahLst/>
+              <a:cxnLst>
+                <a:cxn ang="0">
+                  <a:pos x="connsiteX0" y="connsiteY0"/>
+                </a:cxn>
+                <a:cxn ang="0">
+                  <a:pos x="connsiteX1" y="connsiteY1"/>
+                </a:cxn>
+                <a:cxn ang="0">
+                  <a:pos x="connsiteX2" y="connsiteY2"/>
+                </a:cxn>
+              </a:cxnLst>
+              <a:rect l="l" t="t" r="r" b="b"/>
+              <a:pathLst>
+                <a:path w="1590675" h="2125697">
+                  <a:moveTo>
+                    <a:pt x="0" y="0"/>
+                  </a:moveTo>
+                  <a:cubicBezTo>
+                    <a:pt x="25400" y="917575"/>
+                    <a:pt x="290521" y="1334566"/>
+                    <a:pt x="555633" y="1688578"/>
+                  </a:cubicBezTo>
+                  <a:cubicBezTo>
+                    <a:pt x="820745" y="2042590"/>
+                    <a:pt x="1250950" y="2139950"/>
+                    <a:pt x="1590675" y="2124075"/>
+                  </a:cubicBezTo>
+                </a:path>
+              </a:pathLst>
+            </a:custGeom>
+            <a:noFill/>
+          </p:spPr>
+          <p:style>
+            <a:lnRef idx="2">
+              <a:schemeClr val="accent1">
+                <a:shade val="50000"/>
+              </a:schemeClr>
+            </a:lnRef>
+            <a:fillRef idx="1">
+              <a:schemeClr val="accent1"/>
+            </a:fillRef>
+            <a:effectRef idx="0">
+              <a:schemeClr val="accent1"/>
+            </a:effectRef>
+            <a:fontRef idx="minor">
+              <a:schemeClr val="lt1"/>
+            </a:fontRef>
+          </p:style>
+          <p:txBody>
+            <a:bodyPr rtlCol="0" anchor="ctr"/>
+            <a:lstStyle/>
+            <a:p>
+              <a:pPr algn="ctr"/>
+              <a:endParaRPr lang="en-US"/>
+            </a:p>
+          </p:txBody>
+        </p:sp>
+      </p:grpSp>
+      <p:sp>
+        <p:nvSpPr>
+          <p:cNvPr id="26" name="TextBox 25"/>
+          <p:cNvSpPr txBox="1"/>
+          <p:nvPr/>
+        </p:nvSpPr>
+        <p:spPr>
+          <a:xfrm>
+            <a:off x="304800" y="285750"/>
+            <a:ext cx="7314247" cy="830997"/>
+          </a:xfrm>
+          <a:prstGeom prst="rect">
+            <a:avLst/>
+          </a:prstGeom>
+          <a:noFill/>
+        </p:spPr>
+        <p:txBody>
+          <a:bodyPr wrap="square" rtlCol="0">
+            <a:spAutoFit/>
+          </a:bodyPr>
+          <a:lstStyle/>
+          <a:p>
+            <a:r>
+              <a:rPr lang="en-US" sz="2400" b="1" dirty="0"/>
+              <a:t>Normal equation</a:t>
+            </a:r>
+            <a:r>
+              <a:rPr lang="en-US" sz="2400" dirty="0"/>
+              <a:t>: </a:t>
+            </a:r>
+          </a:p>
+          <a:p>
+            <a:r>
+              <a:rPr lang="en-US" sz="2400" dirty="0"/>
+              <a:t>Method to solve for analytically.</a:t>
+            </a:r>
+          </a:p>
+        </p:txBody>
+      </p:sp>
+      <p:pic>
+        <p:nvPicPr>
+          <p:cNvPr id="27" name="Picture 26"/>
+          <p:cNvPicPr>
+            <a:picLocks noChangeAspect="1"/>
+          </p:cNvPicPr>
+          <p:nvPr>
+            <p:custDataLst>
+              <p:tags r:id="rId8"/>
+            </p:custDataLst>
+          </p:nvPr>
+        </p:nvPicPr>
+        <p:blipFill>
+          <a:blip r:embed="rId18" cstate="print">
+            <a:extLst>
+              <a:ext uri="{28A0092B-C50C-407E-A947-70E740481C1C}">
+                <a14:useLocalDpi xmlns:a14="http://schemas.microsoft.com/office/drawing/2010/main" val="0"/>
+              </a:ext>
+            </a:extLst>
+          </a:blip>
+          <a:stretch>
+            <a:fillRect/>
+          </a:stretch>
+        </p:blipFill>
+        <p:spPr>
+          <a:xfrm>
+            <a:off x="533400" y="3257550"/>
+            <a:ext cx="918972" cy="306324"/>
+          </a:xfrm>
+          <a:prstGeom prst="rect">
+            <a:avLst/>
+          </a:prstGeom>
+        </p:spPr>
+      </p:pic>
+    </p:spTree>
+    <p:extLst>
+      <p:ext uri="{BB962C8B-B14F-4D97-AF65-F5344CB8AC3E}">
+        <p14:creationId xmlns:p14="http://schemas.microsoft.com/office/powerpoint/2010/main" val="3694999254"/>
+      </p:ext>
+    </p:extLst>
+  </p:cSld>
+  <p:clrMapOvr>
+    <a:masterClrMapping/>
+  </p:clrMapOvr>
+  <p:timing>
+    <p:tnLst>
+      <p:par>
+        <p:cTn id="1" dur="indefinite" restart="never" nodeType="tmRoot">
+          <p:childTnLst>
+            <p:seq concurrent="1" nextAc="seek">
+              <p:cTn id="2" dur="indefinite" nodeType="mainSeq">
+                <p:childTnLst>
+                  <p:par>
+                    <p:cTn id="3" fill="hold">
+                      <p:stCondLst>
+                        <p:cond delay="indefinite"/>
+                      </p:stCondLst>
+                      <p:childTnLst>
+                        <p:par>
+                          <p:cTn id="4" fill="hold">
+                            <p:stCondLst>
+                              <p:cond delay="0"/>
+                            </p:stCondLst>
+                            <p:childTnLst>
+                              <p:par>
+                                <p:cTn id="5" presetID="1" presetClass="entr" presetSubtype="0" fill="hold" grpId="0" nodeType="clickEffect">
+                                  <p:stCondLst>
+                                    <p:cond delay="0"/>
+                                  </p:stCondLst>
+                                  <p:childTnLst>
+                                    <p:set>
+                                      <p:cBhvr>
+                                        <p:cTn id="6" dur="1" fill="hold">
+                                          <p:stCondLst>
+                                            <p:cond delay="0"/>
+                                          </p:stCondLst>
+                                        </p:cTn>
+                                        <p:tgtEl>
+                                          <p:spTgt spid="4"/>
+                                        </p:tgtEl>
+                                        <p:attrNameLst>
+                                          <p:attrName>style.visibility</p:attrName>
+                                        </p:attrNameLst>
+                                      </p:cBhvr>
+                                      <p:to>
+                                        <p:strVal val="visible"/>
+                                      </p:to>
+                                    </p:set>
+                                  </p:childTnLst>
+                                </p:cTn>
+                              </p:par>
+                              <p:par>
+                                <p:cTn id="7" presetID="1" presetClass="entr" presetSubtype="0" fill="hold" nodeType="withEffect">
+                                  <p:stCondLst>
+                                    <p:cond delay="0"/>
+                                  </p:stCondLst>
+                                  <p:childTnLst>
+                                    <p:set>
+                                      <p:cBhvr>
+                                        <p:cTn id="8" dur="1" fill="hold">
+                                          <p:stCondLst>
+                                            <p:cond delay="0"/>
+                                          </p:stCondLst>
+                                        </p:cTn>
+                                        <p:tgtEl>
+                                          <p:spTgt spid="23"/>
+                                        </p:tgtEl>
+                                        <p:attrNameLst>
+                                          <p:attrName>style.visibility</p:attrName>
+                                        </p:attrNameLst>
+                                      </p:cBhvr>
+                                      <p:to>
+                                        <p:strVal val="visible"/>
+                                      </p:to>
+                                    </p:set>
+                                  </p:childTnLst>
+                                </p:cTn>
+                              </p:par>
+                              <p:par>
+                                <p:cTn id="9" presetID="1" presetClass="entr" presetSubtype="0" fill="hold" nodeType="withEffect">
+                                  <p:stCondLst>
+                                    <p:cond delay="0"/>
+                                  </p:stCondLst>
+                                  <p:childTnLst>
+                                    <p:set>
+                                      <p:cBhvr>
+                                        <p:cTn id="10" dur="1" fill="hold">
+                                          <p:stCondLst>
+                                            <p:cond delay="0"/>
+                                          </p:stCondLst>
+                                        </p:cTn>
+                                        <p:tgtEl>
+                                          <p:spTgt spid="31"/>
+                                        </p:tgtEl>
+                                        <p:attrNameLst>
+                                          <p:attrName>style.visibility</p:attrName>
+                                        </p:attrNameLst>
+                                      </p:cBhvr>
+                                      <p:to>
+                                        <p:strVal val="visible"/>
+                                      </p:to>
+                                    </p:set>
+                                  </p:childTnLst>
+                                </p:cTn>
+                              </p:par>
+                              <p:par>
+                                <p:cTn id="11" presetID="1" presetClass="entr" presetSubtype="0" fill="hold" nodeType="withEffect">
+                                  <p:stCondLst>
+                                    <p:cond delay="0"/>
+                                  </p:stCondLst>
+                                  <p:childTnLst>
+                                    <p:set>
+                                      <p:cBhvr>
+                                        <p:cTn id="12" dur="1" fill="hold">
+                                          <p:stCondLst>
+                                            <p:cond delay="0"/>
+                                          </p:stCondLst>
+                                        </p:cTn>
+                                        <p:tgtEl>
+                                          <p:spTgt spid="6"/>
+                                        </p:tgtEl>
+                                        <p:attrNameLst>
+                                          <p:attrName>style.visibility</p:attrName>
+                                        </p:attrNameLst>
+                                      </p:cBhvr>
+                                      <p:to>
+                                        <p:strVal val="visible"/>
+                                      </p:to>
+                                    </p:set>
+                                  </p:childTnLst>
+                                </p:cTn>
+                              </p:par>
+                              <p:par>
+                                <p:cTn id="13" presetID="1" presetClass="entr" presetSubtype="0" fill="hold" grpId="0" nodeType="withEffect">
+                                  <p:stCondLst>
+                                    <p:cond delay="0"/>
+                                  </p:stCondLst>
+                                  <p:childTnLst>
+                                    <p:set>
+                                      <p:cBhvr>
+                                        <p:cTn id="14" dur="1" fill="hold">
+                                          <p:stCondLst>
+                                            <p:cond delay="0"/>
+                                          </p:stCondLst>
+                                        </p:cTn>
+                                        <p:tgtEl>
+                                          <p:spTgt spid="33"/>
+                                        </p:tgtEl>
+                                        <p:attrNameLst>
+                                          <p:attrName>style.visibility</p:attrName>
+                                        </p:attrNameLst>
+                                      </p:cBhvr>
+                                      <p:to>
+                                        <p:strVal val="visible"/>
+                                      </p:to>
+                                    </p:set>
+                                  </p:childTnLst>
+                                </p:cTn>
+                              </p:par>
+                              <p:par>
+                                <p:cTn id="15" presetID="1" presetClass="entr" presetSubtype="0" fill="hold" nodeType="withEffect">
+                                  <p:stCondLst>
+                                    <p:cond delay="0"/>
+                                  </p:stCondLst>
+                                  <p:childTnLst>
+                                    <p:set>
+                                      <p:cBhvr>
+                                        <p:cTn id="16" dur="1" fill="hold">
+                                          <p:stCondLst>
+                                            <p:cond delay="0"/>
+                                          </p:stCondLst>
+                                        </p:cTn>
+                                        <p:tgtEl>
+                                          <p:spTgt spid="35"/>
+                                        </p:tgtEl>
+                                        <p:attrNameLst>
+                                          <p:attrName>style.visibility</p:attrName>
+                                        </p:attrNameLst>
+                                      </p:cBhvr>
+                                      <p:to>
+                                        <p:strVal val="visible"/>
+                                      </p:to>
+                                    </p:set>
+                                  </p:childTnLst>
+                                </p:cTn>
+                              </p:par>
+                              <p:par>
+                                <p:cTn id="17" presetID="1" presetClass="entr" presetSubtype="0" fill="hold" nodeType="withEffect">
+                                  <p:stCondLst>
+                                    <p:cond delay="0"/>
+                                  </p:stCondLst>
+                                  <p:childTnLst>
+                                    <p:set>
+                                      <p:cBhvr>
+                                        <p:cTn id="18" dur="1" fill="hold">
+                                          <p:stCondLst>
+                                            <p:cond delay="0"/>
+                                          </p:stCondLst>
+                                        </p:cTn>
+                                        <p:tgtEl>
+                                          <p:spTgt spid="37"/>
+                                        </p:tgtEl>
+                                        <p:attrNameLst>
+                                          <p:attrName>style.visibility</p:attrName>
+                                        </p:attrNameLst>
+                                      </p:cBhvr>
+                                      <p:to>
+                                        <p:strVal val="visible"/>
+                                      </p:to>
+                                    </p:set>
+                                  </p:childTnLst>
+                                </p:cTn>
+                              </p:par>
+                            </p:childTnLst>
+                          </p:cTn>
+                        </p:par>
+                      </p:childTnLst>
+                    </p:cTn>
+                  </p:par>
+                  <p:par>
+                    <p:cTn id="19" fill="hold">
+                      <p:stCondLst>
+                        <p:cond delay="indefinite"/>
+                      </p:stCondLst>
+                      <p:childTnLst>
+                        <p:par>
+                          <p:cTn id="20" fill="hold">
+                            <p:stCondLst>
+                              <p:cond delay="0"/>
+                            </p:stCondLst>
+                            <p:childTnLst>
+                              <p:par>
+                                <p:cTn id="21" presetID="1" presetClass="entr" presetSubtype="0" fill="hold" grpId="0" nodeType="clickEffect">
+                                  <p:stCondLst>
+                                    <p:cond delay="0"/>
+                                  </p:stCondLst>
+                                  <p:childTnLst>
+                                    <p:set>
+                                      <p:cBhvr>
+                                        <p:cTn id="22" dur="1" fill="hold">
+                                          <p:stCondLst>
+                                            <p:cond delay="0"/>
+                                          </p:stCondLst>
+                                        </p:cTn>
+                                        <p:tgtEl>
+                                          <p:spTgt spid="26"/>
+                                        </p:tgtEl>
+                                        <p:attrNameLst>
+                                          <p:attrName>style.visibility</p:attrName>
+                                        </p:attrNameLst>
+                                      </p:cBhvr>
+                                      <p:to>
+                                        <p:strVal val="visible"/>
+                                      </p:to>
+                                    </p:set>
+                                  </p:childTnLst>
+                                </p:cTn>
+                              </p:par>
+                            </p:childTnLst>
+                          </p:cTn>
+                        </p:par>
+                      </p:childTnLst>
+                    </p:cTn>
+                  </p:par>
+                </p:childTnLst>
+              </p:cTn>
+              <p:prevCondLst>
+                <p:cond evt="onPrev" delay="0">
+                  <p:tgtEl>
+                    <p:sldTgt/>
+                  </p:tgtEl>
+                </p:cond>
+              </p:prevCondLst>
+              <p:nextCondLst>
+                <p:cond evt="onNext" delay="0">
+                  <p:tgtEl>
+                    <p:sldTgt/>
+                  </p:tgtEl>
+                </p:cond>
+              </p:nextCondLst>
+            </p:seq>
+          </p:childTnLst>
+        </p:cTn>
+      </p:par>
+    </p:tnLst>
+    <p:bldLst>
+      <p:bldP spid="4" grpId="0"/>
+      <p:bldP spid="33" grpId="0"/>
+      <p:bldP spid="26" grpId="0"/>
+    </p:bldLst>
+  </p:timing>
+</p:sld>
+</file>
+
+<file path=ppt/slides/slide42.xml><?xml version="1.0" encoding="utf-8"?>
 <p:sld xmlns:a="http://schemas.openxmlformats.org/drawingml/2006/main" xmlns:r="http://schemas.openxmlformats.org/officeDocument/2006/relationships" xmlns:p="http://schemas.openxmlformats.org/presentationml/2006/main">
   <p:cSld>
     <p:spTree>
@@ -39160,13 +39344,13 @@
           <p:nvPr>
             <p:extLst>
               <p:ext uri="{D42A27DB-BD31-4B8C-83A1-F6EECF244321}">
-                <p14:modId xmlns:p14="http://schemas.microsoft.com/office/powerpoint/2010/main" val="1785984543"/>
+                <p14:modId xmlns:p14="http://schemas.microsoft.com/office/powerpoint/2010/main" val="2582395671"/>
               </p:ext>
             </p:extLst>
           </p:nvPr>
         </p:nvGraphicFramePr>
         <p:xfrm>
-          <a:off x="1832116" y="714375"/>
+          <a:off x="1832116" y="742950"/>
           <a:ext cx="6400799" cy="2209800"/>
         </p:xfrm>
         <a:graphic>
@@ -41065,13 +41249,18 @@
         </p:nvSpPr>
         <p:spPr>
           <a:xfrm>
-            <a:off x="2819400" y="4481294"/>
-            <a:ext cx="6475525" cy="646331"/>
+            <a:off x="2928839" y="4579179"/>
+            <a:ext cx="5121467" cy="523220"/>
           </a:xfrm>
           <a:prstGeom prst="rect">
             <a:avLst/>
           </a:prstGeom>
           <a:noFill/>
+          <a:ln>
+            <a:solidFill>
+              <a:schemeClr val="accent1"/>
+            </a:solidFill>
+          </a:ln>
         </p:spPr>
         <p:txBody>
           <a:bodyPr wrap="none" rtlCol="0">
@@ -41080,30 +41269,20 @@
           <a:lstStyle/>
           <a:p>
             <a:r>
-              <a:rPr lang="en-US" dirty="0"/>
+              <a:rPr lang="en-US" sz="1400" dirty="0"/>
               <a:t>Normal equation</a:t>
             </a:r>
           </a:p>
           <a:p>
             <a:r>
-              <a:rPr lang="en-US" dirty="0"/>
-              <a:t>https://</a:t>
-            </a:r>
-            <a:r>
-              <a:rPr lang="en-US" dirty="0" err="1"/>
-              <a:t>en.wikipedia.org</a:t>
-            </a:r>
-            <a:r>
-              <a:rPr lang="en-US" dirty="0"/>
-              <a:t>/wiki/</a:t>
-            </a:r>
-            <a:r>
-              <a:rPr lang="en-US" dirty="0" err="1"/>
-              <a:t>Linear_least_squares</a:t>
-            </a:r>
-            <a:r>
-              <a:rPr lang="en-US" dirty="0"/>
-              <a:t>_(mathematics)</a:t>
+              <a:rPr lang="en-US" sz="1400" dirty="0">
+                <a:hlinkClick r:id="rId23"/>
+              </a:rPr>
+              <a:t>https://en.wikipedia.org/wiki/Linear_least_squares_(mathematics)</a:t>
+            </a:r>
+            <a:r>
+              <a:rPr lang="en-US" sz="1400" dirty="0"/>
+              <a:t> </a:t>
             </a:r>
           </a:p>
         </p:txBody>
@@ -41340,85 +41519,7 @@
 </p:sld>
 </file>
 
-<file path=ppt/slides/slide41.xml><?xml version="1.0" encoding="utf-8"?>
-<p:sld xmlns:a="http://schemas.openxmlformats.org/drawingml/2006/main" xmlns:r="http://schemas.openxmlformats.org/officeDocument/2006/relationships" xmlns:p="http://schemas.openxmlformats.org/presentationml/2006/main">
-  <p:cSld>
-    <p:spTree>
-      <p:nvGrpSpPr>
-        <p:cNvPr id="1" name=""/>
-        <p:cNvGrpSpPr/>
-        <p:nvPr/>
-      </p:nvGrpSpPr>
-      <p:grpSpPr>
-        <a:xfrm>
-          <a:off x="0" y="0"/>
-          <a:ext cx="0" cy="0"/>
-          <a:chOff x="0" y="0"/>
-          <a:chExt cx="0" cy="0"/>
-        </a:xfrm>
-      </p:grpSpPr>
-      <p:pic>
-        <p:nvPicPr>
-          <p:cNvPr id="2" name="Picture 1"/>
-          <p:cNvPicPr>
-            <a:picLocks noChangeAspect="1"/>
-          </p:cNvPicPr>
-          <p:nvPr/>
-        </p:nvPicPr>
-        <p:blipFill>
-          <a:blip r:embed="rId2"/>
-          <a:stretch>
-            <a:fillRect/>
-          </a:stretch>
-        </p:blipFill>
-        <p:spPr>
-          <a:xfrm>
-            <a:off x="1155700" y="0"/>
-            <a:ext cx="6830786" cy="5143500"/>
-          </a:xfrm>
-          <a:prstGeom prst="rect">
-            <a:avLst/>
-          </a:prstGeom>
-        </p:spPr>
-      </p:pic>
-      <p:pic>
-        <p:nvPicPr>
-          <p:cNvPr id="3" name="Picture 2"/>
-          <p:cNvPicPr>
-            <a:picLocks noChangeAspect="1"/>
-          </p:cNvPicPr>
-          <p:nvPr/>
-        </p:nvPicPr>
-        <p:blipFill>
-          <a:blip r:embed="rId3"/>
-          <a:stretch>
-            <a:fillRect/>
-          </a:stretch>
-        </p:blipFill>
-        <p:spPr>
-          <a:xfrm>
-            <a:off x="4800600" y="285750"/>
-            <a:ext cx="4114800" cy="502827"/>
-          </a:xfrm>
-          <a:prstGeom prst="rect">
-            <a:avLst/>
-          </a:prstGeom>
-        </p:spPr>
-      </p:pic>
-    </p:spTree>
-    <p:extLst>
-      <p:ext uri="{BB962C8B-B14F-4D97-AF65-F5344CB8AC3E}">
-        <p14:creationId xmlns:p14="http://schemas.microsoft.com/office/powerpoint/2010/main" val="528568990"/>
-      </p:ext>
-    </p:extLst>
-  </p:cSld>
-  <p:clrMapOvr>
-    <a:masterClrMapping/>
-  </p:clrMapOvr>
-</p:sld>
-</file>
-
-<file path=ppt/slides/slide42.xml><?xml version="1.0" encoding="utf-8"?>
+<file path=ppt/slides/slide43.xml><?xml version="1.0" encoding="utf-8"?>
 <p:sld xmlns:a="http://schemas.openxmlformats.org/drawingml/2006/main" xmlns:r="http://schemas.openxmlformats.org/officeDocument/2006/relationships" xmlns:p="http://schemas.openxmlformats.org/presentationml/2006/main">
   <p:cSld>
     <p:spTree>
@@ -41443,8 +41544,8 @@
         </p:nvSpPr>
         <p:spPr>
           <a:xfrm>
-            <a:off x="3362227" y="4552950"/>
-            <a:ext cx="4486373" cy="461665"/>
+            <a:off x="2941613" y="4636752"/>
+            <a:ext cx="4486373" cy="400110"/>
           </a:xfrm>
           <a:prstGeom prst="rect">
             <a:avLst/>
@@ -41458,7 +41559,7 @@
           <a:lstStyle/>
           <a:p>
             <a:r>
-              <a:rPr lang="en-US" sz="2400" b="1" dirty="0" err="1">
+              <a:rPr lang="en-US" sz="2000" b="1" dirty="0" err="1">
                 <a:solidFill>
                   <a:srgbClr val="002060"/>
                 </a:solidFill>
@@ -41468,7 +41569,7 @@
               <a:t>pinv</a:t>
             </a:r>
             <a:r>
-              <a:rPr lang="en-US" sz="2400" b="1" dirty="0">
+              <a:rPr lang="en-US" sz="2000" b="1" dirty="0">
                 <a:solidFill>
                   <a:srgbClr val="002060"/>
                 </a:solidFill>
@@ -41585,11 +41686,11 @@
               </a:lnSpc>
             </a:pPr>
             <a:r>
-              <a:rPr lang="en-US" sz="2800" dirty="0" err="1"/>
+              <a:rPr lang="en-US" sz="2000" dirty="0" err="1"/>
               <a:t>Matlab</a:t>
             </a:r>
             <a:r>
-              <a:rPr lang="en-US" sz="2800" dirty="0"/>
+              <a:rPr lang="en-US" sz="2400" dirty="0"/>
               <a:t>/Octave: </a:t>
             </a:r>
           </a:p>
@@ -41672,7 +41773,7 @@
         <p:spPr>
           <a:xfrm>
             <a:off x="685800" y="1733550"/>
-            <a:ext cx="8153400" cy="2677656"/>
+            <a:ext cx="8153400" cy="2246769"/>
           </a:xfrm>
           <a:prstGeom prst="rect">
             <a:avLst/>
@@ -41686,46 +41787,46 @@
           <a:lstStyle/>
           <a:p>
             <a:r>
-              <a:rPr lang="en-US" sz="2400" dirty="0" err="1"/>
+              <a:rPr lang="en-US" sz="2000" dirty="0" err="1"/>
               <a:t>numpy.linalg.solve</a:t>
             </a:r>
             <a:r>
-              <a:rPr lang="en-US" sz="2400" dirty="0"/>
+              <a:rPr lang="en-US" sz="2000" dirty="0"/>
               <a:t>(a, b)</a:t>
             </a:r>
           </a:p>
           <a:p>
             <a:r>
-              <a:rPr lang="en-US" sz="2400" dirty="0">
+              <a:rPr lang="en-US" sz="2000" dirty="0">
                 <a:hlinkClick r:id="rId9"/>
               </a:rPr>
               <a:t>http://docs.scipy.org/doc/numpy-1.10.1/reference/generated/numpy.linalg.solve.html</a:t>
             </a:r>
-            <a:endParaRPr lang="en-US" sz="2400" dirty="0"/>
-          </a:p>
-          <a:p>
-            <a:endParaRPr lang="en-US" sz="2400" dirty="0"/>
-          </a:p>
-          <a:p>
-            <a:r>
-              <a:rPr lang="en-US" sz="2400" b="1" dirty="0"/>
+            <a:endParaRPr lang="en-US" sz="2000" dirty="0"/>
+          </a:p>
+          <a:p>
+            <a:endParaRPr lang="en-US" sz="2000" dirty="0"/>
+          </a:p>
+          <a:p>
+            <a:r>
+              <a:rPr lang="en-US" sz="2000" b="1" dirty="0"/>
               <a:t>theta = </a:t>
             </a:r>
             <a:r>
-              <a:rPr lang="en-US" sz="2400" b="1" dirty="0" err="1"/>
+              <a:rPr lang="en-US" sz="2000" b="1" dirty="0" err="1"/>
               <a:t>np.linalg.solve</a:t>
             </a:r>
             <a:r>
-              <a:rPr lang="en-US" sz="2400" b="1" dirty="0"/>
+              <a:rPr lang="en-US" sz="2000" b="1" dirty="0"/>
               <a:t>(X, y) </a:t>
             </a:r>
           </a:p>
           <a:p>
-            <a:endParaRPr lang="en-US" sz="2400" dirty="0"/>
-          </a:p>
-          <a:p>
-            <a:r>
-              <a:rPr lang="en-US" sz="2400" dirty="0"/>
+            <a:endParaRPr lang="en-US" sz="2000" dirty="0"/>
+          </a:p>
+          <a:p>
+            <a:r>
+              <a:rPr lang="en-US" sz="2000" dirty="0"/>
               <a:t>Assumes X is not singular, and is square</a:t>
             </a:r>
           </a:p>
@@ -41966,7 +42067,85 @@
 </p:sld>
 </file>
 
-<file path=ppt/slides/slide43.xml><?xml version="1.0" encoding="utf-8"?>
+<file path=ppt/slides/slide44.xml><?xml version="1.0" encoding="utf-8"?>
+<p:sld xmlns:a="http://schemas.openxmlformats.org/drawingml/2006/main" xmlns:r="http://schemas.openxmlformats.org/officeDocument/2006/relationships" xmlns:p="http://schemas.openxmlformats.org/presentationml/2006/main">
+  <p:cSld>
+    <p:spTree>
+      <p:nvGrpSpPr>
+        <p:cNvPr id="1" name=""/>
+        <p:cNvGrpSpPr/>
+        <p:nvPr/>
+      </p:nvGrpSpPr>
+      <p:grpSpPr>
+        <a:xfrm>
+          <a:off x="0" y="0"/>
+          <a:ext cx="0" cy="0"/>
+          <a:chOff x="0" y="0"/>
+          <a:chExt cx="0" cy="0"/>
+        </a:xfrm>
+      </p:grpSpPr>
+      <p:pic>
+        <p:nvPicPr>
+          <p:cNvPr id="2" name="Picture 1"/>
+          <p:cNvPicPr>
+            <a:picLocks noChangeAspect="1"/>
+          </p:cNvPicPr>
+          <p:nvPr/>
+        </p:nvPicPr>
+        <p:blipFill>
+          <a:blip r:embed="rId2"/>
+          <a:stretch>
+            <a:fillRect/>
+          </a:stretch>
+        </p:blipFill>
+        <p:spPr>
+          <a:xfrm>
+            <a:off x="1155700" y="0"/>
+            <a:ext cx="6830786" cy="5143500"/>
+          </a:xfrm>
+          <a:prstGeom prst="rect">
+            <a:avLst/>
+          </a:prstGeom>
+        </p:spPr>
+      </p:pic>
+      <p:pic>
+        <p:nvPicPr>
+          <p:cNvPr id="3" name="Picture 2"/>
+          <p:cNvPicPr>
+            <a:picLocks noChangeAspect="1"/>
+          </p:cNvPicPr>
+          <p:nvPr/>
+        </p:nvPicPr>
+        <p:blipFill>
+          <a:blip r:embed="rId3"/>
+          <a:stretch>
+            <a:fillRect/>
+          </a:stretch>
+        </p:blipFill>
+        <p:spPr>
+          <a:xfrm>
+            <a:off x="4800600" y="285750"/>
+            <a:ext cx="4114800" cy="502827"/>
+          </a:xfrm>
+          <a:prstGeom prst="rect">
+            <a:avLst/>
+          </a:prstGeom>
+        </p:spPr>
+      </p:pic>
+    </p:spTree>
+    <p:extLst>
+      <p:ext uri="{BB962C8B-B14F-4D97-AF65-F5344CB8AC3E}">
+        <p14:creationId xmlns:p14="http://schemas.microsoft.com/office/powerpoint/2010/main" val="528568990"/>
+      </p:ext>
+    </p:extLst>
+  </p:cSld>
+  <p:clrMapOvr>
+    <a:masterClrMapping/>
+  </p:clrMapOvr>
+</p:sld>
+</file>
+
+<file path=ppt/slides/slide45.xml><?xml version="1.0" encoding="utf-8"?>
 <p:sld xmlns:a="http://schemas.openxmlformats.org/drawingml/2006/main" xmlns:r="http://schemas.openxmlformats.org/officeDocument/2006/relationships" xmlns:p="http://schemas.openxmlformats.org/presentationml/2006/main">
   <p:cSld>
     <p:spTree>
@@ -42512,7 +42691,7 @@
         </p:blipFill>
         <p:spPr>
           <a:xfrm>
-            <a:off x="6291834" y="3448049"/>
+            <a:off x="6291834" y="3409950"/>
             <a:ext cx="261366" cy="214821"/>
           </a:xfrm>
           <a:prstGeom prst="rect">
@@ -42766,7 +42945,7 @@
 </p:sld>
 </file>
 
-<file path=ppt/slides/slide44.xml><?xml version="1.0" encoding="utf-8"?>
+<file path=ppt/slides/slide46.xml><?xml version="1.0" encoding="utf-8"?>
 <p:sld xmlns:a="http://schemas.openxmlformats.org/drawingml/2006/main" xmlns:r="http://schemas.openxmlformats.org/officeDocument/2006/relationships" xmlns:p="http://schemas.openxmlformats.org/presentationml/2006/main">
   <p:cSld>
     <p:spTree>
@@ -43100,215 +43279,6 @@
     <p:extLst>
       <p:ext uri="{BB962C8B-B14F-4D97-AF65-F5344CB8AC3E}">
         <p14:creationId xmlns:p14="http://schemas.microsoft.com/office/powerpoint/2010/main" val="2365235890"/>
-      </p:ext>
-    </p:extLst>
-  </p:cSld>
-  <p:clrMapOvr>
-    <a:masterClrMapping/>
-  </p:clrMapOvr>
-</p:sld>
-</file>
-
-<file path=ppt/slides/slide45.xml><?xml version="1.0" encoding="utf-8"?>
-<p:sld xmlns:a="http://schemas.openxmlformats.org/drawingml/2006/main" xmlns:r="http://schemas.openxmlformats.org/officeDocument/2006/relationships" xmlns:p="http://schemas.openxmlformats.org/presentationml/2006/main">
-  <p:cSld>
-    <p:spTree>
-      <p:nvGrpSpPr>
-        <p:cNvPr id="1" name=""/>
-        <p:cNvGrpSpPr/>
-        <p:nvPr/>
-      </p:nvGrpSpPr>
-      <p:grpSpPr>
-        <a:xfrm>
-          <a:off x="0" y="0"/>
-          <a:ext cx="0" cy="0"/>
-          <a:chOff x="0" y="0"/>
-          <a:chExt cx="0" cy="0"/>
-        </a:xfrm>
-      </p:grpSpPr>
-      <p:sp>
-        <p:nvSpPr>
-          <p:cNvPr id="2" name="TextBox 1"/>
-          <p:cNvSpPr txBox="1"/>
-          <p:nvPr/>
-        </p:nvSpPr>
-        <p:spPr>
-          <a:xfrm>
-            <a:off x="457200" y="514350"/>
-            <a:ext cx="6762750" cy="1446550"/>
-          </a:xfrm>
-          <a:prstGeom prst="rect">
-            <a:avLst/>
-          </a:prstGeom>
-          <a:noFill/>
-        </p:spPr>
-        <p:txBody>
-          <a:bodyPr wrap="square" rtlCol="0">
-            <a:spAutoFit/>
-          </a:bodyPr>
-          <a:lstStyle/>
-          <a:p>
-            <a:r>
-              <a:rPr lang="en-US" sz="2400" baseline="30000" dirty="0"/>
-              <a:t>Problem:</a:t>
-            </a:r>
-            <a:r>
-              <a:rPr lang="en-US" sz="2400" dirty="0"/>
-              <a:t> </a:t>
-            </a:r>
-            <a:r>
-              <a:rPr lang="en-US" sz="2400" baseline="30000" dirty="0"/>
-              <a:t>considering different cities for opening a new outlet. The chain already has trucks in various cities and you have data for profits and populations from the cities.</a:t>
-            </a:r>
-          </a:p>
-          <a:p>
-            <a:endParaRPr lang="en-US" sz="2400" baseline="30000" dirty="0"/>
-          </a:p>
-          <a:p>
-            <a:r>
-              <a:rPr lang="en-US" sz="2400" baseline="30000" dirty="0"/>
-              <a:t>You would like to use this data to help you select which city to expand to next.</a:t>
-            </a:r>
-            <a:endParaRPr lang="en-US" sz="2400" dirty="0"/>
-          </a:p>
-        </p:txBody>
-      </p:sp>
-      <p:pic>
-        <p:nvPicPr>
-          <p:cNvPr id="3" name="Picture 2"/>
-          <p:cNvPicPr>
-            <a:picLocks noChangeAspect="1"/>
-          </p:cNvPicPr>
-          <p:nvPr/>
-        </p:nvPicPr>
-        <p:blipFill>
-          <a:blip r:embed="rId2"/>
-          <a:stretch>
-            <a:fillRect/>
-          </a:stretch>
-        </p:blipFill>
-        <p:spPr>
-          <a:xfrm>
-            <a:off x="533400" y="1962150"/>
-            <a:ext cx="1892300" cy="2743200"/>
-          </a:xfrm>
-          <a:prstGeom prst="rect">
-            <a:avLst/>
-          </a:prstGeom>
-        </p:spPr>
-      </p:pic>
-      <p:pic>
-        <p:nvPicPr>
-          <p:cNvPr id="5" name="Picture 4"/>
-          <p:cNvPicPr>
-            <a:picLocks noChangeAspect="1"/>
-          </p:cNvPicPr>
-          <p:nvPr/>
-        </p:nvPicPr>
-        <p:blipFill>
-          <a:blip r:embed="rId3"/>
-          <a:stretch>
-            <a:fillRect/>
-          </a:stretch>
-        </p:blipFill>
-        <p:spPr>
-          <a:xfrm>
-            <a:off x="3505200" y="1962150"/>
-            <a:ext cx="1257300" cy="2730500"/>
-          </a:xfrm>
-          <a:prstGeom prst="rect">
-            <a:avLst/>
-          </a:prstGeom>
-        </p:spPr>
-      </p:pic>
-    </p:spTree>
-    <p:extLst>
-      <p:ext uri="{BB962C8B-B14F-4D97-AF65-F5344CB8AC3E}">
-        <p14:creationId xmlns:p14="http://schemas.microsoft.com/office/powerpoint/2010/main" val="349307202"/>
-      </p:ext>
-    </p:extLst>
-  </p:cSld>
-  <p:clrMapOvr>
-    <a:masterClrMapping/>
-  </p:clrMapOvr>
-</p:sld>
-</file>
-
-<file path=ppt/slides/slide46.xml><?xml version="1.0" encoding="utf-8"?>
-<p:sld xmlns:a="http://schemas.openxmlformats.org/drawingml/2006/main" xmlns:r="http://schemas.openxmlformats.org/officeDocument/2006/relationships" xmlns:p="http://schemas.openxmlformats.org/presentationml/2006/main">
-  <p:cSld>
-    <p:spTree>
-      <p:nvGrpSpPr>
-        <p:cNvPr id="1" name=""/>
-        <p:cNvGrpSpPr/>
-        <p:nvPr/>
-      </p:nvGrpSpPr>
-      <p:grpSpPr>
-        <a:xfrm>
-          <a:off x="0" y="0"/>
-          <a:ext cx="0" cy="0"/>
-          <a:chOff x="0" y="0"/>
-          <a:chExt cx="0" cy="0"/>
-        </a:xfrm>
-      </p:grpSpPr>
-      <p:sp>
-        <p:nvSpPr>
-          <p:cNvPr id="2" name="TextBox 1"/>
-          <p:cNvSpPr txBox="1"/>
-          <p:nvPr/>
-        </p:nvSpPr>
-        <p:spPr>
-          <a:xfrm>
-            <a:off x="457200" y="514350"/>
-            <a:ext cx="6762750" cy="338554"/>
-          </a:xfrm>
-          <a:prstGeom prst="rect">
-            <a:avLst/>
-          </a:prstGeom>
-          <a:noFill/>
-        </p:spPr>
-        <p:txBody>
-          <a:bodyPr wrap="square" rtlCol="0">
-            <a:spAutoFit/>
-          </a:bodyPr>
-          <a:lstStyle/>
-          <a:p>
-            <a:r>
-              <a:rPr lang="en-US" sz="2400" baseline="30000" dirty="0"/>
-              <a:t>Visualize data</a:t>
-            </a:r>
-            <a:endParaRPr lang="en-US" sz="2400" dirty="0"/>
-          </a:p>
-        </p:txBody>
-      </p:sp>
-      <p:pic>
-        <p:nvPicPr>
-          <p:cNvPr id="4" name="Picture 3"/>
-          <p:cNvPicPr>
-            <a:picLocks noChangeAspect="1"/>
-          </p:cNvPicPr>
-          <p:nvPr/>
-        </p:nvPicPr>
-        <p:blipFill>
-          <a:blip r:embed="rId2"/>
-          <a:stretch>
-            <a:fillRect/>
-          </a:stretch>
-        </p:blipFill>
-        <p:spPr>
-          <a:xfrm>
-            <a:off x="3470182" y="611453"/>
-            <a:ext cx="5642068" cy="4522522"/>
-          </a:xfrm>
-          <a:prstGeom prst="rect">
-            <a:avLst/>
-          </a:prstGeom>
-        </p:spPr>
-      </p:pic>
-    </p:spTree>
-    <p:extLst>
-      <p:ext uri="{BB962C8B-B14F-4D97-AF65-F5344CB8AC3E}">
-        <p14:creationId xmlns:p14="http://schemas.microsoft.com/office/powerpoint/2010/main" val="2102326221"/>
       </p:ext>
     </p:extLst>
   </p:cSld>
@@ -43343,8 +43313,8 @@
         </p:nvSpPr>
         <p:spPr>
           <a:xfrm>
-            <a:off x="304800" y="514350"/>
-            <a:ext cx="6762750" cy="338554"/>
+            <a:off x="457200" y="514350"/>
+            <a:ext cx="6762750" cy="1446550"/>
           </a:xfrm>
           <a:prstGeom prst="rect">
             <a:avLst/>
@@ -43359,7 +43329,24 @@
           <a:p>
             <a:r>
               <a:rPr lang="en-US" sz="2400" baseline="30000" dirty="0"/>
-              <a:t>Run linear regression</a:t>
+              <a:t>Problem:</a:t>
+            </a:r>
+            <a:r>
+              <a:rPr lang="en-US" sz="2400" dirty="0"/>
+              <a:t> </a:t>
+            </a:r>
+            <a:r>
+              <a:rPr lang="en-US" sz="2400" baseline="30000" dirty="0"/>
+              <a:t>considering different cities for opening a new outlet. The chain already has trucks in various cities and you have data for profits and populations from the cities.</a:t>
+            </a:r>
+          </a:p>
+          <a:p>
+            <a:endParaRPr lang="en-US" sz="2400" baseline="30000" dirty="0"/>
+          </a:p>
+          <a:p>
+            <a:r>
+              <a:rPr lang="en-US" sz="2400" baseline="30000" dirty="0"/>
+              <a:t>You would like to use this data to help you select which city to expand to next.</a:t>
             </a:r>
             <a:endParaRPr lang="en-US" sz="2400" dirty="0"/>
           </a:p>
@@ -43381,64 +43368,42 @@
         </p:blipFill>
         <p:spPr>
           <a:xfrm>
-            <a:off x="3124200" y="361950"/>
-            <a:ext cx="5866860" cy="4565650"/>
+            <a:off x="533400" y="1962150"/>
+            <a:ext cx="1892300" cy="2743200"/>
           </a:xfrm>
           <a:prstGeom prst="rect">
             <a:avLst/>
           </a:prstGeom>
         </p:spPr>
       </p:pic>
-      <p:sp>
-        <p:nvSpPr>
-          <p:cNvPr id="5" name="Rectangle 4"/>
-          <p:cNvSpPr/>
+      <p:pic>
+        <p:nvPicPr>
+          <p:cNvPr id="5" name="Picture 4"/>
+          <p:cNvPicPr>
+            <a:picLocks noChangeAspect="1"/>
+          </p:cNvPicPr>
           <p:nvPr/>
-        </p:nvSpPr>
+        </p:nvPicPr>
+        <p:blipFill>
+          <a:blip r:embed="rId3"/>
+          <a:stretch>
+            <a:fillRect/>
+          </a:stretch>
+        </p:blipFill>
         <p:spPr>
           <a:xfrm>
-            <a:off x="228600" y="1428750"/>
-            <a:ext cx="2978804" cy="2862323"/>
+            <a:off x="3505200" y="1962150"/>
+            <a:ext cx="1257300" cy="2730500"/>
           </a:xfrm>
           <a:prstGeom prst="rect">
             <a:avLst/>
           </a:prstGeom>
         </p:spPr>
-        <p:txBody>
-          <a:bodyPr wrap="square">
-            <a:spAutoFit/>
-          </a:bodyPr>
-          <a:lstStyle/>
-          <a:p>
-            <a:r>
-              <a:rPr lang="en-US" dirty="0"/>
-              <a:t>Theta found by gradient descent: -3.630291 1.166362 </a:t>
-            </a:r>
-          </a:p>
-          <a:p>
-            <a:endParaRPr lang="en-US" dirty="0"/>
-          </a:p>
-          <a:p>
-            <a:r>
-              <a:rPr lang="en-US" dirty="0"/>
-              <a:t>For population = 35,000, we predict a profit of 4519.767868</a:t>
-            </a:r>
-          </a:p>
-          <a:p>
-            <a:endParaRPr lang="en-US" dirty="0"/>
-          </a:p>
-          <a:p>
-            <a:r>
-              <a:rPr lang="en-US" dirty="0"/>
-              <a:t>For population = 70,000, we predict a profit of 45342.450129</a:t>
-            </a:r>
-          </a:p>
-        </p:txBody>
-      </p:sp>
+      </p:pic>
     </p:spTree>
     <p:extLst>
       <p:ext uri="{BB962C8B-B14F-4D97-AF65-F5344CB8AC3E}">
-        <p14:creationId xmlns:p14="http://schemas.microsoft.com/office/powerpoint/2010/main" val="383610225"/>
+        <p14:creationId xmlns:p14="http://schemas.microsoft.com/office/powerpoint/2010/main" val="349307202"/>
       </p:ext>
     </p:extLst>
   </p:cSld>
@@ -43473,8 +43438,8 @@
         </p:nvSpPr>
         <p:spPr>
           <a:xfrm>
-            <a:off x="762000" y="133350"/>
-            <a:ext cx="7561285" cy="584776"/>
+            <a:off x="457200" y="514350"/>
+            <a:ext cx="6762750" cy="338554"/>
           </a:xfrm>
           <a:prstGeom prst="rect">
             <a:avLst/>
@@ -43482,21 +43447,22 @@
           <a:noFill/>
         </p:spPr>
         <p:txBody>
-          <a:bodyPr wrap="none" rtlCol="0">
+          <a:bodyPr wrap="square" rtlCol="0">
             <a:spAutoFit/>
           </a:bodyPr>
           <a:lstStyle/>
           <a:p>
             <a:r>
-              <a:rPr lang="en-US" sz="3200" dirty="0"/>
-              <a:t>Assessing the accuracy of model coefficients</a:t>
-            </a:r>
+              <a:rPr lang="en-US" sz="2400" baseline="30000" dirty="0"/>
+              <a:t>Visualize data</a:t>
+            </a:r>
+            <a:endParaRPr lang="en-US" sz="2400" dirty="0"/>
           </a:p>
         </p:txBody>
       </p:sp>
       <p:pic>
         <p:nvPicPr>
-          <p:cNvPr id="6" name="Picture 5"/>
+          <p:cNvPr id="4" name="Picture 3"/>
           <p:cNvPicPr>
             <a:picLocks noChangeAspect="1"/>
           </p:cNvPicPr>
@@ -43510,199 +43476,18 @@
         </p:blipFill>
         <p:spPr>
           <a:xfrm>
-            <a:off x="5715000" y="1466850"/>
-            <a:ext cx="1905000" cy="800100"/>
+            <a:off x="3470182" y="611453"/>
+            <a:ext cx="5642068" cy="4522522"/>
           </a:xfrm>
           <a:prstGeom prst="rect">
             <a:avLst/>
           </a:prstGeom>
         </p:spPr>
       </p:pic>
-      <p:pic>
-        <p:nvPicPr>
-          <p:cNvPr id="7" name="Picture 6"/>
-          <p:cNvPicPr>
-            <a:picLocks noChangeAspect="1"/>
-          </p:cNvPicPr>
-          <p:nvPr/>
-        </p:nvPicPr>
-        <p:blipFill>
-          <a:blip r:embed="rId3"/>
-          <a:stretch>
-            <a:fillRect/>
-          </a:stretch>
-        </p:blipFill>
-        <p:spPr>
-          <a:xfrm>
-            <a:off x="5867400" y="2495550"/>
-            <a:ext cx="1714500" cy="381000"/>
-          </a:xfrm>
-          <a:prstGeom prst="rect">
-            <a:avLst/>
-          </a:prstGeom>
-        </p:spPr>
-      </p:pic>
-      <p:pic>
-        <p:nvPicPr>
-          <p:cNvPr id="8" name="Picture 7"/>
-          <p:cNvPicPr>
-            <a:picLocks noChangeAspect="1"/>
-          </p:cNvPicPr>
-          <p:nvPr/>
-        </p:nvPicPr>
-        <p:blipFill>
-          <a:blip r:embed="rId4"/>
-          <a:stretch>
-            <a:fillRect/>
-          </a:stretch>
-        </p:blipFill>
-        <p:spPr>
-          <a:xfrm>
-            <a:off x="5486400" y="3194050"/>
-            <a:ext cx="2806700" cy="673100"/>
-          </a:xfrm>
-          <a:prstGeom prst="rect">
-            <a:avLst/>
-          </a:prstGeom>
-        </p:spPr>
-      </p:pic>
-      <p:pic>
-        <p:nvPicPr>
-          <p:cNvPr id="9" name="Picture 8"/>
-          <p:cNvPicPr>
-            <a:picLocks noChangeAspect="1"/>
-          </p:cNvPicPr>
-          <p:nvPr/>
-        </p:nvPicPr>
-        <p:blipFill>
-          <a:blip r:embed="rId5"/>
-          <a:stretch>
-            <a:fillRect/>
-          </a:stretch>
-        </p:blipFill>
-        <p:spPr>
-          <a:xfrm>
-            <a:off x="4876800" y="4095750"/>
-            <a:ext cx="4191000" cy="990600"/>
-          </a:xfrm>
-          <a:prstGeom prst="rect">
-            <a:avLst/>
-          </a:prstGeom>
-        </p:spPr>
-      </p:pic>
-      <p:pic>
-        <p:nvPicPr>
-          <p:cNvPr id="10" name="Picture 9"/>
-          <p:cNvPicPr>
-            <a:picLocks noChangeAspect="1"/>
-          </p:cNvPicPr>
-          <p:nvPr/>
-        </p:nvPicPr>
-        <p:blipFill>
-          <a:blip r:embed="rId6"/>
-          <a:stretch>
-            <a:fillRect/>
-          </a:stretch>
-        </p:blipFill>
-        <p:spPr>
-          <a:xfrm>
-            <a:off x="5638800" y="819150"/>
-            <a:ext cx="2209800" cy="450980"/>
-          </a:xfrm>
-          <a:prstGeom prst="rect">
-            <a:avLst/>
-          </a:prstGeom>
-        </p:spPr>
-      </p:pic>
-      <p:sp>
-        <p:nvSpPr>
-          <p:cNvPr id="5" name="TextBox 4"/>
-          <p:cNvSpPr txBox="1"/>
-          <p:nvPr/>
-        </p:nvSpPr>
-        <p:spPr>
-          <a:xfrm>
-            <a:off x="0" y="666750"/>
-            <a:ext cx="5181600" cy="4708981"/>
-          </a:xfrm>
-          <a:prstGeom prst="rect">
-            <a:avLst/>
-          </a:prstGeom>
-          <a:noFill/>
-        </p:spPr>
-        <p:txBody>
-          <a:bodyPr wrap="square" rtlCol="0">
-            <a:spAutoFit/>
-          </a:bodyPr>
-          <a:lstStyle/>
-          <a:p>
-            <a:r>
-              <a:rPr lang="en-US" sz="2000" dirty="0"/>
-              <a:t>Linear regression with residual term. Represents what we can’t explain with our model.</a:t>
-            </a:r>
-          </a:p>
-          <a:p>
-            <a:endParaRPr lang="en-US" sz="2000" dirty="0"/>
-          </a:p>
-          <a:p>
-            <a:r>
-              <a:rPr lang="en-US" sz="2000" dirty="0"/>
-              <a:t>RSS measures the amount of variability that is left unexplained after performing the regression</a:t>
-            </a:r>
-          </a:p>
-          <a:p>
-            <a:endParaRPr lang="en-US" sz="2000" baseline="30000" dirty="0"/>
-          </a:p>
-          <a:p>
-            <a:r>
-              <a:rPr lang="en-US" sz="2000" dirty="0"/>
-              <a:t>TSS (Total sum of squares) measures the total variance when measuring the response y.</a:t>
-            </a:r>
-          </a:p>
-          <a:p>
-            <a:endParaRPr lang="en-US" sz="2000" dirty="0"/>
-          </a:p>
-          <a:p>
-            <a:r>
-              <a:rPr lang="en-US" sz="2000" dirty="0"/>
-              <a:t>R</a:t>
-            </a:r>
-            <a:r>
-              <a:rPr lang="en-US" sz="2000" baseline="30000" dirty="0"/>
-              <a:t>2</a:t>
-            </a:r>
-            <a:r>
-              <a:rPr lang="en-US" sz="2000" dirty="0"/>
-              <a:t>  amount of variance explained by our model</a:t>
-            </a:r>
-            <a:endParaRPr lang="en-US" sz="2000" baseline="30000" dirty="0"/>
-          </a:p>
-          <a:p>
-            <a:endParaRPr lang="en-US" sz="2000" baseline="30000" dirty="0"/>
-          </a:p>
-          <a:p>
-            <a:r>
-              <a:rPr lang="en-US" sz="2000" dirty="0"/>
-              <a:t>The RSE is an estimate of the standard deviation of </a:t>
-            </a:r>
-            <a:r>
-              <a:rPr lang="en-US" sz="2000" dirty="0" err="1"/>
-              <a:t>ε</a:t>
-            </a:r>
-            <a:r>
-              <a:rPr lang="en-US" sz="2000" dirty="0"/>
-              <a:t>. It is basically the average amount that the response will deviate from the true regression line. </a:t>
-            </a:r>
-          </a:p>
-          <a:p>
-            <a:endParaRPr lang="en-US" sz="2000" baseline="30000" dirty="0"/>
-          </a:p>
-        </p:txBody>
-      </p:sp>
     </p:spTree>
     <p:extLst>
       <p:ext uri="{BB962C8B-B14F-4D97-AF65-F5344CB8AC3E}">
-        <p14:creationId xmlns:p14="http://schemas.microsoft.com/office/powerpoint/2010/main" val="1620471663"/>
+        <p14:creationId xmlns:p14="http://schemas.microsoft.com/office/powerpoint/2010/main" val="2102326221"/>
       </p:ext>
     </p:extLst>
   </p:cSld>
@@ -43737,37 +43522,8 @@
         </p:nvSpPr>
         <p:spPr>
           <a:xfrm>
-            <a:off x="762000" y="133350"/>
-            <a:ext cx="3949919" cy="584776"/>
-          </a:xfrm>
-          <a:prstGeom prst="rect">
-            <a:avLst/>
-          </a:prstGeom>
-          <a:noFill/>
-        </p:spPr>
-        <p:txBody>
-          <a:bodyPr wrap="none" rtlCol="0">
-            <a:spAutoFit/>
-          </a:bodyPr>
-          <a:lstStyle/>
-          <a:p>
-            <a:r>
-              <a:rPr lang="en-US" sz="3200" dirty="0"/>
-              <a:t>Least square approach</a:t>
-            </a:r>
-          </a:p>
-        </p:txBody>
-      </p:sp>
-      <p:sp>
-        <p:nvSpPr>
-          <p:cNvPr id="5" name="TextBox 4"/>
-          <p:cNvSpPr txBox="1"/>
-          <p:nvPr/>
-        </p:nvSpPr>
-        <p:spPr>
-          <a:xfrm>
-            <a:off x="304800" y="3486150"/>
-            <a:ext cx="5334000" cy="1015663"/>
+            <a:off x="304800" y="514350"/>
+            <a:ext cx="6762750" cy="338554"/>
           </a:xfrm>
           <a:prstGeom prst="rect">
             <a:avLst/>
@@ -43781,32 +43537,16 @@
           <a:lstStyle/>
           <a:p>
             <a:r>
-              <a:rPr lang="en-US" sz="2000" dirty="0"/>
-              <a:t>The least squares approach chooses β</a:t>
-            </a:r>
-            <a:r>
-              <a:rPr lang="en-US" sz="2000" baseline="-25000" dirty="0"/>
-              <a:t>0</a:t>
-            </a:r>
-            <a:r>
-              <a:rPr lang="en-US" sz="2000" dirty="0"/>
-              <a:t> and β</a:t>
-            </a:r>
-            <a:r>
-              <a:rPr lang="en-US" sz="2000" baseline="-25000" dirty="0"/>
-              <a:t>1</a:t>
-            </a:r>
-            <a:r>
-              <a:rPr lang="en-US" sz="2000" dirty="0"/>
-              <a:t> to minimize the RSS. Using some calculus, one can show that the minimizers are:</a:t>
-            </a:r>
-            <a:endParaRPr lang="en-US" sz="2000" baseline="30000" dirty="0"/>
+              <a:rPr lang="en-US" sz="2400" baseline="30000" dirty="0"/>
+              <a:t>Run linear regression</a:t>
+            </a:r>
+            <a:endParaRPr lang="en-US" sz="2400" dirty="0"/>
           </a:p>
         </p:txBody>
       </p:sp>
       <p:pic>
         <p:nvPicPr>
-          <p:cNvPr id="6" name="Picture 5"/>
+          <p:cNvPr id="3" name="Picture 2"/>
           <p:cNvPicPr>
             <a:picLocks noChangeAspect="1"/>
           </p:cNvPicPr>
@@ -43820,114 +43560,64 @@
         </p:blipFill>
         <p:spPr>
           <a:xfrm>
-            <a:off x="3505200" y="1504950"/>
-            <a:ext cx="1905000" cy="800100"/>
+            <a:off x="3124200" y="361950"/>
+            <a:ext cx="5866860" cy="4565650"/>
           </a:xfrm>
           <a:prstGeom prst="rect">
             <a:avLst/>
           </a:prstGeom>
         </p:spPr>
       </p:pic>
-      <p:pic>
-        <p:nvPicPr>
-          <p:cNvPr id="10" name="Picture 9"/>
-          <p:cNvPicPr>
-            <a:picLocks noChangeAspect="1"/>
-          </p:cNvPicPr>
+      <p:sp>
+        <p:nvSpPr>
+          <p:cNvPr id="5" name="Rectangle 4"/>
+          <p:cNvSpPr/>
           <p:nvPr/>
-        </p:nvPicPr>
-        <p:blipFill>
-          <a:blip r:embed="rId3"/>
-          <a:stretch>
-            <a:fillRect/>
-          </a:stretch>
-        </p:blipFill>
+        </p:nvSpPr>
         <p:spPr>
           <a:xfrm>
-            <a:off x="3505200" y="819150"/>
-            <a:ext cx="2209800" cy="450980"/>
+            <a:off x="228600" y="1428750"/>
+            <a:ext cx="2978804" cy="2862323"/>
           </a:xfrm>
           <a:prstGeom prst="rect">
             <a:avLst/>
           </a:prstGeom>
         </p:spPr>
-      </p:pic>
-      <p:pic>
-        <p:nvPicPr>
-          <p:cNvPr id="3" name="Picture 2"/>
-          <p:cNvPicPr>
-            <a:picLocks noChangeAspect="1"/>
-          </p:cNvPicPr>
-          <p:nvPr/>
-        </p:nvPicPr>
-        <p:blipFill>
-          <a:blip r:embed="rId4"/>
-          <a:stretch>
-            <a:fillRect/>
-          </a:stretch>
-        </p:blipFill>
-        <p:spPr>
-          <a:xfrm>
-            <a:off x="5486400" y="3406241"/>
-            <a:ext cx="3534780" cy="1235609"/>
-          </a:xfrm>
-          <a:prstGeom prst="rect">
-            <a:avLst/>
-          </a:prstGeom>
-        </p:spPr>
-      </p:pic>
-      <p:pic>
-        <p:nvPicPr>
-          <p:cNvPr id="4" name="Picture 3"/>
-          <p:cNvPicPr>
-            <a:picLocks noChangeAspect="1"/>
-          </p:cNvPicPr>
-          <p:nvPr/>
-        </p:nvPicPr>
-        <p:blipFill>
-          <a:blip r:embed="rId5"/>
-          <a:stretch>
-            <a:fillRect/>
-          </a:stretch>
-        </p:blipFill>
-        <p:spPr>
-          <a:xfrm>
-            <a:off x="762000" y="2343150"/>
-            <a:ext cx="7683166" cy="615950"/>
-          </a:xfrm>
-          <a:prstGeom prst="rect">
-            <a:avLst/>
-          </a:prstGeom>
-        </p:spPr>
-      </p:pic>
-      <p:pic>
-        <p:nvPicPr>
-          <p:cNvPr id="11" name="Picture 10"/>
-          <p:cNvPicPr>
-            <a:picLocks noChangeAspect="1"/>
-          </p:cNvPicPr>
-          <p:nvPr/>
-        </p:nvPicPr>
-        <p:blipFill>
-          <a:blip r:embed="rId6"/>
-          <a:stretch>
-            <a:fillRect/>
-          </a:stretch>
-        </p:blipFill>
-        <p:spPr>
-          <a:xfrm>
-            <a:off x="6400800" y="57150"/>
-            <a:ext cx="2463800" cy="2348962"/>
-          </a:xfrm>
-          <a:prstGeom prst="rect">
-            <a:avLst/>
-          </a:prstGeom>
-        </p:spPr>
-      </p:pic>
+        <p:txBody>
+          <a:bodyPr wrap="square">
+            <a:spAutoFit/>
+          </a:bodyPr>
+          <a:lstStyle/>
+          <a:p>
+            <a:r>
+              <a:rPr lang="en-US" dirty="0"/>
+              <a:t>Theta found by gradient descent: -3.630291 1.166362 </a:t>
+            </a:r>
+          </a:p>
+          <a:p>
+            <a:endParaRPr lang="en-US" dirty="0"/>
+          </a:p>
+          <a:p>
+            <a:r>
+              <a:rPr lang="en-US" dirty="0"/>
+              <a:t>For population = 35,000, we predict a profit of 4519.767868</a:t>
+            </a:r>
+          </a:p>
+          <a:p>
+            <a:endParaRPr lang="en-US" dirty="0"/>
+          </a:p>
+          <a:p>
+            <a:r>
+              <a:rPr lang="en-US" dirty="0"/>
+              <a:t>For population = 70,000, we predict a profit of 45342.450129</a:t>
+            </a:r>
+          </a:p>
+        </p:txBody>
+      </p:sp>
     </p:spTree>
     <p:extLst>
       <p:ext uri="{BB962C8B-B14F-4D97-AF65-F5344CB8AC3E}">
-        <p14:creationId xmlns:p14="http://schemas.microsoft.com/office/powerpoint/2010/main" val="1297300796"/>
+        <p14:creationId xmlns:p14="http://schemas.microsoft.com/office/powerpoint/2010/main" val="383610225"/>
       </p:ext>
     </p:extLst>
   </p:cSld>
@@ -45027,8 +44717,8 @@
         </p:nvSpPr>
         <p:spPr>
           <a:xfrm>
-            <a:off x="457200" y="514350"/>
-            <a:ext cx="6762750" cy="338554"/>
+            <a:off x="762000" y="133350"/>
+            <a:ext cx="7561285" cy="584776"/>
           </a:xfrm>
           <a:prstGeom prst="rect">
             <a:avLst/>
@@ -45036,22 +44726,21 @@
           <a:noFill/>
         </p:spPr>
         <p:txBody>
-          <a:bodyPr wrap="square" rtlCol="0">
+          <a:bodyPr wrap="none" rtlCol="0">
             <a:spAutoFit/>
           </a:bodyPr>
           <a:lstStyle/>
           <a:p>
             <a:r>
-              <a:rPr lang="en-US" sz="2400" baseline="30000" dirty="0"/>
-              <a:t>Saving and plotting theta</a:t>
-            </a:r>
-            <a:endParaRPr lang="en-US" sz="2400" dirty="0"/>
+              <a:rPr lang="en-US" sz="3200" dirty="0"/>
+              <a:t>Assessing the accuracy of model coefficients</a:t>
+            </a:r>
           </a:p>
         </p:txBody>
       </p:sp>
       <p:pic>
         <p:nvPicPr>
-          <p:cNvPr id="4" name="Picture 3"/>
+          <p:cNvPr id="6" name="Picture 5"/>
           <p:cNvPicPr>
             <a:picLocks noChangeAspect="1"/>
           </p:cNvPicPr>
@@ -45065,8 +44754,8 @@
         </p:blipFill>
         <p:spPr>
           <a:xfrm>
-            <a:off x="304800" y="1200150"/>
-            <a:ext cx="4267200" cy="3200400"/>
+            <a:off x="5715000" y="1466850"/>
+            <a:ext cx="1905000" cy="800100"/>
           </a:xfrm>
           <a:prstGeom prst="rect">
             <a:avLst/>
@@ -45075,7 +44764,7 @@
       </p:pic>
       <p:pic>
         <p:nvPicPr>
-          <p:cNvPr id="6" name="Picture 5"/>
+          <p:cNvPr id="7" name="Picture 6"/>
           <p:cNvPicPr>
             <a:picLocks noChangeAspect="1"/>
           </p:cNvPicPr>
@@ -45089,18 +44778,175 @@
         </p:blipFill>
         <p:spPr>
           <a:xfrm>
-            <a:off x="4495800" y="1200150"/>
-            <a:ext cx="4193672" cy="3321050"/>
+            <a:off x="5867400" y="2495550"/>
+            <a:ext cx="1714500" cy="381000"/>
           </a:xfrm>
           <a:prstGeom prst="rect">
             <a:avLst/>
           </a:prstGeom>
         </p:spPr>
       </p:pic>
+      <p:pic>
+        <p:nvPicPr>
+          <p:cNvPr id="8" name="Picture 7"/>
+          <p:cNvPicPr>
+            <a:picLocks noChangeAspect="1"/>
+          </p:cNvPicPr>
+          <p:nvPr/>
+        </p:nvPicPr>
+        <p:blipFill>
+          <a:blip r:embed="rId4"/>
+          <a:stretch>
+            <a:fillRect/>
+          </a:stretch>
+        </p:blipFill>
+        <p:spPr>
+          <a:xfrm>
+            <a:off x="5486400" y="3194050"/>
+            <a:ext cx="2806700" cy="673100"/>
+          </a:xfrm>
+          <a:prstGeom prst="rect">
+            <a:avLst/>
+          </a:prstGeom>
+        </p:spPr>
+      </p:pic>
+      <p:pic>
+        <p:nvPicPr>
+          <p:cNvPr id="9" name="Picture 8"/>
+          <p:cNvPicPr>
+            <a:picLocks noChangeAspect="1"/>
+          </p:cNvPicPr>
+          <p:nvPr/>
+        </p:nvPicPr>
+        <p:blipFill>
+          <a:blip r:embed="rId5"/>
+          <a:stretch>
+            <a:fillRect/>
+          </a:stretch>
+        </p:blipFill>
+        <p:spPr>
+          <a:xfrm>
+            <a:off x="4876800" y="4095750"/>
+            <a:ext cx="4191000" cy="990600"/>
+          </a:xfrm>
+          <a:prstGeom prst="rect">
+            <a:avLst/>
+          </a:prstGeom>
+        </p:spPr>
+      </p:pic>
+      <p:pic>
+        <p:nvPicPr>
+          <p:cNvPr id="10" name="Picture 9"/>
+          <p:cNvPicPr>
+            <a:picLocks noChangeAspect="1"/>
+          </p:cNvPicPr>
+          <p:nvPr/>
+        </p:nvPicPr>
+        <p:blipFill>
+          <a:blip r:embed="rId6"/>
+          <a:stretch>
+            <a:fillRect/>
+          </a:stretch>
+        </p:blipFill>
+        <p:spPr>
+          <a:xfrm>
+            <a:off x="5638800" y="819150"/>
+            <a:ext cx="2209800" cy="450980"/>
+          </a:xfrm>
+          <a:prstGeom prst="rect">
+            <a:avLst/>
+          </a:prstGeom>
+        </p:spPr>
+      </p:pic>
+      <p:sp>
+        <p:nvSpPr>
+          <p:cNvPr id="5" name="TextBox 4"/>
+          <p:cNvSpPr txBox="1"/>
+          <p:nvPr/>
+        </p:nvSpPr>
+        <p:spPr>
+          <a:xfrm>
+            <a:off x="0" y="666750"/>
+            <a:ext cx="5181600" cy="4708981"/>
+          </a:xfrm>
+          <a:prstGeom prst="rect">
+            <a:avLst/>
+          </a:prstGeom>
+          <a:noFill/>
+        </p:spPr>
+        <p:txBody>
+          <a:bodyPr wrap="square" rtlCol="0">
+            <a:spAutoFit/>
+          </a:bodyPr>
+          <a:lstStyle/>
+          <a:p>
+            <a:r>
+              <a:rPr lang="en-US" sz="2000" dirty="0"/>
+              <a:t>Linear regression with residual term. Represents what we can’t explain with our model.</a:t>
+            </a:r>
+          </a:p>
+          <a:p>
+            <a:endParaRPr lang="en-US" sz="2000" dirty="0"/>
+          </a:p>
+          <a:p>
+            <a:r>
+              <a:rPr lang="en-US" sz="2000" dirty="0"/>
+              <a:t>RSS measures the amount of variability that is left unexplained after performing the regression</a:t>
+            </a:r>
+          </a:p>
+          <a:p>
+            <a:endParaRPr lang="en-US" sz="2000" baseline="30000" dirty="0"/>
+          </a:p>
+          <a:p>
+            <a:r>
+              <a:rPr lang="en-US" sz="2000" dirty="0"/>
+              <a:t>TSS (Total sum of squares) measures the total variance when measuring the response y.</a:t>
+            </a:r>
+          </a:p>
+          <a:p>
+            <a:endParaRPr lang="en-US" sz="2000" dirty="0"/>
+          </a:p>
+          <a:p>
+            <a:r>
+              <a:rPr lang="en-US" sz="2000" dirty="0"/>
+              <a:t>R</a:t>
+            </a:r>
+            <a:r>
+              <a:rPr lang="en-US" sz="2000" baseline="30000" dirty="0"/>
+              <a:t>2</a:t>
+            </a:r>
+            <a:r>
+              <a:rPr lang="en-US" sz="2000" dirty="0"/>
+              <a:t>  amount of variance explained by our model</a:t>
+            </a:r>
+            <a:endParaRPr lang="en-US" sz="2000" baseline="30000" dirty="0"/>
+          </a:p>
+          <a:p>
+            <a:endParaRPr lang="en-US" sz="2000" baseline="30000" dirty="0"/>
+          </a:p>
+          <a:p>
+            <a:r>
+              <a:rPr lang="en-US" sz="2000" dirty="0"/>
+              <a:t>The RSE is an estimate of the standard deviation of </a:t>
+            </a:r>
+            <a:r>
+              <a:rPr lang="en-US" sz="2000" dirty="0" err="1"/>
+              <a:t>ε</a:t>
+            </a:r>
+            <a:r>
+              <a:rPr lang="en-US" sz="2000" dirty="0"/>
+              <a:t>. It is basically the average amount that the response will deviate from the true regression line. </a:t>
+            </a:r>
+          </a:p>
+          <a:p>
+            <a:endParaRPr lang="en-US" sz="2000" baseline="30000" dirty="0"/>
+          </a:p>
+        </p:txBody>
+      </p:sp>
     </p:spTree>
     <p:extLst>
       <p:ext uri="{BB962C8B-B14F-4D97-AF65-F5344CB8AC3E}">
-        <p14:creationId xmlns:p14="http://schemas.microsoft.com/office/powerpoint/2010/main" val="2988132113"/>
+        <p14:creationId xmlns:p14="http://schemas.microsoft.com/office/powerpoint/2010/main" val="1620471663"/>
       </p:ext>
     </p:extLst>
   </p:cSld>
@@ -45129,6 +44975,339 @@
       </p:grpSpPr>
       <p:sp>
         <p:nvSpPr>
+          <p:cNvPr id="2" name="TextBox 1"/>
+          <p:cNvSpPr txBox="1"/>
+          <p:nvPr/>
+        </p:nvSpPr>
+        <p:spPr>
+          <a:xfrm>
+            <a:off x="762000" y="133350"/>
+            <a:ext cx="3949919" cy="584776"/>
+          </a:xfrm>
+          <a:prstGeom prst="rect">
+            <a:avLst/>
+          </a:prstGeom>
+          <a:noFill/>
+        </p:spPr>
+        <p:txBody>
+          <a:bodyPr wrap="none" rtlCol="0">
+            <a:spAutoFit/>
+          </a:bodyPr>
+          <a:lstStyle/>
+          <a:p>
+            <a:r>
+              <a:rPr lang="en-US" sz="3200" dirty="0"/>
+              <a:t>Least square approach</a:t>
+            </a:r>
+          </a:p>
+        </p:txBody>
+      </p:sp>
+      <p:sp>
+        <p:nvSpPr>
+          <p:cNvPr id="5" name="TextBox 4"/>
+          <p:cNvSpPr txBox="1"/>
+          <p:nvPr/>
+        </p:nvSpPr>
+        <p:spPr>
+          <a:xfrm>
+            <a:off x="304800" y="3486150"/>
+            <a:ext cx="5334000" cy="1015663"/>
+          </a:xfrm>
+          <a:prstGeom prst="rect">
+            <a:avLst/>
+          </a:prstGeom>
+          <a:noFill/>
+        </p:spPr>
+        <p:txBody>
+          <a:bodyPr wrap="square" rtlCol="0">
+            <a:spAutoFit/>
+          </a:bodyPr>
+          <a:lstStyle/>
+          <a:p>
+            <a:r>
+              <a:rPr lang="en-US" sz="2000" dirty="0"/>
+              <a:t>The least squares approach chooses β</a:t>
+            </a:r>
+            <a:r>
+              <a:rPr lang="en-US" sz="2000" baseline="-25000" dirty="0"/>
+              <a:t>0</a:t>
+            </a:r>
+            <a:r>
+              <a:rPr lang="en-US" sz="2000" dirty="0"/>
+              <a:t> and β</a:t>
+            </a:r>
+            <a:r>
+              <a:rPr lang="en-US" sz="2000" baseline="-25000" dirty="0"/>
+              <a:t>1</a:t>
+            </a:r>
+            <a:r>
+              <a:rPr lang="en-US" sz="2000" dirty="0"/>
+              <a:t> to minimize the RSS. Using some calculus, one can show that the minimizers are:</a:t>
+            </a:r>
+            <a:endParaRPr lang="en-US" sz="2000" baseline="30000" dirty="0"/>
+          </a:p>
+        </p:txBody>
+      </p:sp>
+      <p:pic>
+        <p:nvPicPr>
+          <p:cNvPr id="6" name="Picture 5"/>
+          <p:cNvPicPr>
+            <a:picLocks noChangeAspect="1"/>
+          </p:cNvPicPr>
+          <p:nvPr/>
+        </p:nvPicPr>
+        <p:blipFill>
+          <a:blip r:embed="rId2"/>
+          <a:stretch>
+            <a:fillRect/>
+          </a:stretch>
+        </p:blipFill>
+        <p:spPr>
+          <a:xfrm>
+            <a:off x="3505200" y="1504950"/>
+            <a:ext cx="1905000" cy="800100"/>
+          </a:xfrm>
+          <a:prstGeom prst="rect">
+            <a:avLst/>
+          </a:prstGeom>
+        </p:spPr>
+      </p:pic>
+      <p:pic>
+        <p:nvPicPr>
+          <p:cNvPr id="10" name="Picture 9"/>
+          <p:cNvPicPr>
+            <a:picLocks noChangeAspect="1"/>
+          </p:cNvPicPr>
+          <p:nvPr/>
+        </p:nvPicPr>
+        <p:blipFill>
+          <a:blip r:embed="rId3"/>
+          <a:stretch>
+            <a:fillRect/>
+          </a:stretch>
+        </p:blipFill>
+        <p:spPr>
+          <a:xfrm>
+            <a:off x="3505200" y="819150"/>
+            <a:ext cx="2209800" cy="450980"/>
+          </a:xfrm>
+          <a:prstGeom prst="rect">
+            <a:avLst/>
+          </a:prstGeom>
+        </p:spPr>
+      </p:pic>
+      <p:pic>
+        <p:nvPicPr>
+          <p:cNvPr id="3" name="Picture 2"/>
+          <p:cNvPicPr>
+            <a:picLocks noChangeAspect="1"/>
+          </p:cNvPicPr>
+          <p:nvPr/>
+        </p:nvPicPr>
+        <p:blipFill>
+          <a:blip r:embed="rId4"/>
+          <a:stretch>
+            <a:fillRect/>
+          </a:stretch>
+        </p:blipFill>
+        <p:spPr>
+          <a:xfrm>
+            <a:off x="5486400" y="3406241"/>
+            <a:ext cx="3534780" cy="1235609"/>
+          </a:xfrm>
+          <a:prstGeom prst="rect">
+            <a:avLst/>
+          </a:prstGeom>
+        </p:spPr>
+      </p:pic>
+      <p:pic>
+        <p:nvPicPr>
+          <p:cNvPr id="4" name="Picture 3"/>
+          <p:cNvPicPr>
+            <a:picLocks noChangeAspect="1"/>
+          </p:cNvPicPr>
+          <p:nvPr/>
+        </p:nvPicPr>
+        <p:blipFill>
+          <a:blip r:embed="rId5"/>
+          <a:stretch>
+            <a:fillRect/>
+          </a:stretch>
+        </p:blipFill>
+        <p:spPr>
+          <a:xfrm>
+            <a:off x="762000" y="2343150"/>
+            <a:ext cx="7683166" cy="615950"/>
+          </a:xfrm>
+          <a:prstGeom prst="rect">
+            <a:avLst/>
+          </a:prstGeom>
+        </p:spPr>
+      </p:pic>
+      <p:pic>
+        <p:nvPicPr>
+          <p:cNvPr id="11" name="Picture 10"/>
+          <p:cNvPicPr>
+            <a:picLocks noChangeAspect="1"/>
+          </p:cNvPicPr>
+          <p:nvPr/>
+        </p:nvPicPr>
+        <p:blipFill>
+          <a:blip r:embed="rId6"/>
+          <a:stretch>
+            <a:fillRect/>
+          </a:stretch>
+        </p:blipFill>
+        <p:spPr>
+          <a:xfrm>
+            <a:off x="6400800" y="57150"/>
+            <a:ext cx="2463800" cy="2348962"/>
+          </a:xfrm>
+          <a:prstGeom prst="rect">
+            <a:avLst/>
+          </a:prstGeom>
+        </p:spPr>
+      </p:pic>
+    </p:spTree>
+    <p:extLst>
+      <p:ext uri="{BB962C8B-B14F-4D97-AF65-F5344CB8AC3E}">
+        <p14:creationId xmlns:p14="http://schemas.microsoft.com/office/powerpoint/2010/main" val="1297300796"/>
+      </p:ext>
+    </p:extLst>
+  </p:cSld>
+  <p:clrMapOvr>
+    <a:masterClrMapping/>
+  </p:clrMapOvr>
+</p:sld>
+</file>
+
+<file path=ppt/slides/slide52.xml><?xml version="1.0" encoding="utf-8"?>
+<p:sld xmlns:a="http://schemas.openxmlformats.org/drawingml/2006/main" xmlns:r="http://schemas.openxmlformats.org/officeDocument/2006/relationships" xmlns:p="http://schemas.openxmlformats.org/presentationml/2006/main">
+  <p:cSld>
+    <p:spTree>
+      <p:nvGrpSpPr>
+        <p:cNvPr id="1" name=""/>
+        <p:cNvGrpSpPr/>
+        <p:nvPr/>
+      </p:nvGrpSpPr>
+      <p:grpSpPr>
+        <a:xfrm>
+          <a:off x="0" y="0"/>
+          <a:ext cx="0" cy="0"/>
+          <a:chOff x="0" y="0"/>
+          <a:chExt cx="0" cy="0"/>
+        </a:xfrm>
+      </p:grpSpPr>
+      <p:sp>
+        <p:nvSpPr>
+          <p:cNvPr id="2" name="TextBox 1"/>
+          <p:cNvSpPr txBox="1"/>
+          <p:nvPr/>
+        </p:nvSpPr>
+        <p:spPr>
+          <a:xfrm>
+            <a:off x="457200" y="514350"/>
+            <a:ext cx="6762750" cy="338554"/>
+          </a:xfrm>
+          <a:prstGeom prst="rect">
+            <a:avLst/>
+          </a:prstGeom>
+          <a:noFill/>
+        </p:spPr>
+        <p:txBody>
+          <a:bodyPr wrap="square" rtlCol="0">
+            <a:spAutoFit/>
+          </a:bodyPr>
+          <a:lstStyle/>
+          <a:p>
+            <a:r>
+              <a:rPr lang="en-US" sz="2400" baseline="30000" dirty="0"/>
+              <a:t>Saving and plotting theta</a:t>
+            </a:r>
+            <a:endParaRPr lang="en-US" sz="2400" dirty="0"/>
+          </a:p>
+        </p:txBody>
+      </p:sp>
+      <p:pic>
+        <p:nvPicPr>
+          <p:cNvPr id="4" name="Picture 3"/>
+          <p:cNvPicPr>
+            <a:picLocks noChangeAspect="1"/>
+          </p:cNvPicPr>
+          <p:nvPr/>
+        </p:nvPicPr>
+        <p:blipFill>
+          <a:blip r:embed="rId2"/>
+          <a:stretch>
+            <a:fillRect/>
+          </a:stretch>
+        </p:blipFill>
+        <p:spPr>
+          <a:xfrm>
+            <a:off x="304800" y="1200150"/>
+            <a:ext cx="4267200" cy="3200400"/>
+          </a:xfrm>
+          <a:prstGeom prst="rect">
+            <a:avLst/>
+          </a:prstGeom>
+        </p:spPr>
+      </p:pic>
+      <p:pic>
+        <p:nvPicPr>
+          <p:cNvPr id="6" name="Picture 5"/>
+          <p:cNvPicPr>
+            <a:picLocks noChangeAspect="1"/>
+          </p:cNvPicPr>
+          <p:nvPr/>
+        </p:nvPicPr>
+        <p:blipFill>
+          <a:blip r:embed="rId3"/>
+          <a:stretch>
+            <a:fillRect/>
+          </a:stretch>
+        </p:blipFill>
+        <p:spPr>
+          <a:xfrm>
+            <a:off x="4495800" y="1200150"/>
+            <a:ext cx="4193672" cy="3321050"/>
+          </a:xfrm>
+          <a:prstGeom prst="rect">
+            <a:avLst/>
+          </a:prstGeom>
+        </p:spPr>
+      </p:pic>
+    </p:spTree>
+    <p:extLst>
+      <p:ext uri="{BB962C8B-B14F-4D97-AF65-F5344CB8AC3E}">
+        <p14:creationId xmlns:p14="http://schemas.microsoft.com/office/powerpoint/2010/main" val="2988132113"/>
+      </p:ext>
+    </p:extLst>
+  </p:cSld>
+  <p:clrMapOvr>
+    <a:masterClrMapping/>
+  </p:clrMapOvr>
+</p:sld>
+</file>
+
+<file path=ppt/slides/slide53.xml><?xml version="1.0" encoding="utf-8"?>
+<p:sld xmlns:a="http://schemas.openxmlformats.org/drawingml/2006/main" xmlns:r="http://schemas.openxmlformats.org/officeDocument/2006/relationships" xmlns:p="http://schemas.openxmlformats.org/presentationml/2006/main">
+  <p:cSld>
+    <p:spTree>
+      <p:nvGrpSpPr>
+        <p:cNvPr id="1" name=""/>
+        <p:cNvGrpSpPr/>
+        <p:nvPr/>
+      </p:nvGrpSpPr>
+      <p:grpSpPr>
+        <a:xfrm>
+          <a:off x="0" y="0"/>
+          <a:ext cx="0" cy="0"/>
+          <a:chOff x="0" y="0"/>
+          <a:chExt cx="0" cy="0"/>
+        </a:xfrm>
+      </p:grpSpPr>
+      <p:sp>
+        <p:nvSpPr>
           <p:cNvPr id="2" name="Rectangle 1"/>
           <p:cNvSpPr/>
           <p:nvPr/>
@@ -45241,7 +45420,7 @@
 </p:sld>
 </file>
 
-<file path=ppt/slides/slide52.xml><?xml version="1.0" encoding="utf-8"?>
+<file path=ppt/slides/slide54.xml><?xml version="1.0" encoding="utf-8"?>
 <p:sld xmlns:a="http://schemas.openxmlformats.org/drawingml/2006/main" xmlns:r="http://schemas.openxmlformats.org/officeDocument/2006/relationships" xmlns:p="http://schemas.openxmlformats.org/presentationml/2006/main">
   <p:cSld>
     <p:spTree>
